--- a/01/yongki/LanguageSystem.pptx
+++ b/01/yongki/LanguageSystem.pptx
@@ -6,7 +6,7 @@
     <p:sldMasterId id="2147483660" r:id="rId2"/>
   </p:sldMasterIdLst>
   <p:notesMasterIdLst>
-    <p:notesMasterId r:id="rId13"/>
+    <p:notesMasterId r:id="rId15"/>
   </p:notesMasterIdLst>
   <p:sldIdLst>
     <p:sldId id="256" r:id="rId3"/>
@@ -17,8 +17,10 @@
     <p:sldId id="284" r:id="rId8"/>
     <p:sldId id="285" r:id="rId9"/>
     <p:sldId id="286" r:id="rId10"/>
-    <p:sldId id="287" r:id="rId11"/>
-    <p:sldId id="281" r:id="rId12"/>
+    <p:sldId id="288" r:id="rId11"/>
+    <p:sldId id="289" r:id="rId12"/>
+    <p:sldId id="287" r:id="rId13"/>
+    <p:sldId id="281" r:id="rId14"/>
   </p:sldIdLst>
   <p:sldSz cx="9144000" cy="6858000" type="screen4x3"/>
   <p:notesSz cx="6858000" cy="9144000"/>
@@ -248,7 +250,7 @@
           <a:p>
             <a:fld id="{278A5395-7299-4714-9E5C-8983F2B9A6E7}" type="datetimeFigureOut">
               <a:rPr lang="ko-KR" altLang="en-US" smtClean="0"/>
-              <a:t>2021-12-22</a:t>
+              <a:t>2021-12-23</a:t>
             </a:fld>
             <a:endParaRPr lang="ko-KR" altLang="en-US"/>
           </a:p>
@@ -924,6 +926,174 @@
             <a:fld id="{135C8A8A-C00E-495C-AA78-E91BBCD525AD}" type="slidenum">
               <a:rPr lang="ko-KR" altLang="en-US" smtClean="0"/>
               <a:t>9</a:t>
+            </a:fld>
+            <a:endParaRPr lang="ko-KR" altLang="en-US"/>
+          </a:p>
+        </p:txBody>
+      </p:sp>
+    </p:spTree>
+    <p:extLst>
+      <p:ext uri="{BB962C8B-B14F-4D97-AF65-F5344CB8AC3E}">
+        <p14:creationId xmlns:p14="http://schemas.microsoft.com/office/powerpoint/2010/main" val="2495726384"/>
+      </p:ext>
+    </p:extLst>
+  </p:cSld>
+  <p:clrMapOvr>
+    <a:masterClrMapping/>
+  </p:clrMapOvr>
+</p:notes>
+</file>
+
+<file path=ppt/notesSlides/notesSlide6.xml><?xml version="1.0" encoding="utf-8"?>
+<p:notes xmlns:a="http://schemas.openxmlformats.org/drawingml/2006/main" xmlns:r="http://schemas.openxmlformats.org/officeDocument/2006/relationships" xmlns:p="http://schemas.openxmlformats.org/presentationml/2006/main">
+  <p:cSld>
+    <p:spTree>
+      <p:nvGrpSpPr>
+        <p:cNvPr id="1" name=""/>
+        <p:cNvGrpSpPr/>
+        <p:nvPr/>
+      </p:nvGrpSpPr>
+      <p:grpSpPr>
+        <a:xfrm>
+          <a:off x="0" y="0"/>
+          <a:ext cx="0" cy="0"/>
+          <a:chOff x="0" y="0"/>
+          <a:chExt cx="0" cy="0"/>
+        </a:xfrm>
+      </p:grpSpPr>
+      <p:sp>
+        <p:nvSpPr>
+          <p:cNvPr id="2" name="슬라이드 이미지 개체 틀 1"/>
+          <p:cNvSpPr>
+            <a:spLocks noGrp="1" noRot="1" noChangeAspect="1"/>
+          </p:cNvSpPr>
+          <p:nvPr>
+            <p:ph type="sldImg"/>
+          </p:nvPr>
+        </p:nvSpPr>
+        <p:spPr/>
+      </p:sp>
+      <p:sp>
+        <p:nvSpPr>
+          <p:cNvPr id="3" name="슬라이드 노트 개체 틀 2"/>
+          <p:cNvSpPr>
+            <a:spLocks noGrp="1"/>
+          </p:cNvSpPr>
+          <p:nvPr>
+            <p:ph type="body" idx="1"/>
+          </p:nvPr>
+        </p:nvSpPr>
+        <p:spPr/>
+        <p:txBody>
+          <a:bodyPr/>
+          <a:lstStyle/>
+          <a:p>
+            <a:endParaRPr lang="ko-KR" altLang="en-US"/>
+          </a:p>
+        </p:txBody>
+      </p:sp>
+      <p:sp>
+        <p:nvSpPr>
+          <p:cNvPr id="4" name="슬라이드 번호 개체 틀 3"/>
+          <p:cNvSpPr>
+            <a:spLocks noGrp="1"/>
+          </p:cNvSpPr>
+          <p:nvPr>
+            <p:ph type="sldNum" sz="quarter" idx="5"/>
+          </p:nvPr>
+        </p:nvSpPr>
+        <p:spPr/>
+        <p:txBody>
+          <a:bodyPr/>
+          <a:lstStyle/>
+          <a:p>
+            <a:fld id="{135C8A8A-C00E-495C-AA78-E91BBCD525AD}" type="slidenum">
+              <a:rPr lang="ko-KR" altLang="en-US" smtClean="0"/>
+              <a:t>10</a:t>
+            </a:fld>
+            <a:endParaRPr lang="ko-KR" altLang="en-US"/>
+          </a:p>
+        </p:txBody>
+      </p:sp>
+    </p:spTree>
+    <p:extLst>
+      <p:ext uri="{BB962C8B-B14F-4D97-AF65-F5344CB8AC3E}">
+        <p14:creationId xmlns:p14="http://schemas.microsoft.com/office/powerpoint/2010/main" val="3105320246"/>
+      </p:ext>
+    </p:extLst>
+  </p:cSld>
+  <p:clrMapOvr>
+    <a:masterClrMapping/>
+  </p:clrMapOvr>
+</p:notes>
+</file>
+
+<file path=ppt/notesSlides/notesSlide7.xml><?xml version="1.0" encoding="utf-8"?>
+<p:notes xmlns:a="http://schemas.openxmlformats.org/drawingml/2006/main" xmlns:r="http://schemas.openxmlformats.org/officeDocument/2006/relationships" xmlns:p="http://schemas.openxmlformats.org/presentationml/2006/main">
+  <p:cSld>
+    <p:spTree>
+      <p:nvGrpSpPr>
+        <p:cNvPr id="1" name=""/>
+        <p:cNvGrpSpPr/>
+        <p:nvPr/>
+      </p:nvGrpSpPr>
+      <p:grpSpPr>
+        <a:xfrm>
+          <a:off x="0" y="0"/>
+          <a:ext cx="0" cy="0"/>
+          <a:chOff x="0" y="0"/>
+          <a:chExt cx="0" cy="0"/>
+        </a:xfrm>
+      </p:grpSpPr>
+      <p:sp>
+        <p:nvSpPr>
+          <p:cNvPr id="2" name="슬라이드 이미지 개체 틀 1"/>
+          <p:cNvSpPr>
+            <a:spLocks noGrp="1" noRot="1" noChangeAspect="1"/>
+          </p:cNvSpPr>
+          <p:nvPr>
+            <p:ph type="sldImg"/>
+          </p:nvPr>
+        </p:nvSpPr>
+        <p:spPr/>
+      </p:sp>
+      <p:sp>
+        <p:nvSpPr>
+          <p:cNvPr id="3" name="슬라이드 노트 개체 틀 2"/>
+          <p:cNvSpPr>
+            <a:spLocks noGrp="1"/>
+          </p:cNvSpPr>
+          <p:nvPr>
+            <p:ph type="body" idx="1"/>
+          </p:nvPr>
+        </p:nvSpPr>
+        <p:spPr/>
+        <p:txBody>
+          <a:bodyPr/>
+          <a:lstStyle/>
+          <a:p>
+            <a:endParaRPr lang="ko-KR" altLang="en-US"/>
+          </a:p>
+        </p:txBody>
+      </p:sp>
+      <p:sp>
+        <p:nvSpPr>
+          <p:cNvPr id="4" name="슬라이드 번호 개체 틀 3"/>
+          <p:cNvSpPr>
+            <a:spLocks noGrp="1"/>
+          </p:cNvSpPr>
+          <p:nvPr>
+            <p:ph type="sldNum" sz="quarter" idx="5"/>
+          </p:nvPr>
+        </p:nvSpPr>
+        <p:spPr/>
+        <p:txBody>
+          <a:bodyPr/>
+          <a:lstStyle/>
+          <a:p>
+            <a:fld id="{135C8A8A-C00E-495C-AA78-E91BBCD525AD}" type="slidenum">
+              <a:rPr lang="ko-KR" altLang="en-US" smtClean="0"/>
+              <a:t>11</a:t>
             </a:fld>
             <a:endParaRPr lang="ko-KR" altLang="en-US"/>
           </a:p>
@@ -8629,6 +8799,2684 @@
       </p:grpSpPr>
       <p:sp>
         <p:nvSpPr>
+          <p:cNvPr id="4" name="Rectangle 2">
+            <a:extLst>
+              <a:ext uri="{FF2B5EF4-FFF2-40B4-BE49-F238E27FC236}">
+                <a16:creationId xmlns:a16="http://schemas.microsoft.com/office/drawing/2014/main" id="{5A36AE50-05D9-4A3F-A6FC-8BA5F8476B15}"/>
+              </a:ext>
+            </a:extLst>
+          </p:cNvPr>
+          <p:cNvSpPr txBox="1">
+            <a:spLocks noChangeArrowheads="1"/>
+          </p:cNvSpPr>
+          <p:nvPr/>
+        </p:nvSpPr>
+        <p:spPr>
+          <a:xfrm>
+            <a:off x="457200" y="476672"/>
+            <a:ext cx="8229600" cy="1295400"/>
+          </a:xfrm>
+          <a:prstGeom prst="rect">
+            <a:avLst/>
+          </a:prstGeom>
+        </p:spPr>
+        <p:txBody>
+          <a:bodyPr/>
+          <a:lstStyle>
+            <a:lvl1pPr algn="ctr" rtl="0" eaLnBrk="0" fontAlgn="base" hangingPunct="0">
+              <a:spcBef>
+                <a:spcPct val="0"/>
+              </a:spcBef>
+              <a:spcAft>
+                <a:spcPct val="0"/>
+              </a:spcAft>
+              <a:defRPr sz="4400" kern="1200">
+                <a:solidFill>
+                  <a:schemeClr val="tx2"/>
+                </a:solidFill>
+                <a:latin typeface="맑은 고딕" panose="020B0503020000020004" pitchFamily="50" charset="-127"/>
+                <a:ea typeface="맑은 고딕" panose="020B0503020000020004" pitchFamily="50" charset="-127"/>
+                <a:cs typeface="+mj-cs"/>
+              </a:defRPr>
+            </a:lvl1pPr>
+            <a:lvl2pPr algn="ctr" rtl="0" eaLnBrk="0" fontAlgn="base" hangingPunct="0">
+              <a:spcBef>
+                <a:spcPct val="0"/>
+              </a:spcBef>
+              <a:spcAft>
+                <a:spcPct val="0"/>
+              </a:spcAft>
+              <a:defRPr sz="4400">
+                <a:solidFill>
+                  <a:schemeClr val="tx2"/>
+                </a:solidFill>
+                <a:latin typeface="Arial" panose="020B0604020202020204" pitchFamily="34" charset="0"/>
+                <a:ea typeface="Arial Unicode MS" panose="020B0604020202020204" pitchFamily="50" charset="-127"/>
+                <a:cs typeface="Arial" panose="020B0604020202020204" pitchFamily="34" charset="0"/>
+              </a:defRPr>
+            </a:lvl2pPr>
+            <a:lvl3pPr algn="ctr" rtl="0" eaLnBrk="0" fontAlgn="base" hangingPunct="0">
+              <a:spcBef>
+                <a:spcPct val="0"/>
+              </a:spcBef>
+              <a:spcAft>
+                <a:spcPct val="0"/>
+              </a:spcAft>
+              <a:defRPr sz="4400">
+                <a:solidFill>
+                  <a:schemeClr val="tx2"/>
+                </a:solidFill>
+                <a:latin typeface="Arial" panose="020B0604020202020204" pitchFamily="34" charset="0"/>
+                <a:ea typeface="Arial Unicode MS" panose="020B0604020202020204" pitchFamily="50" charset="-127"/>
+                <a:cs typeface="Arial" panose="020B0604020202020204" pitchFamily="34" charset="0"/>
+              </a:defRPr>
+            </a:lvl3pPr>
+            <a:lvl4pPr algn="ctr" rtl="0" eaLnBrk="0" fontAlgn="base" hangingPunct="0">
+              <a:spcBef>
+                <a:spcPct val="0"/>
+              </a:spcBef>
+              <a:spcAft>
+                <a:spcPct val="0"/>
+              </a:spcAft>
+              <a:defRPr sz="4400">
+                <a:solidFill>
+                  <a:schemeClr val="tx2"/>
+                </a:solidFill>
+                <a:latin typeface="Arial" panose="020B0604020202020204" pitchFamily="34" charset="0"/>
+                <a:ea typeface="Arial Unicode MS" panose="020B0604020202020204" pitchFamily="50" charset="-127"/>
+                <a:cs typeface="Arial" panose="020B0604020202020204" pitchFamily="34" charset="0"/>
+              </a:defRPr>
+            </a:lvl4pPr>
+            <a:lvl5pPr algn="ctr" rtl="0" eaLnBrk="0" fontAlgn="base" hangingPunct="0">
+              <a:spcBef>
+                <a:spcPct val="0"/>
+              </a:spcBef>
+              <a:spcAft>
+                <a:spcPct val="0"/>
+              </a:spcAft>
+              <a:defRPr sz="4400">
+                <a:solidFill>
+                  <a:schemeClr val="tx2"/>
+                </a:solidFill>
+                <a:latin typeface="Arial" panose="020B0604020202020204" pitchFamily="34" charset="0"/>
+                <a:ea typeface="Arial Unicode MS" panose="020B0604020202020204" pitchFamily="50" charset="-127"/>
+                <a:cs typeface="Arial" panose="020B0604020202020204" pitchFamily="34" charset="0"/>
+              </a:defRPr>
+            </a:lvl5pPr>
+            <a:lvl6pPr marL="457200" algn="ctr" rtl="0" fontAlgn="base">
+              <a:spcBef>
+                <a:spcPct val="0"/>
+              </a:spcBef>
+              <a:spcAft>
+                <a:spcPct val="0"/>
+              </a:spcAft>
+              <a:defRPr sz="4400">
+                <a:solidFill>
+                  <a:schemeClr val="tx2"/>
+                </a:solidFill>
+                <a:latin typeface="Arial" panose="020B0604020202020204" pitchFamily="34" charset="0"/>
+                <a:cs typeface="Arial" panose="020B0604020202020204" pitchFamily="34" charset="0"/>
+              </a:defRPr>
+            </a:lvl6pPr>
+            <a:lvl7pPr marL="914400" algn="ctr" rtl="0" fontAlgn="base">
+              <a:spcBef>
+                <a:spcPct val="0"/>
+              </a:spcBef>
+              <a:spcAft>
+                <a:spcPct val="0"/>
+              </a:spcAft>
+              <a:defRPr sz="4400">
+                <a:solidFill>
+                  <a:schemeClr val="tx2"/>
+                </a:solidFill>
+                <a:latin typeface="Arial" panose="020B0604020202020204" pitchFamily="34" charset="0"/>
+                <a:cs typeface="Arial" panose="020B0604020202020204" pitchFamily="34" charset="0"/>
+              </a:defRPr>
+            </a:lvl7pPr>
+            <a:lvl8pPr marL="1371600" algn="ctr" rtl="0" fontAlgn="base">
+              <a:spcBef>
+                <a:spcPct val="0"/>
+              </a:spcBef>
+              <a:spcAft>
+                <a:spcPct val="0"/>
+              </a:spcAft>
+              <a:defRPr sz="4400">
+                <a:solidFill>
+                  <a:schemeClr val="tx2"/>
+                </a:solidFill>
+                <a:latin typeface="Arial" panose="020B0604020202020204" pitchFamily="34" charset="0"/>
+                <a:cs typeface="Arial" panose="020B0604020202020204" pitchFamily="34" charset="0"/>
+              </a:defRPr>
+            </a:lvl8pPr>
+            <a:lvl9pPr marL="1828800" algn="ctr" rtl="0" fontAlgn="base">
+              <a:spcBef>
+                <a:spcPct val="0"/>
+              </a:spcBef>
+              <a:spcAft>
+                <a:spcPct val="0"/>
+              </a:spcAft>
+              <a:defRPr sz="4400">
+                <a:solidFill>
+                  <a:schemeClr val="tx2"/>
+                </a:solidFill>
+                <a:latin typeface="Arial" panose="020B0604020202020204" pitchFamily="34" charset="0"/>
+                <a:cs typeface="Arial" panose="020B0604020202020204" pitchFamily="34" charset="0"/>
+              </a:defRPr>
+            </a:lvl9pPr>
+          </a:lstStyle>
+          <a:p>
+            <a:pPr algn="l"/>
+            <a:r>
+              <a:rPr lang="en-US" altLang="ko-KR" sz="3200">
+                <a:solidFill>
+                  <a:schemeClr val="tx1"/>
+                </a:solidFill>
+              </a:rPr>
+              <a:t>2</a:t>
+            </a:r>
+            <a:r>
+              <a:rPr lang="ko-KR" altLang="en-US" sz="3200">
+                <a:solidFill>
+                  <a:schemeClr val="tx1"/>
+                </a:solidFill>
+              </a:rPr>
+              <a:t>진수 텍스트</a:t>
+            </a:r>
+            <a:r>
+              <a:rPr lang="en-US" altLang="ko-KR" sz="3200">
+                <a:solidFill>
+                  <a:schemeClr val="tx1"/>
+                </a:solidFill>
+              </a:rPr>
+              <a:t> </a:t>
+            </a:r>
+            <a:r>
+              <a:rPr lang="en-US" altLang="ko-KR" sz="2000" b="0" i="0">
+                <a:solidFill>
+                  <a:srgbClr val="333333"/>
+                </a:solidFill>
+                <a:effectLst/>
+                <a:latin typeface="-apple-system"/>
+              </a:rPr>
+              <a:t>Base64 </a:t>
+            </a:r>
+            <a:r>
+              <a:rPr lang="ko-KR" altLang="en-US" sz="2000" b="0" i="0">
+                <a:solidFill>
+                  <a:srgbClr val="333333"/>
+                </a:solidFill>
+                <a:effectLst/>
+                <a:latin typeface="-apple-system"/>
+              </a:rPr>
+              <a:t>인코딩</a:t>
+            </a:r>
+            <a:r>
+              <a:rPr lang="en-US" altLang="ko-KR" sz="2000" b="0" i="0">
+                <a:solidFill>
+                  <a:srgbClr val="333333"/>
+                </a:solidFill>
+                <a:effectLst/>
+                <a:latin typeface="-apple-system"/>
+              </a:rPr>
+              <a:t>(1)</a:t>
+            </a:r>
+            <a:endParaRPr lang="ko-KR" altLang="en-US" sz="1800" b="0" i="0">
+              <a:solidFill>
+                <a:srgbClr val="333333"/>
+              </a:solidFill>
+              <a:effectLst/>
+              <a:latin typeface="-apple-system"/>
+            </a:endParaRPr>
+          </a:p>
+        </p:txBody>
+      </p:sp>
+      <p:cxnSp>
+        <p:nvCxnSpPr>
+          <p:cNvPr id="5" name="직선 연결선 4">
+            <a:extLst>
+              <a:ext uri="{FF2B5EF4-FFF2-40B4-BE49-F238E27FC236}">
+                <a16:creationId xmlns:a16="http://schemas.microsoft.com/office/drawing/2014/main" id="{25EBF773-EAAC-4D7B-92F5-7072048F85E3}"/>
+              </a:ext>
+            </a:extLst>
+          </p:cNvPr>
+          <p:cNvCxnSpPr/>
+          <p:nvPr/>
+        </p:nvCxnSpPr>
+        <p:spPr bwMode="auto">
+          <a:xfrm>
+            <a:off x="575556" y="1268760"/>
+            <a:ext cx="7992888" cy="0"/>
+          </a:xfrm>
+          <a:prstGeom prst="line">
+            <a:avLst/>
+          </a:prstGeom>
+          <a:solidFill>
+            <a:schemeClr val="accent1"/>
+          </a:solidFill>
+          <a:ln w="25400" cap="flat" cmpd="sng" algn="ctr">
+            <a:solidFill>
+              <a:schemeClr val="tx1"/>
+            </a:solidFill>
+            <a:prstDash val="solid"/>
+            <a:round/>
+            <a:headEnd type="none" w="med" len="med"/>
+            <a:tailEnd type="none" w="med" len="med"/>
+          </a:ln>
+          <a:effectLst/>
+          <a:extLst>
+            <a:ext uri="{AF507438-7753-43E0-B8FC-AC1667EBCBE1}">
+              <a14:hiddenEffects xmlns:a14="http://schemas.microsoft.com/office/drawing/2010/main">
+                <a:effectLst>
+                  <a:outerShdw dist="35921" dir="2700000" algn="ctr" rotWithShape="0">
+                    <a:schemeClr val="bg2"/>
+                  </a:outerShdw>
+                </a:effectLst>
+              </a14:hiddenEffects>
+            </a:ext>
+          </a:extLst>
+        </p:spPr>
+      </p:cxnSp>
+      <p:sp>
+        <p:nvSpPr>
+          <p:cNvPr id="14" name="TextBox 13">
+            <a:extLst>
+              <a:ext uri="{FF2B5EF4-FFF2-40B4-BE49-F238E27FC236}">
+                <a16:creationId xmlns:a16="http://schemas.microsoft.com/office/drawing/2014/main" id="{F1FD3064-6394-4543-B644-5FFFEE94215F}"/>
+              </a:ext>
+            </a:extLst>
+          </p:cNvPr>
+          <p:cNvSpPr txBox="1">
+            <a:spLocks noChangeArrowheads="1"/>
+          </p:cNvSpPr>
+          <p:nvPr/>
+        </p:nvSpPr>
+        <p:spPr bwMode="auto">
+          <a:xfrm>
+            <a:off x="449721" y="1329491"/>
+            <a:ext cx="8028334" cy="923330"/>
+          </a:xfrm>
+          <a:prstGeom prst="rect">
+            <a:avLst/>
+          </a:prstGeom>
+          <a:noFill/>
+          <a:ln>
+            <a:noFill/>
+          </a:ln>
+          <a:extLst>
+            <a:ext uri="{909E8E84-426E-40DD-AFC4-6F175D3DCCD1}">
+              <a14:hiddenFill xmlns:a14="http://schemas.microsoft.com/office/drawing/2010/main">
+                <a:solidFill>
+                  <a:srgbClr val="FFFFFF"/>
+                </a:solidFill>
+              </a14:hiddenFill>
+            </a:ext>
+            <a:ext uri="{91240B29-F687-4F45-9708-019B960494DF}">
+              <a14:hiddenLine xmlns:a14="http://schemas.microsoft.com/office/drawing/2010/main" w="9525">
+                <a:solidFill>
+                  <a:srgbClr val="000000"/>
+                </a:solidFill>
+                <a:miter lim="800000"/>
+                <a:headEnd/>
+                <a:tailEnd/>
+              </a14:hiddenLine>
+            </a:ext>
+          </a:extLst>
+        </p:spPr>
+        <p:txBody>
+          <a:bodyPr wrap="square">
+            <a:spAutoFit/>
+          </a:bodyPr>
+          <a:lstStyle>
+            <a:lvl1pPr>
+              <a:spcBef>
+                <a:spcPct val="20000"/>
+              </a:spcBef>
+              <a:buChar char="•"/>
+              <a:defRPr sz="3200">
+                <a:solidFill>
+                  <a:schemeClr val="tx1"/>
+                </a:solidFill>
+                <a:latin typeface="Arial" panose="020B0604020202020204" pitchFamily="34" charset="0"/>
+                <a:ea typeface="Arial Unicode MS" panose="020B0604020202020204" pitchFamily="50" charset="-127"/>
+                <a:cs typeface="Arial" panose="020B0604020202020204" pitchFamily="34" charset="0"/>
+              </a:defRPr>
+            </a:lvl1pPr>
+            <a:lvl2pPr marL="742950" indent="-285750">
+              <a:spcBef>
+                <a:spcPct val="20000"/>
+              </a:spcBef>
+              <a:buChar char="–"/>
+              <a:defRPr sz="2800">
+                <a:solidFill>
+                  <a:schemeClr val="tx1"/>
+                </a:solidFill>
+                <a:latin typeface="Arial" panose="020B0604020202020204" pitchFamily="34" charset="0"/>
+                <a:ea typeface="Arial Unicode MS" panose="020B0604020202020204" pitchFamily="50" charset="-127"/>
+                <a:cs typeface="Arial" panose="020B0604020202020204" pitchFamily="34" charset="0"/>
+              </a:defRPr>
+            </a:lvl2pPr>
+            <a:lvl3pPr marL="1143000" indent="-228600">
+              <a:spcBef>
+                <a:spcPct val="20000"/>
+              </a:spcBef>
+              <a:buChar char="•"/>
+              <a:defRPr sz="2400">
+                <a:solidFill>
+                  <a:schemeClr val="tx1"/>
+                </a:solidFill>
+                <a:latin typeface="Arial" panose="020B0604020202020204" pitchFamily="34" charset="0"/>
+                <a:ea typeface="Arial Unicode MS" panose="020B0604020202020204" pitchFamily="50" charset="-127"/>
+                <a:cs typeface="Arial" panose="020B0604020202020204" pitchFamily="34" charset="0"/>
+              </a:defRPr>
+            </a:lvl3pPr>
+            <a:lvl4pPr marL="1600200" indent="-228600">
+              <a:spcBef>
+                <a:spcPct val="20000"/>
+              </a:spcBef>
+              <a:buChar char="–"/>
+              <a:defRPr sz="2000">
+                <a:solidFill>
+                  <a:schemeClr val="tx1"/>
+                </a:solidFill>
+                <a:latin typeface="Arial" panose="020B0604020202020204" pitchFamily="34" charset="0"/>
+                <a:ea typeface="Arial Unicode MS" panose="020B0604020202020204" pitchFamily="50" charset="-127"/>
+                <a:cs typeface="Arial" panose="020B0604020202020204" pitchFamily="34" charset="0"/>
+              </a:defRPr>
+            </a:lvl4pPr>
+            <a:lvl5pPr marL="2057400" indent="-228600">
+              <a:spcBef>
+                <a:spcPct val="20000"/>
+              </a:spcBef>
+              <a:buChar char="»"/>
+              <a:defRPr sz="2000">
+                <a:solidFill>
+                  <a:schemeClr val="tx1"/>
+                </a:solidFill>
+                <a:latin typeface="Arial" panose="020B0604020202020204" pitchFamily="34" charset="0"/>
+                <a:ea typeface="Arial Unicode MS" panose="020B0604020202020204" pitchFamily="50" charset="-127"/>
+                <a:cs typeface="Arial" panose="020B0604020202020204" pitchFamily="34" charset="0"/>
+              </a:defRPr>
+            </a:lvl5pPr>
+            <a:lvl6pPr marL="2514600" indent="-228600" eaLnBrk="0" fontAlgn="base" hangingPunct="0">
+              <a:spcBef>
+                <a:spcPct val="20000"/>
+              </a:spcBef>
+              <a:spcAft>
+                <a:spcPct val="0"/>
+              </a:spcAft>
+              <a:buChar char="»"/>
+              <a:defRPr sz="2000">
+                <a:solidFill>
+                  <a:schemeClr val="tx1"/>
+                </a:solidFill>
+                <a:latin typeface="Arial" panose="020B0604020202020204" pitchFamily="34" charset="0"/>
+                <a:ea typeface="Arial Unicode MS" panose="020B0604020202020204" pitchFamily="50" charset="-127"/>
+                <a:cs typeface="Arial" panose="020B0604020202020204" pitchFamily="34" charset="0"/>
+              </a:defRPr>
+            </a:lvl6pPr>
+            <a:lvl7pPr marL="2971800" indent="-228600" eaLnBrk="0" fontAlgn="base" hangingPunct="0">
+              <a:spcBef>
+                <a:spcPct val="20000"/>
+              </a:spcBef>
+              <a:spcAft>
+                <a:spcPct val="0"/>
+              </a:spcAft>
+              <a:buChar char="»"/>
+              <a:defRPr sz="2000">
+                <a:solidFill>
+                  <a:schemeClr val="tx1"/>
+                </a:solidFill>
+                <a:latin typeface="Arial" panose="020B0604020202020204" pitchFamily="34" charset="0"/>
+                <a:ea typeface="Arial Unicode MS" panose="020B0604020202020204" pitchFamily="50" charset="-127"/>
+                <a:cs typeface="Arial" panose="020B0604020202020204" pitchFamily="34" charset="0"/>
+              </a:defRPr>
+            </a:lvl7pPr>
+            <a:lvl8pPr marL="3429000" indent="-228600" eaLnBrk="0" fontAlgn="base" hangingPunct="0">
+              <a:spcBef>
+                <a:spcPct val="20000"/>
+              </a:spcBef>
+              <a:spcAft>
+                <a:spcPct val="0"/>
+              </a:spcAft>
+              <a:buChar char="»"/>
+              <a:defRPr sz="2000">
+                <a:solidFill>
+                  <a:schemeClr val="tx1"/>
+                </a:solidFill>
+                <a:latin typeface="Arial" panose="020B0604020202020204" pitchFamily="34" charset="0"/>
+                <a:ea typeface="Arial Unicode MS" panose="020B0604020202020204" pitchFamily="50" charset="-127"/>
+                <a:cs typeface="Arial" panose="020B0604020202020204" pitchFamily="34" charset="0"/>
+              </a:defRPr>
+            </a:lvl8pPr>
+            <a:lvl9pPr marL="3886200" indent="-228600" eaLnBrk="0" fontAlgn="base" hangingPunct="0">
+              <a:spcBef>
+                <a:spcPct val="20000"/>
+              </a:spcBef>
+              <a:spcAft>
+                <a:spcPct val="0"/>
+              </a:spcAft>
+              <a:buChar char="»"/>
+              <a:defRPr sz="2000">
+                <a:solidFill>
+                  <a:schemeClr val="tx1"/>
+                </a:solidFill>
+                <a:latin typeface="Arial" panose="020B0604020202020204" pitchFamily="34" charset="0"/>
+                <a:ea typeface="Arial Unicode MS" panose="020B0604020202020204" pitchFamily="50" charset="-127"/>
+                <a:cs typeface="Arial" panose="020B0604020202020204" pitchFamily="34" charset="0"/>
+              </a:defRPr>
+            </a:lvl9pPr>
+          </a:lstStyle>
+          <a:p>
+            <a:pPr eaLnBrk="1" hangingPunct="1">
+              <a:spcBef>
+                <a:spcPct val="0"/>
+              </a:spcBef>
+              <a:buFontTx/>
+              <a:buNone/>
+            </a:pPr>
+            <a:r>
+              <a:rPr lang="en-US" altLang="ko-KR" sz="1800" b="1">
+                <a:solidFill>
+                  <a:srgbClr val="333333"/>
+                </a:solidFill>
+                <a:latin typeface="맑은 고딕" panose="020B0503020000020004" pitchFamily="50" charset="-127"/>
+                <a:ea typeface="맑은 고딕" panose="020B0503020000020004" pitchFamily="50" charset="-127"/>
+              </a:rPr>
+              <a:t>Base64 </a:t>
+            </a:r>
+            <a:r>
+              <a:rPr lang="ko-KR" altLang="en-US" sz="1800" b="1">
+                <a:solidFill>
+                  <a:srgbClr val="333333"/>
+                </a:solidFill>
+                <a:latin typeface="맑은 고딕" panose="020B0503020000020004" pitchFamily="50" charset="-127"/>
+                <a:ea typeface="맑은 고딕" panose="020B0503020000020004" pitchFamily="50" charset="-127"/>
+              </a:rPr>
+              <a:t>인코딩</a:t>
+            </a:r>
+            <a:endParaRPr lang="en-US" altLang="ko-KR" sz="1800" b="1">
+              <a:solidFill>
+                <a:srgbClr val="333333"/>
+              </a:solidFill>
+              <a:latin typeface="맑은 고딕" panose="020B0503020000020004" pitchFamily="50" charset="-127"/>
+              <a:ea typeface="맑은 고딕" panose="020B0503020000020004" pitchFamily="50" charset="-127"/>
+            </a:endParaRPr>
+          </a:p>
+          <a:p>
+            <a:pPr eaLnBrk="1" hangingPunct="1">
+              <a:spcBef>
+                <a:spcPct val="0"/>
+              </a:spcBef>
+              <a:buFontTx/>
+              <a:buNone/>
+            </a:pPr>
+            <a:r>
+              <a:rPr lang="en-US" altLang="ko-KR" sz="1800">
+                <a:solidFill>
+                  <a:srgbClr val="333333"/>
+                </a:solidFill>
+                <a:latin typeface="맑은 고딕" panose="020B0503020000020004" pitchFamily="50" charset="-127"/>
+                <a:ea typeface="맑은 고딕" panose="020B0503020000020004" pitchFamily="50" charset="-127"/>
+              </a:rPr>
+              <a:t>: </a:t>
+            </a:r>
+            <a:r>
+              <a:rPr lang="ko-KR" altLang="en-US" sz="1800">
+                <a:solidFill>
+                  <a:srgbClr val="333333"/>
+                </a:solidFill>
+                <a:latin typeface="맑은 고딕" panose="020B0503020000020004" pitchFamily="50" charset="-127"/>
+                <a:ea typeface="맑은 고딕" panose="020B0503020000020004" pitchFamily="50" charset="-127"/>
+              </a:rPr>
+              <a:t>어떤 문자 코드인지에 관해 영향을 받지 않고 일련의 텍스트로 바꾸는 인코딩</a:t>
+            </a:r>
+            <a:endParaRPr lang="en-US" altLang="ko-KR" sz="1800">
+              <a:solidFill>
+                <a:srgbClr val="333333"/>
+              </a:solidFill>
+              <a:latin typeface="맑은 고딕" panose="020B0503020000020004" pitchFamily="50" charset="-127"/>
+              <a:ea typeface="맑은 고딕" panose="020B0503020000020004" pitchFamily="50" charset="-127"/>
+            </a:endParaRPr>
+          </a:p>
+        </p:txBody>
+      </p:sp>
+      <p:sp>
+        <p:nvSpPr>
+          <p:cNvPr id="16" name="TextBox 15">
+            <a:extLst>
+              <a:ext uri="{FF2B5EF4-FFF2-40B4-BE49-F238E27FC236}">
+                <a16:creationId xmlns:a16="http://schemas.microsoft.com/office/drawing/2014/main" id="{EC0E25C4-3528-4638-8C05-724D5DF9A9BC}"/>
+              </a:ext>
+            </a:extLst>
+          </p:cNvPr>
+          <p:cNvSpPr txBox="1">
+            <a:spLocks noChangeArrowheads="1"/>
+          </p:cNvSpPr>
+          <p:nvPr/>
+        </p:nvSpPr>
+        <p:spPr bwMode="auto">
+          <a:xfrm>
+            <a:off x="449721" y="3059668"/>
+            <a:ext cx="8028334" cy="646331"/>
+          </a:xfrm>
+          <a:prstGeom prst="rect">
+            <a:avLst/>
+          </a:prstGeom>
+          <a:noFill/>
+          <a:ln>
+            <a:noFill/>
+          </a:ln>
+          <a:extLst>
+            <a:ext uri="{909E8E84-426E-40DD-AFC4-6F175D3DCCD1}">
+              <a14:hiddenFill xmlns:a14="http://schemas.microsoft.com/office/drawing/2010/main">
+                <a:solidFill>
+                  <a:srgbClr val="FFFFFF"/>
+                </a:solidFill>
+              </a14:hiddenFill>
+            </a:ext>
+            <a:ext uri="{91240B29-F687-4F45-9708-019B960494DF}">
+              <a14:hiddenLine xmlns:a14="http://schemas.microsoft.com/office/drawing/2010/main" w="9525">
+                <a:solidFill>
+                  <a:srgbClr val="000000"/>
+                </a:solidFill>
+                <a:miter lim="800000"/>
+                <a:headEnd/>
+                <a:tailEnd/>
+              </a14:hiddenLine>
+            </a:ext>
+          </a:extLst>
+        </p:spPr>
+        <p:txBody>
+          <a:bodyPr wrap="square">
+            <a:spAutoFit/>
+          </a:bodyPr>
+          <a:lstStyle>
+            <a:lvl1pPr>
+              <a:spcBef>
+                <a:spcPct val="20000"/>
+              </a:spcBef>
+              <a:buChar char="•"/>
+              <a:defRPr sz="3200">
+                <a:solidFill>
+                  <a:schemeClr val="tx1"/>
+                </a:solidFill>
+                <a:latin typeface="Arial" panose="020B0604020202020204" pitchFamily="34" charset="0"/>
+                <a:ea typeface="Arial Unicode MS" panose="020B0604020202020204" pitchFamily="50" charset="-127"/>
+                <a:cs typeface="Arial" panose="020B0604020202020204" pitchFamily="34" charset="0"/>
+              </a:defRPr>
+            </a:lvl1pPr>
+            <a:lvl2pPr marL="742950" indent="-285750">
+              <a:spcBef>
+                <a:spcPct val="20000"/>
+              </a:spcBef>
+              <a:buChar char="–"/>
+              <a:defRPr sz="2800">
+                <a:solidFill>
+                  <a:schemeClr val="tx1"/>
+                </a:solidFill>
+                <a:latin typeface="Arial" panose="020B0604020202020204" pitchFamily="34" charset="0"/>
+                <a:ea typeface="Arial Unicode MS" panose="020B0604020202020204" pitchFamily="50" charset="-127"/>
+                <a:cs typeface="Arial" panose="020B0604020202020204" pitchFamily="34" charset="0"/>
+              </a:defRPr>
+            </a:lvl2pPr>
+            <a:lvl3pPr marL="1143000" indent="-228600">
+              <a:spcBef>
+                <a:spcPct val="20000"/>
+              </a:spcBef>
+              <a:buChar char="•"/>
+              <a:defRPr sz="2400">
+                <a:solidFill>
+                  <a:schemeClr val="tx1"/>
+                </a:solidFill>
+                <a:latin typeface="Arial" panose="020B0604020202020204" pitchFamily="34" charset="0"/>
+                <a:ea typeface="Arial Unicode MS" panose="020B0604020202020204" pitchFamily="50" charset="-127"/>
+                <a:cs typeface="Arial" panose="020B0604020202020204" pitchFamily="34" charset="0"/>
+              </a:defRPr>
+            </a:lvl3pPr>
+            <a:lvl4pPr marL="1600200" indent="-228600">
+              <a:spcBef>
+                <a:spcPct val="20000"/>
+              </a:spcBef>
+              <a:buChar char="–"/>
+              <a:defRPr sz="2000">
+                <a:solidFill>
+                  <a:schemeClr val="tx1"/>
+                </a:solidFill>
+                <a:latin typeface="Arial" panose="020B0604020202020204" pitchFamily="34" charset="0"/>
+                <a:ea typeface="Arial Unicode MS" panose="020B0604020202020204" pitchFamily="50" charset="-127"/>
+                <a:cs typeface="Arial" panose="020B0604020202020204" pitchFamily="34" charset="0"/>
+              </a:defRPr>
+            </a:lvl4pPr>
+            <a:lvl5pPr marL="2057400" indent="-228600">
+              <a:spcBef>
+                <a:spcPct val="20000"/>
+              </a:spcBef>
+              <a:buChar char="»"/>
+              <a:defRPr sz="2000">
+                <a:solidFill>
+                  <a:schemeClr val="tx1"/>
+                </a:solidFill>
+                <a:latin typeface="Arial" panose="020B0604020202020204" pitchFamily="34" charset="0"/>
+                <a:ea typeface="Arial Unicode MS" panose="020B0604020202020204" pitchFamily="50" charset="-127"/>
+                <a:cs typeface="Arial" panose="020B0604020202020204" pitchFamily="34" charset="0"/>
+              </a:defRPr>
+            </a:lvl5pPr>
+            <a:lvl6pPr marL="2514600" indent="-228600" eaLnBrk="0" fontAlgn="base" hangingPunct="0">
+              <a:spcBef>
+                <a:spcPct val="20000"/>
+              </a:spcBef>
+              <a:spcAft>
+                <a:spcPct val="0"/>
+              </a:spcAft>
+              <a:buChar char="»"/>
+              <a:defRPr sz="2000">
+                <a:solidFill>
+                  <a:schemeClr val="tx1"/>
+                </a:solidFill>
+                <a:latin typeface="Arial" panose="020B0604020202020204" pitchFamily="34" charset="0"/>
+                <a:ea typeface="Arial Unicode MS" panose="020B0604020202020204" pitchFamily="50" charset="-127"/>
+                <a:cs typeface="Arial" panose="020B0604020202020204" pitchFamily="34" charset="0"/>
+              </a:defRPr>
+            </a:lvl6pPr>
+            <a:lvl7pPr marL="2971800" indent="-228600" eaLnBrk="0" fontAlgn="base" hangingPunct="0">
+              <a:spcBef>
+                <a:spcPct val="20000"/>
+              </a:spcBef>
+              <a:spcAft>
+                <a:spcPct val="0"/>
+              </a:spcAft>
+              <a:buChar char="»"/>
+              <a:defRPr sz="2000">
+                <a:solidFill>
+                  <a:schemeClr val="tx1"/>
+                </a:solidFill>
+                <a:latin typeface="Arial" panose="020B0604020202020204" pitchFamily="34" charset="0"/>
+                <a:ea typeface="Arial Unicode MS" panose="020B0604020202020204" pitchFamily="50" charset="-127"/>
+                <a:cs typeface="Arial" panose="020B0604020202020204" pitchFamily="34" charset="0"/>
+              </a:defRPr>
+            </a:lvl7pPr>
+            <a:lvl8pPr marL="3429000" indent="-228600" eaLnBrk="0" fontAlgn="base" hangingPunct="0">
+              <a:spcBef>
+                <a:spcPct val="20000"/>
+              </a:spcBef>
+              <a:spcAft>
+                <a:spcPct val="0"/>
+              </a:spcAft>
+              <a:buChar char="»"/>
+              <a:defRPr sz="2000">
+                <a:solidFill>
+                  <a:schemeClr val="tx1"/>
+                </a:solidFill>
+                <a:latin typeface="Arial" panose="020B0604020202020204" pitchFamily="34" charset="0"/>
+                <a:ea typeface="Arial Unicode MS" panose="020B0604020202020204" pitchFamily="50" charset="-127"/>
+                <a:cs typeface="Arial" panose="020B0604020202020204" pitchFamily="34" charset="0"/>
+              </a:defRPr>
+            </a:lvl8pPr>
+            <a:lvl9pPr marL="3886200" indent="-228600" eaLnBrk="0" fontAlgn="base" hangingPunct="0">
+              <a:spcBef>
+                <a:spcPct val="20000"/>
+              </a:spcBef>
+              <a:spcAft>
+                <a:spcPct val="0"/>
+              </a:spcAft>
+              <a:buChar char="»"/>
+              <a:defRPr sz="2000">
+                <a:solidFill>
+                  <a:schemeClr val="tx1"/>
+                </a:solidFill>
+                <a:latin typeface="Arial" panose="020B0604020202020204" pitchFamily="34" charset="0"/>
+                <a:ea typeface="Arial Unicode MS" panose="020B0604020202020204" pitchFamily="50" charset="-127"/>
+                <a:cs typeface="Arial" panose="020B0604020202020204" pitchFamily="34" charset="0"/>
+              </a:defRPr>
+            </a:lvl9pPr>
+          </a:lstStyle>
+          <a:p>
+            <a:pPr eaLnBrk="1" hangingPunct="1">
+              <a:spcBef>
+                <a:spcPct val="0"/>
+              </a:spcBef>
+              <a:buFontTx/>
+              <a:buNone/>
+            </a:pPr>
+            <a:r>
+              <a:rPr lang="ko-KR" altLang="en-US" sz="1800" b="1">
+                <a:solidFill>
+                  <a:srgbClr val="000000"/>
+                </a:solidFill>
+                <a:latin typeface="맑은 고딕" panose="020B0503020000020004" pitchFamily="50" charset="-127"/>
+                <a:ea typeface="맑은 고딕" panose="020B0503020000020004" pitchFamily="50" charset="-127"/>
+              </a:rPr>
+              <a:t>일련의 텍스트</a:t>
+            </a:r>
+            <a:r>
+              <a:rPr lang="en-US" altLang="ko-KR" sz="1800" b="1">
+                <a:solidFill>
+                  <a:srgbClr val="000000"/>
+                </a:solidFill>
+                <a:latin typeface="맑은 고딕" panose="020B0503020000020004" pitchFamily="50" charset="-127"/>
+                <a:ea typeface="맑은 고딕" panose="020B0503020000020004" pitchFamily="50" charset="-127"/>
+              </a:rPr>
+              <a:t>(=</a:t>
+            </a:r>
+            <a:r>
+              <a:rPr lang="ko-KR" altLang="en-US" sz="1800" b="1">
+                <a:solidFill>
+                  <a:srgbClr val="000000"/>
+                </a:solidFill>
+                <a:latin typeface="맑은 고딕" panose="020B0503020000020004" pitchFamily="50" charset="-127"/>
+                <a:ea typeface="맑은 고딕" panose="020B0503020000020004" pitchFamily="50" charset="-127"/>
+              </a:rPr>
+              <a:t>공통 아스키 코드</a:t>
+            </a:r>
+            <a:r>
+              <a:rPr lang="en-US" altLang="ko-KR" sz="1800" b="1">
+                <a:solidFill>
+                  <a:srgbClr val="000000"/>
+                </a:solidFill>
+                <a:latin typeface="맑은 고딕" panose="020B0503020000020004" pitchFamily="50" charset="-127"/>
+                <a:ea typeface="맑은 고딕" panose="020B0503020000020004" pitchFamily="50" charset="-127"/>
+              </a:rPr>
+              <a:t>)</a:t>
+            </a:r>
+          </a:p>
+          <a:p>
+            <a:pPr eaLnBrk="1" hangingPunct="1">
+              <a:spcBef>
+                <a:spcPct val="0"/>
+              </a:spcBef>
+              <a:buFontTx/>
+              <a:buNone/>
+            </a:pPr>
+            <a:r>
+              <a:rPr lang="en-US" altLang="ko-KR" sz="1800">
+                <a:solidFill>
+                  <a:srgbClr val="000000"/>
+                </a:solidFill>
+                <a:latin typeface="맑은 고딕" panose="020B0503020000020004" pitchFamily="50" charset="-127"/>
+                <a:ea typeface="맑은 고딕" panose="020B0503020000020004" pitchFamily="50" charset="-127"/>
+              </a:rPr>
+              <a:t>: </a:t>
+            </a:r>
+            <a:r>
+              <a:rPr lang="ko-KR" altLang="en-US" sz="1800">
+                <a:solidFill>
+                  <a:srgbClr val="000000"/>
+                </a:solidFill>
+                <a:latin typeface="맑은 고딕" panose="020B0503020000020004" pitchFamily="50" charset="-127"/>
+                <a:ea typeface="맑은 고딕" panose="020B0503020000020004" pitchFamily="50" charset="-127"/>
+              </a:rPr>
+              <a:t>시스템마다 다른 아스키 코드의 제어 코드를 제외한 집합</a:t>
+            </a:r>
+            <a:endParaRPr lang="en-US" altLang="ko-KR" sz="1800">
+              <a:solidFill>
+                <a:srgbClr val="000000"/>
+              </a:solidFill>
+              <a:latin typeface="맑은 고딕" panose="020B0503020000020004" pitchFamily="50" charset="-127"/>
+              <a:ea typeface="맑은 고딕" panose="020B0503020000020004" pitchFamily="50" charset="-127"/>
+            </a:endParaRPr>
+          </a:p>
+        </p:txBody>
+      </p:sp>
+    </p:spTree>
+    <p:extLst>
+      <p:ext uri="{BB962C8B-B14F-4D97-AF65-F5344CB8AC3E}">
+        <p14:creationId xmlns:p14="http://schemas.microsoft.com/office/powerpoint/2010/main" val="1857784073"/>
+      </p:ext>
+    </p:extLst>
+  </p:cSld>
+  <p:clrMapOvr>
+    <a:masterClrMapping/>
+  </p:clrMapOvr>
+</p:sld>
+</file>
+
+<file path=ppt/slides/slide11.xml><?xml version="1.0" encoding="utf-8"?>
+<p:sld xmlns:a="http://schemas.openxmlformats.org/drawingml/2006/main" xmlns:r="http://schemas.openxmlformats.org/officeDocument/2006/relationships" xmlns:p="http://schemas.openxmlformats.org/presentationml/2006/main">
+  <p:cSld>
+    <p:spTree>
+      <p:nvGrpSpPr>
+        <p:cNvPr id="1" name=""/>
+        <p:cNvGrpSpPr/>
+        <p:nvPr/>
+      </p:nvGrpSpPr>
+      <p:grpSpPr>
+        <a:xfrm>
+          <a:off x="0" y="0"/>
+          <a:ext cx="0" cy="0"/>
+          <a:chOff x="0" y="0"/>
+          <a:chExt cx="0" cy="0"/>
+        </a:xfrm>
+      </p:grpSpPr>
+      <p:sp>
+        <p:nvSpPr>
+          <p:cNvPr id="4" name="Rectangle 2">
+            <a:extLst>
+              <a:ext uri="{FF2B5EF4-FFF2-40B4-BE49-F238E27FC236}">
+                <a16:creationId xmlns:a16="http://schemas.microsoft.com/office/drawing/2014/main" id="{5A36AE50-05D9-4A3F-A6FC-8BA5F8476B15}"/>
+              </a:ext>
+            </a:extLst>
+          </p:cNvPr>
+          <p:cNvSpPr txBox="1">
+            <a:spLocks noChangeArrowheads="1"/>
+          </p:cNvSpPr>
+          <p:nvPr/>
+        </p:nvSpPr>
+        <p:spPr>
+          <a:xfrm>
+            <a:off x="457200" y="476672"/>
+            <a:ext cx="8229600" cy="1295400"/>
+          </a:xfrm>
+          <a:prstGeom prst="rect">
+            <a:avLst/>
+          </a:prstGeom>
+        </p:spPr>
+        <p:txBody>
+          <a:bodyPr/>
+          <a:lstStyle>
+            <a:lvl1pPr algn="ctr" rtl="0" eaLnBrk="0" fontAlgn="base" hangingPunct="0">
+              <a:spcBef>
+                <a:spcPct val="0"/>
+              </a:spcBef>
+              <a:spcAft>
+                <a:spcPct val="0"/>
+              </a:spcAft>
+              <a:defRPr sz="4400" kern="1200">
+                <a:solidFill>
+                  <a:schemeClr val="tx2"/>
+                </a:solidFill>
+                <a:latin typeface="맑은 고딕" panose="020B0503020000020004" pitchFamily="50" charset="-127"/>
+                <a:ea typeface="맑은 고딕" panose="020B0503020000020004" pitchFamily="50" charset="-127"/>
+                <a:cs typeface="+mj-cs"/>
+              </a:defRPr>
+            </a:lvl1pPr>
+            <a:lvl2pPr algn="ctr" rtl="0" eaLnBrk="0" fontAlgn="base" hangingPunct="0">
+              <a:spcBef>
+                <a:spcPct val="0"/>
+              </a:spcBef>
+              <a:spcAft>
+                <a:spcPct val="0"/>
+              </a:spcAft>
+              <a:defRPr sz="4400">
+                <a:solidFill>
+                  <a:schemeClr val="tx2"/>
+                </a:solidFill>
+                <a:latin typeface="Arial" panose="020B0604020202020204" pitchFamily="34" charset="0"/>
+                <a:ea typeface="Arial Unicode MS" panose="020B0604020202020204" pitchFamily="50" charset="-127"/>
+                <a:cs typeface="Arial" panose="020B0604020202020204" pitchFamily="34" charset="0"/>
+              </a:defRPr>
+            </a:lvl2pPr>
+            <a:lvl3pPr algn="ctr" rtl="0" eaLnBrk="0" fontAlgn="base" hangingPunct="0">
+              <a:spcBef>
+                <a:spcPct val="0"/>
+              </a:spcBef>
+              <a:spcAft>
+                <a:spcPct val="0"/>
+              </a:spcAft>
+              <a:defRPr sz="4400">
+                <a:solidFill>
+                  <a:schemeClr val="tx2"/>
+                </a:solidFill>
+                <a:latin typeface="Arial" panose="020B0604020202020204" pitchFamily="34" charset="0"/>
+                <a:ea typeface="Arial Unicode MS" panose="020B0604020202020204" pitchFamily="50" charset="-127"/>
+                <a:cs typeface="Arial" panose="020B0604020202020204" pitchFamily="34" charset="0"/>
+              </a:defRPr>
+            </a:lvl3pPr>
+            <a:lvl4pPr algn="ctr" rtl="0" eaLnBrk="0" fontAlgn="base" hangingPunct="0">
+              <a:spcBef>
+                <a:spcPct val="0"/>
+              </a:spcBef>
+              <a:spcAft>
+                <a:spcPct val="0"/>
+              </a:spcAft>
+              <a:defRPr sz="4400">
+                <a:solidFill>
+                  <a:schemeClr val="tx2"/>
+                </a:solidFill>
+                <a:latin typeface="Arial" panose="020B0604020202020204" pitchFamily="34" charset="0"/>
+                <a:ea typeface="Arial Unicode MS" panose="020B0604020202020204" pitchFamily="50" charset="-127"/>
+                <a:cs typeface="Arial" panose="020B0604020202020204" pitchFamily="34" charset="0"/>
+              </a:defRPr>
+            </a:lvl4pPr>
+            <a:lvl5pPr algn="ctr" rtl="0" eaLnBrk="0" fontAlgn="base" hangingPunct="0">
+              <a:spcBef>
+                <a:spcPct val="0"/>
+              </a:spcBef>
+              <a:spcAft>
+                <a:spcPct val="0"/>
+              </a:spcAft>
+              <a:defRPr sz="4400">
+                <a:solidFill>
+                  <a:schemeClr val="tx2"/>
+                </a:solidFill>
+                <a:latin typeface="Arial" panose="020B0604020202020204" pitchFamily="34" charset="0"/>
+                <a:ea typeface="Arial Unicode MS" panose="020B0604020202020204" pitchFamily="50" charset="-127"/>
+                <a:cs typeface="Arial" panose="020B0604020202020204" pitchFamily="34" charset="0"/>
+              </a:defRPr>
+            </a:lvl5pPr>
+            <a:lvl6pPr marL="457200" algn="ctr" rtl="0" fontAlgn="base">
+              <a:spcBef>
+                <a:spcPct val="0"/>
+              </a:spcBef>
+              <a:spcAft>
+                <a:spcPct val="0"/>
+              </a:spcAft>
+              <a:defRPr sz="4400">
+                <a:solidFill>
+                  <a:schemeClr val="tx2"/>
+                </a:solidFill>
+                <a:latin typeface="Arial" panose="020B0604020202020204" pitchFamily="34" charset="0"/>
+                <a:cs typeface="Arial" panose="020B0604020202020204" pitchFamily="34" charset="0"/>
+              </a:defRPr>
+            </a:lvl6pPr>
+            <a:lvl7pPr marL="914400" algn="ctr" rtl="0" fontAlgn="base">
+              <a:spcBef>
+                <a:spcPct val="0"/>
+              </a:spcBef>
+              <a:spcAft>
+                <a:spcPct val="0"/>
+              </a:spcAft>
+              <a:defRPr sz="4400">
+                <a:solidFill>
+                  <a:schemeClr val="tx2"/>
+                </a:solidFill>
+                <a:latin typeface="Arial" panose="020B0604020202020204" pitchFamily="34" charset="0"/>
+                <a:cs typeface="Arial" panose="020B0604020202020204" pitchFamily="34" charset="0"/>
+              </a:defRPr>
+            </a:lvl7pPr>
+            <a:lvl8pPr marL="1371600" algn="ctr" rtl="0" fontAlgn="base">
+              <a:spcBef>
+                <a:spcPct val="0"/>
+              </a:spcBef>
+              <a:spcAft>
+                <a:spcPct val="0"/>
+              </a:spcAft>
+              <a:defRPr sz="4400">
+                <a:solidFill>
+                  <a:schemeClr val="tx2"/>
+                </a:solidFill>
+                <a:latin typeface="Arial" panose="020B0604020202020204" pitchFamily="34" charset="0"/>
+                <a:cs typeface="Arial" panose="020B0604020202020204" pitchFamily="34" charset="0"/>
+              </a:defRPr>
+            </a:lvl8pPr>
+            <a:lvl9pPr marL="1828800" algn="ctr" rtl="0" fontAlgn="base">
+              <a:spcBef>
+                <a:spcPct val="0"/>
+              </a:spcBef>
+              <a:spcAft>
+                <a:spcPct val="0"/>
+              </a:spcAft>
+              <a:defRPr sz="4400">
+                <a:solidFill>
+                  <a:schemeClr val="tx2"/>
+                </a:solidFill>
+                <a:latin typeface="Arial" panose="020B0604020202020204" pitchFamily="34" charset="0"/>
+                <a:cs typeface="Arial" panose="020B0604020202020204" pitchFamily="34" charset="0"/>
+              </a:defRPr>
+            </a:lvl9pPr>
+          </a:lstStyle>
+          <a:p>
+            <a:pPr algn="l"/>
+            <a:r>
+              <a:rPr lang="en-US" altLang="ko-KR" sz="3200">
+                <a:solidFill>
+                  <a:schemeClr val="tx1"/>
+                </a:solidFill>
+              </a:rPr>
+              <a:t>2</a:t>
+            </a:r>
+            <a:r>
+              <a:rPr lang="ko-KR" altLang="en-US" sz="3200">
+                <a:solidFill>
+                  <a:schemeClr val="tx1"/>
+                </a:solidFill>
+              </a:rPr>
+              <a:t>진수 텍스트</a:t>
+            </a:r>
+            <a:r>
+              <a:rPr lang="en-US" altLang="ko-KR" sz="3200">
+                <a:solidFill>
+                  <a:schemeClr val="tx1"/>
+                </a:solidFill>
+              </a:rPr>
+              <a:t> </a:t>
+            </a:r>
+            <a:r>
+              <a:rPr lang="en-US" altLang="ko-KR" sz="2000" b="0" i="0">
+                <a:solidFill>
+                  <a:srgbClr val="333333"/>
+                </a:solidFill>
+                <a:effectLst/>
+                <a:latin typeface="-apple-system"/>
+              </a:rPr>
+              <a:t>Base64 </a:t>
+            </a:r>
+            <a:r>
+              <a:rPr lang="ko-KR" altLang="en-US" sz="2000" b="0" i="0">
+                <a:solidFill>
+                  <a:srgbClr val="333333"/>
+                </a:solidFill>
+                <a:effectLst/>
+                <a:latin typeface="-apple-system"/>
+              </a:rPr>
+              <a:t>인코딩</a:t>
+            </a:r>
+            <a:r>
+              <a:rPr lang="en-US" altLang="ko-KR" sz="2000" b="0" i="0">
+                <a:solidFill>
+                  <a:srgbClr val="333333"/>
+                </a:solidFill>
+                <a:effectLst/>
+                <a:latin typeface="-apple-system"/>
+              </a:rPr>
+              <a:t>(2)</a:t>
+            </a:r>
+            <a:endParaRPr lang="ko-KR" altLang="en-US" sz="1800" b="0" i="0">
+              <a:solidFill>
+                <a:srgbClr val="333333"/>
+              </a:solidFill>
+              <a:effectLst/>
+              <a:latin typeface="-apple-system"/>
+            </a:endParaRPr>
+          </a:p>
+        </p:txBody>
+      </p:sp>
+      <p:cxnSp>
+        <p:nvCxnSpPr>
+          <p:cNvPr id="5" name="직선 연결선 4">
+            <a:extLst>
+              <a:ext uri="{FF2B5EF4-FFF2-40B4-BE49-F238E27FC236}">
+                <a16:creationId xmlns:a16="http://schemas.microsoft.com/office/drawing/2014/main" id="{25EBF773-EAAC-4D7B-92F5-7072048F85E3}"/>
+              </a:ext>
+            </a:extLst>
+          </p:cNvPr>
+          <p:cNvCxnSpPr/>
+          <p:nvPr/>
+        </p:nvCxnSpPr>
+        <p:spPr bwMode="auto">
+          <a:xfrm>
+            <a:off x="575556" y="1268760"/>
+            <a:ext cx="7992888" cy="0"/>
+          </a:xfrm>
+          <a:prstGeom prst="line">
+            <a:avLst/>
+          </a:prstGeom>
+          <a:solidFill>
+            <a:schemeClr val="accent1"/>
+          </a:solidFill>
+          <a:ln w="25400" cap="flat" cmpd="sng" algn="ctr">
+            <a:solidFill>
+              <a:schemeClr val="tx1"/>
+            </a:solidFill>
+            <a:prstDash val="solid"/>
+            <a:round/>
+            <a:headEnd type="none" w="med" len="med"/>
+            <a:tailEnd type="none" w="med" len="med"/>
+          </a:ln>
+          <a:effectLst/>
+          <a:extLst>
+            <a:ext uri="{AF507438-7753-43E0-B8FC-AC1667EBCBE1}">
+              <a14:hiddenEffects xmlns:a14="http://schemas.microsoft.com/office/drawing/2010/main">
+                <a:effectLst>
+                  <a:outerShdw dist="35921" dir="2700000" algn="ctr" rotWithShape="0">
+                    <a:schemeClr val="bg2"/>
+                  </a:outerShdw>
+                </a:effectLst>
+              </a14:hiddenEffects>
+            </a:ext>
+          </a:extLst>
+        </p:spPr>
+      </p:cxnSp>
+      <p:sp>
+        <p:nvSpPr>
+          <p:cNvPr id="14" name="TextBox 13">
+            <a:extLst>
+              <a:ext uri="{FF2B5EF4-FFF2-40B4-BE49-F238E27FC236}">
+                <a16:creationId xmlns:a16="http://schemas.microsoft.com/office/drawing/2014/main" id="{F1FD3064-6394-4543-B644-5FFFEE94215F}"/>
+              </a:ext>
+            </a:extLst>
+          </p:cNvPr>
+          <p:cNvSpPr txBox="1">
+            <a:spLocks noChangeArrowheads="1"/>
+          </p:cNvSpPr>
+          <p:nvPr/>
+        </p:nvSpPr>
+        <p:spPr bwMode="auto">
+          <a:xfrm>
+            <a:off x="449721" y="1329491"/>
+            <a:ext cx="8028334" cy="369332"/>
+          </a:xfrm>
+          <a:prstGeom prst="rect">
+            <a:avLst/>
+          </a:prstGeom>
+          <a:noFill/>
+          <a:ln>
+            <a:noFill/>
+          </a:ln>
+          <a:extLst>
+            <a:ext uri="{909E8E84-426E-40DD-AFC4-6F175D3DCCD1}">
+              <a14:hiddenFill xmlns:a14="http://schemas.microsoft.com/office/drawing/2010/main">
+                <a:solidFill>
+                  <a:srgbClr val="FFFFFF"/>
+                </a:solidFill>
+              </a14:hiddenFill>
+            </a:ext>
+            <a:ext uri="{91240B29-F687-4F45-9708-019B960494DF}">
+              <a14:hiddenLine xmlns:a14="http://schemas.microsoft.com/office/drawing/2010/main" w="9525">
+                <a:solidFill>
+                  <a:srgbClr val="000000"/>
+                </a:solidFill>
+                <a:miter lim="800000"/>
+                <a:headEnd/>
+                <a:tailEnd/>
+              </a14:hiddenLine>
+            </a:ext>
+          </a:extLst>
+        </p:spPr>
+        <p:txBody>
+          <a:bodyPr wrap="square">
+            <a:spAutoFit/>
+          </a:bodyPr>
+          <a:lstStyle>
+            <a:lvl1pPr>
+              <a:spcBef>
+                <a:spcPct val="20000"/>
+              </a:spcBef>
+              <a:buChar char="•"/>
+              <a:defRPr sz="3200">
+                <a:solidFill>
+                  <a:schemeClr val="tx1"/>
+                </a:solidFill>
+                <a:latin typeface="Arial" panose="020B0604020202020204" pitchFamily="34" charset="0"/>
+                <a:ea typeface="Arial Unicode MS" panose="020B0604020202020204" pitchFamily="50" charset="-127"/>
+                <a:cs typeface="Arial" panose="020B0604020202020204" pitchFamily="34" charset="0"/>
+              </a:defRPr>
+            </a:lvl1pPr>
+            <a:lvl2pPr marL="742950" indent="-285750">
+              <a:spcBef>
+                <a:spcPct val="20000"/>
+              </a:spcBef>
+              <a:buChar char="–"/>
+              <a:defRPr sz="2800">
+                <a:solidFill>
+                  <a:schemeClr val="tx1"/>
+                </a:solidFill>
+                <a:latin typeface="Arial" panose="020B0604020202020204" pitchFamily="34" charset="0"/>
+                <a:ea typeface="Arial Unicode MS" panose="020B0604020202020204" pitchFamily="50" charset="-127"/>
+                <a:cs typeface="Arial" panose="020B0604020202020204" pitchFamily="34" charset="0"/>
+              </a:defRPr>
+            </a:lvl2pPr>
+            <a:lvl3pPr marL="1143000" indent="-228600">
+              <a:spcBef>
+                <a:spcPct val="20000"/>
+              </a:spcBef>
+              <a:buChar char="•"/>
+              <a:defRPr sz="2400">
+                <a:solidFill>
+                  <a:schemeClr val="tx1"/>
+                </a:solidFill>
+                <a:latin typeface="Arial" panose="020B0604020202020204" pitchFamily="34" charset="0"/>
+                <a:ea typeface="Arial Unicode MS" panose="020B0604020202020204" pitchFamily="50" charset="-127"/>
+                <a:cs typeface="Arial" panose="020B0604020202020204" pitchFamily="34" charset="0"/>
+              </a:defRPr>
+            </a:lvl3pPr>
+            <a:lvl4pPr marL="1600200" indent="-228600">
+              <a:spcBef>
+                <a:spcPct val="20000"/>
+              </a:spcBef>
+              <a:buChar char="–"/>
+              <a:defRPr sz="2000">
+                <a:solidFill>
+                  <a:schemeClr val="tx1"/>
+                </a:solidFill>
+                <a:latin typeface="Arial" panose="020B0604020202020204" pitchFamily="34" charset="0"/>
+                <a:ea typeface="Arial Unicode MS" panose="020B0604020202020204" pitchFamily="50" charset="-127"/>
+                <a:cs typeface="Arial" panose="020B0604020202020204" pitchFamily="34" charset="0"/>
+              </a:defRPr>
+            </a:lvl4pPr>
+            <a:lvl5pPr marL="2057400" indent="-228600">
+              <a:spcBef>
+                <a:spcPct val="20000"/>
+              </a:spcBef>
+              <a:buChar char="»"/>
+              <a:defRPr sz="2000">
+                <a:solidFill>
+                  <a:schemeClr val="tx1"/>
+                </a:solidFill>
+                <a:latin typeface="Arial" panose="020B0604020202020204" pitchFamily="34" charset="0"/>
+                <a:ea typeface="Arial Unicode MS" panose="020B0604020202020204" pitchFamily="50" charset="-127"/>
+                <a:cs typeface="Arial" panose="020B0604020202020204" pitchFamily="34" charset="0"/>
+              </a:defRPr>
+            </a:lvl5pPr>
+            <a:lvl6pPr marL="2514600" indent="-228600" eaLnBrk="0" fontAlgn="base" hangingPunct="0">
+              <a:spcBef>
+                <a:spcPct val="20000"/>
+              </a:spcBef>
+              <a:spcAft>
+                <a:spcPct val="0"/>
+              </a:spcAft>
+              <a:buChar char="»"/>
+              <a:defRPr sz="2000">
+                <a:solidFill>
+                  <a:schemeClr val="tx1"/>
+                </a:solidFill>
+                <a:latin typeface="Arial" panose="020B0604020202020204" pitchFamily="34" charset="0"/>
+                <a:ea typeface="Arial Unicode MS" panose="020B0604020202020204" pitchFamily="50" charset="-127"/>
+                <a:cs typeface="Arial" panose="020B0604020202020204" pitchFamily="34" charset="0"/>
+              </a:defRPr>
+            </a:lvl6pPr>
+            <a:lvl7pPr marL="2971800" indent="-228600" eaLnBrk="0" fontAlgn="base" hangingPunct="0">
+              <a:spcBef>
+                <a:spcPct val="20000"/>
+              </a:spcBef>
+              <a:spcAft>
+                <a:spcPct val="0"/>
+              </a:spcAft>
+              <a:buChar char="»"/>
+              <a:defRPr sz="2000">
+                <a:solidFill>
+                  <a:schemeClr val="tx1"/>
+                </a:solidFill>
+                <a:latin typeface="Arial" panose="020B0604020202020204" pitchFamily="34" charset="0"/>
+                <a:ea typeface="Arial Unicode MS" panose="020B0604020202020204" pitchFamily="50" charset="-127"/>
+                <a:cs typeface="Arial" panose="020B0604020202020204" pitchFamily="34" charset="0"/>
+              </a:defRPr>
+            </a:lvl7pPr>
+            <a:lvl8pPr marL="3429000" indent="-228600" eaLnBrk="0" fontAlgn="base" hangingPunct="0">
+              <a:spcBef>
+                <a:spcPct val="20000"/>
+              </a:spcBef>
+              <a:spcAft>
+                <a:spcPct val="0"/>
+              </a:spcAft>
+              <a:buChar char="»"/>
+              <a:defRPr sz="2000">
+                <a:solidFill>
+                  <a:schemeClr val="tx1"/>
+                </a:solidFill>
+                <a:latin typeface="Arial" panose="020B0604020202020204" pitchFamily="34" charset="0"/>
+                <a:ea typeface="Arial Unicode MS" panose="020B0604020202020204" pitchFamily="50" charset="-127"/>
+                <a:cs typeface="Arial" panose="020B0604020202020204" pitchFamily="34" charset="0"/>
+              </a:defRPr>
+            </a:lvl8pPr>
+            <a:lvl9pPr marL="3886200" indent="-228600" eaLnBrk="0" fontAlgn="base" hangingPunct="0">
+              <a:spcBef>
+                <a:spcPct val="20000"/>
+              </a:spcBef>
+              <a:spcAft>
+                <a:spcPct val="0"/>
+              </a:spcAft>
+              <a:buChar char="»"/>
+              <a:defRPr sz="2000">
+                <a:solidFill>
+                  <a:schemeClr val="tx1"/>
+                </a:solidFill>
+                <a:latin typeface="Arial" panose="020B0604020202020204" pitchFamily="34" charset="0"/>
+                <a:ea typeface="Arial Unicode MS" panose="020B0604020202020204" pitchFamily="50" charset="-127"/>
+                <a:cs typeface="Arial" panose="020B0604020202020204" pitchFamily="34" charset="0"/>
+              </a:defRPr>
+            </a:lvl9pPr>
+          </a:lstStyle>
+          <a:p>
+            <a:pPr eaLnBrk="1" hangingPunct="1">
+              <a:spcBef>
+                <a:spcPct val="0"/>
+              </a:spcBef>
+              <a:buFontTx/>
+              <a:buNone/>
+            </a:pPr>
+            <a:r>
+              <a:rPr lang="en-US" altLang="ko-KR" sz="1800" b="1" i="0">
+                <a:solidFill>
+                  <a:srgbClr val="333333"/>
+                </a:solidFill>
+                <a:effectLst/>
+                <a:latin typeface="맑은 고딕" panose="020B0503020000020004" pitchFamily="50" charset="-127"/>
+                <a:ea typeface="맑은 고딕" panose="020B0503020000020004" pitchFamily="50" charset="-127"/>
+              </a:rPr>
+              <a:t>UTF-8</a:t>
+            </a:r>
+            <a:r>
+              <a:rPr lang="ko-KR" altLang="en-US" sz="1800" b="1" i="0">
+                <a:solidFill>
+                  <a:srgbClr val="333333"/>
+                </a:solidFill>
+                <a:effectLst/>
+                <a:latin typeface="맑은 고딕" panose="020B0503020000020004" pitchFamily="50" charset="-127"/>
+                <a:ea typeface="맑은 고딕" panose="020B0503020000020004" pitchFamily="50" charset="-127"/>
+              </a:rPr>
+              <a:t>로 인코딩 된 </a:t>
+            </a:r>
+            <a:r>
+              <a:rPr lang="en-US" altLang="ko-KR" sz="1800" b="1" i="0">
+                <a:solidFill>
+                  <a:srgbClr val="333333"/>
+                </a:solidFill>
+                <a:effectLst/>
+                <a:latin typeface="맑은 고딕" panose="020B0503020000020004" pitchFamily="50" charset="-127"/>
+                <a:ea typeface="맑은 고딕" panose="020B0503020000020004" pitchFamily="50" charset="-127"/>
+              </a:rPr>
+              <a:t>(π)</a:t>
+            </a:r>
+            <a:r>
+              <a:rPr lang="ko-KR" altLang="en-US" sz="1800" b="1" i="0">
+                <a:solidFill>
+                  <a:srgbClr val="333333"/>
+                </a:solidFill>
+                <a:effectLst/>
+                <a:latin typeface="맑은 고딕" panose="020B0503020000020004" pitchFamily="50" charset="-127"/>
+                <a:ea typeface="맑은 고딕" panose="020B0503020000020004" pitchFamily="50" charset="-127"/>
+              </a:rPr>
+              <a:t>를 </a:t>
+            </a:r>
+            <a:r>
+              <a:rPr lang="en-US" altLang="ko-KR" sz="1800" b="1">
+                <a:solidFill>
+                  <a:srgbClr val="333333"/>
+                </a:solidFill>
+                <a:latin typeface="맑은 고딕" panose="020B0503020000020004" pitchFamily="50" charset="-127"/>
+                <a:ea typeface="맑은 고딕" panose="020B0503020000020004" pitchFamily="50" charset="-127"/>
+              </a:rPr>
+              <a:t>Base64 </a:t>
+            </a:r>
+            <a:r>
+              <a:rPr lang="ko-KR" altLang="en-US" sz="1800" b="1">
+                <a:solidFill>
+                  <a:srgbClr val="333333"/>
+                </a:solidFill>
+                <a:latin typeface="맑은 고딕" panose="020B0503020000020004" pitchFamily="50" charset="-127"/>
+                <a:ea typeface="맑은 고딕" panose="020B0503020000020004" pitchFamily="50" charset="-127"/>
+              </a:rPr>
+              <a:t>인코딩</a:t>
+            </a:r>
+            <a:endParaRPr lang="en-US" altLang="ko-KR" sz="1800" b="1">
+              <a:solidFill>
+                <a:srgbClr val="000000"/>
+              </a:solidFill>
+              <a:latin typeface="맑은 고딕" panose="020B0503020000020004" pitchFamily="50" charset="-127"/>
+              <a:ea typeface="맑은 고딕" panose="020B0503020000020004" pitchFamily="50" charset="-127"/>
+            </a:endParaRPr>
+          </a:p>
+        </p:txBody>
+      </p:sp>
+      <p:sp>
+        <p:nvSpPr>
+          <p:cNvPr id="16" name="TextBox 15">
+            <a:extLst>
+              <a:ext uri="{FF2B5EF4-FFF2-40B4-BE49-F238E27FC236}">
+                <a16:creationId xmlns:a16="http://schemas.microsoft.com/office/drawing/2014/main" id="{EC0E25C4-3528-4638-8C05-724D5DF9A9BC}"/>
+              </a:ext>
+            </a:extLst>
+          </p:cNvPr>
+          <p:cNvSpPr txBox="1">
+            <a:spLocks noChangeArrowheads="1"/>
+          </p:cNvSpPr>
+          <p:nvPr/>
+        </p:nvSpPr>
+        <p:spPr bwMode="auto">
+          <a:xfrm>
+            <a:off x="458564" y="2950757"/>
+            <a:ext cx="8028334" cy="369332"/>
+          </a:xfrm>
+          <a:prstGeom prst="rect">
+            <a:avLst/>
+          </a:prstGeom>
+          <a:noFill/>
+          <a:ln>
+            <a:noFill/>
+          </a:ln>
+          <a:extLst>
+            <a:ext uri="{909E8E84-426E-40DD-AFC4-6F175D3DCCD1}">
+              <a14:hiddenFill xmlns:a14="http://schemas.microsoft.com/office/drawing/2010/main">
+                <a:solidFill>
+                  <a:srgbClr val="FFFFFF"/>
+                </a:solidFill>
+              </a14:hiddenFill>
+            </a:ext>
+            <a:ext uri="{91240B29-F687-4F45-9708-019B960494DF}">
+              <a14:hiddenLine xmlns:a14="http://schemas.microsoft.com/office/drawing/2010/main" w="9525">
+                <a:solidFill>
+                  <a:srgbClr val="000000"/>
+                </a:solidFill>
+                <a:miter lim="800000"/>
+                <a:headEnd/>
+                <a:tailEnd/>
+              </a14:hiddenLine>
+            </a:ext>
+          </a:extLst>
+        </p:spPr>
+        <p:txBody>
+          <a:bodyPr wrap="square">
+            <a:spAutoFit/>
+          </a:bodyPr>
+          <a:lstStyle>
+            <a:lvl1pPr>
+              <a:spcBef>
+                <a:spcPct val="20000"/>
+              </a:spcBef>
+              <a:buChar char="•"/>
+              <a:defRPr sz="3200">
+                <a:solidFill>
+                  <a:schemeClr val="tx1"/>
+                </a:solidFill>
+                <a:latin typeface="Arial" panose="020B0604020202020204" pitchFamily="34" charset="0"/>
+                <a:ea typeface="Arial Unicode MS" panose="020B0604020202020204" pitchFamily="50" charset="-127"/>
+                <a:cs typeface="Arial" panose="020B0604020202020204" pitchFamily="34" charset="0"/>
+              </a:defRPr>
+            </a:lvl1pPr>
+            <a:lvl2pPr marL="742950" indent="-285750">
+              <a:spcBef>
+                <a:spcPct val="20000"/>
+              </a:spcBef>
+              <a:buChar char="–"/>
+              <a:defRPr sz="2800">
+                <a:solidFill>
+                  <a:schemeClr val="tx1"/>
+                </a:solidFill>
+                <a:latin typeface="Arial" panose="020B0604020202020204" pitchFamily="34" charset="0"/>
+                <a:ea typeface="Arial Unicode MS" panose="020B0604020202020204" pitchFamily="50" charset="-127"/>
+                <a:cs typeface="Arial" panose="020B0604020202020204" pitchFamily="34" charset="0"/>
+              </a:defRPr>
+            </a:lvl2pPr>
+            <a:lvl3pPr marL="1143000" indent="-228600">
+              <a:spcBef>
+                <a:spcPct val="20000"/>
+              </a:spcBef>
+              <a:buChar char="•"/>
+              <a:defRPr sz="2400">
+                <a:solidFill>
+                  <a:schemeClr val="tx1"/>
+                </a:solidFill>
+                <a:latin typeface="Arial" panose="020B0604020202020204" pitchFamily="34" charset="0"/>
+                <a:ea typeface="Arial Unicode MS" panose="020B0604020202020204" pitchFamily="50" charset="-127"/>
+                <a:cs typeface="Arial" panose="020B0604020202020204" pitchFamily="34" charset="0"/>
+              </a:defRPr>
+            </a:lvl3pPr>
+            <a:lvl4pPr marL="1600200" indent="-228600">
+              <a:spcBef>
+                <a:spcPct val="20000"/>
+              </a:spcBef>
+              <a:buChar char="–"/>
+              <a:defRPr sz="2000">
+                <a:solidFill>
+                  <a:schemeClr val="tx1"/>
+                </a:solidFill>
+                <a:latin typeface="Arial" panose="020B0604020202020204" pitchFamily="34" charset="0"/>
+                <a:ea typeface="Arial Unicode MS" panose="020B0604020202020204" pitchFamily="50" charset="-127"/>
+                <a:cs typeface="Arial" panose="020B0604020202020204" pitchFamily="34" charset="0"/>
+              </a:defRPr>
+            </a:lvl4pPr>
+            <a:lvl5pPr marL="2057400" indent="-228600">
+              <a:spcBef>
+                <a:spcPct val="20000"/>
+              </a:spcBef>
+              <a:buChar char="»"/>
+              <a:defRPr sz="2000">
+                <a:solidFill>
+                  <a:schemeClr val="tx1"/>
+                </a:solidFill>
+                <a:latin typeface="Arial" panose="020B0604020202020204" pitchFamily="34" charset="0"/>
+                <a:ea typeface="Arial Unicode MS" panose="020B0604020202020204" pitchFamily="50" charset="-127"/>
+                <a:cs typeface="Arial" panose="020B0604020202020204" pitchFamily="34" charset="0"/>
+              </a:defRPr>
+            </a:lvl5pPr>
+            <a:lvl6pPr marL="2514600" indent="-228600" eaLnBrk="0" fontAlgn="base" hangingPunct="0">
+              <a:spcBef>
+                <a:spcPct val="20000"/>
+              </a:spcBef>
+              <a:spcAft>
+                <a:spcPct val="0"/>
+              </a:spcAft>
+              <a:buChar char="»"/>
+              <a:defRPr sz="2000">
+                <a:solidFill>
+                  <a:schemeClr val="tx1"/>
+                </a:solidFill>
+                <a:latin typeface="Arial" panose="020B0604020202020204" pitchFamily="34" charset="0"/>
+                <a:ea typeface="Arial Unicode MS" panose="020B0604020202020204" pitchFamily="50" charset="-127"/>
+                <a:cs typeface="Arial" panose="020B0604020202020204" pitchFamily="34" charset="0"/>
+              </a:defRPr>
+            </a:lvl6pPr>
+            <a:lvl7pPr marL="2971800" indent="-228600" eaLnBrk="0" fontAlgn="base" hangingPunct="0">
+              <a:spcBef>
+                <a:spcPct val="20000"/>
+              </a:spcBef>
+              <a:spcAft>
+                <a:spcPct val="0"/>
+              </a:spcAft>
+              <a:buChar char="»"/>
+              <a:defRPr sz="2000">
+                <a:solidFill>
+                  <a:schemeClr val="tx1"/>
+                </a:solidFill>
+                <a:latin typeface="Arial" panose="020B0604020202020204" pitchFamily="34" charset="0"/>
+                <a:ea typeface="Arial Unicode MS" panose="020B0604020202020204" pitchFamily="50" charset="-127"/>
+                <a:cs typeface="Arial" panose="020B0604020202020204" pitchFamily="34" charset="0"/>
+              </a:defRPr>
+            </a:lvl7pPr>
+            <a:lvl8pPr marL="3429000" indent="-228600" eaLnBrk="0" fontAlgn="base" hangingPunct="0">
+              <a:spcBef>
+                <a:spcPct val="20000"/>
+              </a:spcBef>
+              <a:spcAft>
+                <a:spcPct val="0"/>
+              </a:spcAft>
+              <a:buChar char="»"/>
+              <a:defRPr sz="2000">
+                <a:solidFill>
+                  <a:schemeClr val="tx1"/>
+                </a:solidFill>
+                <a:latin typeface="Arial" panose="020B0604020202020204" pitchFamily="34" charset="0"/>
+                <a:ea typeface="Arial Unicode MS" panose="020B0604020202020204" pitchFamily="50" charset="-127"/>
+                <a:cs typeface="Arial" panose="020B0604020202020204" pitchFamily="34" charset="0"/>
+              </a:defRPr>
+            </a:lvl8pPr>
+            <a:lvl9pPr marL="3886200" indent="-228600" eaLnBrk="0" fontAlgn="base" hangingPunct="0">
+              <a:spcBef>
+                <a:spcPct val="20000"/>
+              </a:spcBef>
+              <a:spcAft>
+                <a:spcPct val="0"/>
+              </a:spcAft>
+              <a:buChar char="»"/>
+              <a:defRPr sz="2000">
+                <a:solidFill>
+                  <a:schemeClr val="tx1"/>
+                </a:solidFill>
+                <a:latin typeface="Arial" panose="020B0604020202020204" pitchFamily="34" charset="0"/>
+                <a:ea typeface="Arial Unicode MS" panose="020B0604020202020204" pitchFamily="50" charset="-127"/>
+                <a:cs typeface="Arial" panose="020B0604020202020204" pitchFamily="34" charset="0"/>
+              </a:defRPr>
+            </a:lvl9pPr>
+          </a:lstStyle>
+          <a:p>
+            <a:pPr eaLnBrk="1" hangingPunct="1">
+              <a:spcBef>
+                <a:spcPct val="0"/>
+              </a:spcBef>
+              <a:buFontTx/>
+              <a:buNone/>
+            </a:pPr>
+            <a:r>
+              <a:rPr lang="ko-KR" altLang="en-US" sz="1800" b="1">
+                <a:solidFill>
+                  <a:srgbClr val="000000"/>
+                </a:solidFill>
+                <a:latin typeface="맑은 고딕" panose="020B0503020000020004" pitchFamily="50" charset="-127"/>
+                <a:ea typeface="맑은 고딕" panose="020B0503020000020004" pitchFamily="50" charset="-127"/>
+              </a:rPr>
+              <a:t>인코딩 결과</a:t>
+            </a:r>
+            <a:endParaRPr lang="en-US" altLang="ko-KR" sz="1800" b="1">
+              <a:solidFill>
+                <a:srgbClr val="000000"/>
+              </a:solidFill>
+              <a:latin typeface="맑은 고딕" panose="020B0503020000020004" pitchFamily="50" charset="-127"/>
+              <a:ea typeface="맑은 고딕" panose="020B0503020000020004" pitchFamily="50" charset="-127"/>
+            </a:endParaRPr>
+          </a:p>
+        </p:txBody>
+      </p:sp>
+      <p:sp>
+        <p:nvSpPr>
+          <p:cNvPr id="17" name="TextBox 16">
+            <a:extLst>
+              <a:ext uri="{FF2B5EF4-FFF2-40B4-BE49-F238E27FC236}">
+                <a16:creationId xmlns:a16="http://schemas.microsoft.com/office/drawing/2014/main" id="{59483103-60A7-4374-A363-C3120E0C656A}"/>
+              </a:ext>
+            </a:extLst>
+          </p:cNvPr>
+          <p:cNvSpPr txBox="1">
+            <a:spLocks noChangeArrowheads="1"/>
+          </p:cNvSpPr>
+          <p:nvPr/>
+        </p:nvSpPr>
+        <p:spPr bwMode="auto">
+          <a:xfrm>
+            <a:off x="449721" y="4125048"/>
+            <a:ext cx="8028334" cy="2806922"/>
+          </a:xfrm>
+          <a:prstGeom prst="rect">
+            <a:avLst/>
+          </a:prstGeom>
+          <a:noFill/>
+          <a:ln>
+            <a:noFill/>
+          </a:ln>
+          <a:extLst>
+            <a:ext uri="{909E8E84-426E-40DD-AFC4-6F175D3DCCD1}">
+              <a14:hiddenFill xmlns:a14="http://schemas.microsoft.com/office/drawing/2010/main">
+                <a:solidFill>
+                  <a:srgbClr val="FFFFFF"/>
+                </a:solidFill>
+              </a14:hiddenFill>
+            </a:ext>
+            <a:ext uri="{91240B29-F687-4F45-9708-019B960494DF}">
+              <a14:hiddenLine xmlns:a14="http://schemas.microsoft.com/office/drawing/2010/main" w="9525">
+                <a:solidFill>
+                  <a:srgbClr val="000000"/>
+                </a:solidFill>
+                <a:miter lim="800000"/>
+                <a:headEnd/>
+                <a:tailEnd/>
+              </a14:hiddenLine>
+            </a:ext>
+          </a:extLst>
+        </p:spPr>
+        <p:txBody>
+          <a:bodyPr wrap="square">
+            <a:spAutoFit/>
+          </a:bodyPr>
+          <a:lstStyle>
+            <a:lvl1pPr>
+              <a:spcBef>
+                <a:spcPct val="20000"/>
+              </a:spcBef>
+              <a:buChar char="•"/>
+              <a:defRPr sz="3200">
+                <a:solidFill>
+                  <a:schemeClr val="tx1"/>
+                </a:solidFill>
+                <a:latin typeface="Arial" panose="020B0604020202020204" pitchFamily="34" charset="0"/>
+                <a:ea typeface="Arial Unicode MS" panose="020B0604020202020204" pitchFamily="50" charset="-127"/>
+                <a:cs typeface="Arial" panose="020B0604020202020204" pitchFamily="34" charset="0"/>
+              </a:defRPr>
+            </a:lvl1pPr>
+            <a:lvl2pPr marL="742950" indent="-285750">
+              <a:spcBef>
+                <a:spcPct val="20000"/>
+              </a:spcBef>
+              <a:buChar char="–"/>
+              <a:defRPr sz="2800">
+                <a:solidFill>
+                  <a:schemeClr val="tx1"/>
+                </a:solidFill>
+                <a:latin typeface="Arial" panose="020B0604020202020204" pitchFamily="34" charset="0"/>
+                <a:ea typeface="Arial Unicode MS" panose="020B0604020202020204" pitchFamily="50" charset="-127"/>
+                <a:cs typeface="Arial" panose="020B0604020202020204" pitchFamily="34" charset="0"/>
+              </a:defRPr>
+            </a:lvl2pPr>
+            <a:lvl3pPr marL="1143000" indent="-228600">
+              <a:spcBef>
+                <a:spcPct val="20000"/>
+              </a:spcBef>
+              <a:buChar char="•"/>
+              <a:defRPr sz="2400">
+                <a:solidFill>
+                  <a:schemeClr val="tx1"/>
+                </a:solidFill>
+                <a:latin typeface="Arial" panose="020B0604020202020204" pitchFamily="34" charset="0"/>
+                <a:ea typeface="Arial Unicode MS" panose="020B0604020202020204" pitchFamily="50" charset="-127"/>
+                <a:cs typeface="Arial" panose="020B0604020202020204" pitchFamily="34" charset="0"/>
+              </a:defRPr>
+            </a:lvl3pPr>
+            <a:lvl4pPr marL="1600200" indent="-228600">
+              <a:spcBef>
+                <a:spcPct val="20000"/>
+              </a:spcBef>
+              <a:buChar char="–"/>
+              <a:defRPr sz="2000">
+                <a:solidFill>
+                  <a:schemeClr val="tx1"/>
+                </a:solidFill>
+                <a:latin typeface="Arial" panose="020B0604020202020204" pitchFamily="34" charset="0"/>
+                <a:ea typeface="Arial Unicode MS" panose="020B0604020202020204" pitchFamily="50" charset="-127"/>
+                <a:cs typeface="Arial" panose="020B0604020202020204" pitchFamily="34" charset="0"/>
+              </a:defRPr>
+            </a:lvl4pPr>
+            <a:lvl5pPr marL="2057400" indent="-228600">
+              <a:spcBef>
+                <a:spcPct val="20000"/>
+              </a:spcBef>
+              <a:buChar char="»"/>
+              <a:defRPr sz="2000">
+                <a:solidFill>
+                  <a:schemeClr val="tx1"/>
+                </a:solidFill>
+                <a:latin typeface="Arial" panose="020B0604020202020204" pitchFamily="34" charset="0"/>
+                <a:ea typeface="Arial Unicode MS" panose="020B0604020202020204" pitchFamily="50" charset="-127"/>
+                <a:cs typeface="Arial" panose="020B0604020202020204" pitchFamily="34" charset="0"/>
+              </a:defRPr>
+            </a:lvl5pPr>
+            <a:lvl6pPr marL="2514600" indent="-228600" eaLnBrk="0" fontAlgn="base" hangingPunct="0">
+              <a:spcBef>
+                <a:spcPct val="20000"/>
+              </a:spcBef>
+              <a:spcAft>
+                <a:spcPct val="0"/>
+              </a:spcAft>
+              <a:buChar char="»"/>
+              <a:defRPr sz="2000">
+                <a:solidFill>
+                  <a:schemeClr val="tx1"/>
+                </a:solidFill>
+                <a:latin typeface="Arial" panose="020B0604020202020204" pitchFamily="34" charset="0"/>
+                <a:ea typeface="Arial Unicode MS" panose="020B0604020202020204" pitchFamily="50" charset="-127"/>
+                <a:cs typeface="Arial" panose="020B0604020202020204" pitchFamily="34" charset="0"/>
+              </a:defRPr>
+            </a:lvl6pPr>
+            <a:lvl7pPr marL="2971800" indent="-228600" eaLnBrk="0" fontAlgn="base" hangingPunct="0">
+              <a:spcBef>
+                <a:spcPct val="20000"/>
+              </a:spcBef>
+              <a:spcAft>
+                <a:spcPct val="0"/>
+              </a:spcAft>
+              <a:buChar char="»"/>
+              <a:defRPr sz="2000">
+                <a:solidFill>
+                  <a:schemeClr val="tx1"/>
+                </a:solidFill>
+                <a:latin typeface="Arial" panose="020B0604020202020204" pitchFamily="34" charset="0"/>
+                <a:ea typeface="Arial Unicode MS" panose="020B0604020202020204" pitchFamily="50" charset="-127"/>
+                <a:cs typeface="Arial" panose="020B0604020202020204" pitchFamily="34" charset="0"/>
+              </a:defRPr>
+            </a:lvl7pPr>
+            <a:lvl8pPr marL="3429000" indent="-228600" eaLnBrk="0" fontAlgn="base" hangingPunct="0">
+              <a:spcBef>
+                <a:spcPct val="20000"/>
+              </a:spcBef>
+              <a:spcAft>
+                <a:spcPct val="0"/>
+              </a:spcAft>
+              <a:buChar char="»"/>
+              <a:defRPr sz="2000">
+                <a:solidFill>
+                  <a:schemeClr val="tx1"/>
+                </a:solidFill>
+                <a:latin typeface="Arial" panose="020B0604020202020204" pitchFamily="34" charset="0"/>
+                <a:ea typeface="Arial Unicode MS" panose="020B0604020202020204" pitchFamily="50" charset="-127"/>
+                <a:cs typeface="Arial" panose="020B0604020202020204" pitchFamily="34" charset="0"/>
+              </a:defRPr>
+            </a:lvl8pPr>
+            <a:lvl9pPr marL="3886200" indent="-228600" eaLnBrk="0" fontAlgn="base" hangingPunct="0">
+              <a:spcBef>
+                <a:spcPct val="20000"/>
+              </a:spcBef>
+              <a:spcAft>
+                <a:spcPct val="0"/>
+              </a:spcAft>
+              <a:buChar char="»"/>
+              <a:defRPr sz="2000">
+                <a:solidFill>
+                  <a:schemeClr val="tx1"/>
+                </a:solidFill>
+                <a:latin typeface="Arial" panose="020B0604020202020204" pitchFamily="34" charset="0"/>
+                <a:ea typeface="Arial Unicode MS" panose="020B0604020202020204" pitchFamily="50" charset="-127"/>
+                <a:cs typeface="Arial" panose="020B0604020202020204" pitchFamily="34" charset="0"/>
+              </a:defRPr>
+            </a:lvl9pPr>
+          </a:lstStyle>
+          <a:p>
+            <a:pPr marL="180000" indent="-457200" eaLnBrk="1" hangingPunct="1">
+              <a:spcBef>
+                <a:spcPct val="0"/>
+              </a:spcBef>
+              <a:buFontTx/>
+              <a:buNone/>
+            </a:pPr>
+            <a:r>
+              <a:rPr lang="ko-KR" altLang="en-US" sz="1800" b="1">
+                <a:solidFill>
+                  <a:srgbClr val="000000"/>
+                </a:solidFill>
+                <a:latin typeface="맑은 고딕" panose="020B0503020000020004" pitchFamily="50" charset="-127"/>
+                <a:ea typeface="맑은 고딕" panose="020B0503020000020004" pitchFamily="50" charset="-127"/>
+              </a:rPr>
+              <a:t>왜 사용하는가</a:t>
+            </a:r>
+            <a:r>
+              <a:rPr lang="en-US" altLang="ko-KR" sz="1800" b="1">
+                <a:solidFill>
+                  <a:srgbClr val="000000"/>
+                </a:solidFill>
+                <a:latin typeface="맑은 고딕" panose="020B0503020000020004" pitchFamily="50" charset="-127"/>
+                <a:ea typeface="맑은 고딕" panose="020B0503020000020004" pitchFamily="50" charset="-127"/>
+              </a:rPr>
+              <a:t>?</a:t>
+            </a:r>
+          </a:p>
+          <a:p>
+            <a:pPr marL="180000" indent="-457200" eaLnBrk="1" hangingPunct="1">
+              <a:spcBef>
+                <a:spcPct val="0"/>
+              </a:spcBef>
+              <a:buFontTx/>
+              <a:buNone/>
+            </a:pPr>
+            <a:endParaRPr lang="en-US" altLang="ko-KR" sz="1800" b="1">
+              <a:solidFill>
+                <a:srgbClr val="000000"/>
+              </a:solidFill>
+              <a:latin typeface="맑은 고딕" panose="020B0503020000020004" pitchFamily="50" charset="-127"/>
+              <a:ea typeface="맑은 고딕" panose="020B0503020000020004" pitchFamily="50" charset="-127"/>
+            </a:endParaRPr>
+          </a:p>
+          <a:p>
+            <a:pPr marL="180000" indent="-457200" algn="l">
+              <a:buNone/>
+            </a:pPr>
+            <a:r>
+              <a:rPr lang="en-US" altLang="ko-KR" sz="1800">
+                <a:solidFill>
+                  <a:srgbClr val="24292F"/>
+                </a:solidFill>
+                <a:latin typeface="맑은 고딕" panose="020B0503020000020004" pitchFamily="50" charset="-127"/>
+                <a:ea typeface="맑은 고딕" panose="020B0503020000020004" pitchFamily="50" charset="-127"/>
+              </a:rPr>
+              <a:t>- </a:t>
+            </a:r>
+            <a:r>
+              <a:rPr lang="ko-KR" altLang="en-US" sz="1800" b="0" i="0">
+                <a:solidFill>
+                  <a:srgbClr val="24292F"/>
+                </a:solidFill>
+                <a:effectLst/>
+                <a:latin typeface="맑은 고딕" panose="020B0503020000020004" pitchFamily="50" charset="-127"/>
+                <a:ea typeface="맑은 고딕" panose="020B0503020000020004" pitchFamily="50" charset="-127"/>
+              </a:rPr>
+              <a:t>공통 아스키 코드를 사용한 이유이다</a:t>
+            </a:r>
+            <a:r>
+              <a:rPr lang="en-US" altLang="ko-KR" sz="1800" b="0" i="0">
+                <a:solidFill>
+                  <a:srgbClr val="24292F"/>
+                </a:solidFill>
+                <a:effectLst/>
+                <a:latin typeface="맑은 고딕" panose="020B0503020000020004" pitchFamily="50" charset="-127"/>
+                <a:ea typeface="맑은 고딕" panose="020B0503020000020004" pitchFamily="50" charset="-127"/>
+              </a:rPr>
+              <a:t>. </a:t>
+            </a:r>
+          </a:p>
+          <a:p>
+            <a:pPr marL="180000" indent="-457200" algn="l">
+              <a:buNone/>
+            </a:pPr>
+            <a:r>
+              <a:rPr lang="ko-KR" altLang="en-US" sz="1800" b="0" i="0">
+                <a:solidFill>
+                  <a:srgbClr val="24292F"/>
+                </a:solidFill>
+                <a:effectLst/>
+                <a:latin typeface="맑은 고딕" panose="020B0503020000020004" pitchFamily="50" charset="-127"/>
+                <a:ea typeface="맑은 고딕" panose="020B0503020000020004" pitchFamily="50" charset="-127"/>
+              </a:rPr>
+              <a:t>  시스템마다 제어코드가 상이해서 아스키 코드는 시스템 간 데이터 전달에 안전하지 않다</a:t>
+            </a:r>
+            <a:r>
+              <a:rPr lang="en-US" altLang="ko-KR" sz="1800" b="0" i="0">
+                <a:solidFill>
+                  <a:srgbClr val="24292F"/>
+                </a:solidFill>
+                <a:effectLst/>
+                <a:latin typeface="맑은 고딕" panose="020B0503020000020004" pitchFamily="50" charset="-127"/>
+                <a:ea typeface="맑은 고딕" panose="020B0503020000020004" pitchFamily="50" charset="-127"/>
+              </a:rPr>
+              <a:t>.</a:t>
+            </a:r>
+          </a:p>
+          <a:p>
+            <a:pPr marL="180000" indent="-457200" algn="l">
+              <a:buNone/>
+            </a:pPr>
+            <a:endParaRPr lang="en-US" altLang="ko-KR" sz="1800" b="0" i="0">
+              <a:solidFill>
+                <a:srgbClr val="24292F"/>
+              </a:solidFill>
+              <a:effectLst/>
+              <a:latin typeface="맑은 고딕" panose="020B0503020000020004" pitchFamily="50" charset="-127"/>
+              <a:ea typeface="맑은 고딕" panose="020B0503020000020004" pitchFamily="50" charset="-127"/>
+            </a:endParaRPr>
+          </a:p>
+          <a:p>
+            <a:pPr marL="180000" indent="-457200" algn="l">
+              <a:buNone/>
+            </a:pPr>
+            <a:r>
+              <a:rPr lang="en-US" altLang="ko-KR" sz="1800" b="0" i="0">
+                <a:solidFill>
+                  <a:srgbClr val="24292F"/>
+                </a:solidFill>
+                <a:effectLst/>
+                <a:latin typeface="맑은 고딕" panose="020B0503020000020004" pitchFamily="50" charset="-127"/>
+                <a:ea typeface="맑은 고딕" panose="020B0503020000020004" pitchFamily="50" charset="-127"/>
+              </a:rPr>
+              <a:t>- </a:t>
+            </a:r>
+            <a:r>
+              <a:rPr lang="ko-KR" altLang="en-US" sz="1800" b="0" i="0">
+                <a:solidFill>
+                  <a:srgbClr val="24292F"/>
+                </a:solidFill>
+                <a:effectLst/>
+                <a:latin typeface="맑은 고딕" panose="020B0503020000020004" pitchFamily="50" charset="-127"/>
+                <a:ea typeface="맑은 고딕" panose="020B0503020000020004" pitchFamily="50" charset="-127"/>
+              </a:rPr>
+              <a:t>우리가 많은 정보를 보낼 때를 생각해보자</a:t>
+            </a:r>
+            <a:r>
+              <a:rPr lang="en-US" altLang="ko-KR" sz="1800" b="0" i="0">
+                <a:solidFill>
+                  <a:srgbClr val="24292F"/>
+                </a:solidFill>
+                <a:effectLst/>
+                <a:latin typeface="맑은 고딕" panose="020B0503020000020004" pitchFamily="50" charset="-127"/>
+                <a:ea typeface="맑은 고딕" panose="020B0503020000020004" pitchFamily="50" charset="-127"/>
+              </a:rPr>
+              <a:t>. </a:t>
+            </a:r>
+            <a:r>
+              <a:rPr lang="ko-KR" altLang="en-US" sz="1800" b="0" i="0">
+                <a:solidFill>
+                  <a:srgbClr val="24292F"/>
+                </a:solidFill>
+                <a:effectLst/>
+                <a:latin typeface="맑은 고딕" panose="020B0503020000020004" pitchFamily="50" charset="-127"/>
+                <a:ea typeface="맑은 고딕" panose="020B0503020000020004" pitchFamily="50" charset="-127"/>
+              </a:rPr>
+              <a:t>가령 이미지나 오디오를 전송할 때</a:t>
+            </a:r>
+            <a:r>
+              <a:rPr lang="en-US" altLang="ko-KR" sz="1800" b="0" i="0">
+                <a:solidFill>
+                  <a:srgbClr val="24292F"/>
+                </a:solidFill>
+                <a:effectLst/>
+                <a:latin typeface="맑은 고딕" panose="020B0503020000020004" pitchFamily="50" charset="-127"/>
+                <a:ea typeface="맑은 고딕" panose="020B0503020000020004" pitchFamily="50" charset="-127"/>
+              </a:rPr>
+              <a:t>, </a:t>
+            </a:r>
+            <a:r>
+              <a:rPr lang="ko-KR" altLang="en-US" sz="1800" b="0" i="0">
+                <a:solidFill>
+                  <a:srgbClr val="24292F"/>
+                </a:solidFill>
+                <a:effectLst/>
+                <a:latin typeface="맑은 고딕" panose="020B0503020000020004" pitchFamily="50" charset="-127"/>
+                <a:ea typeface="맑은 고딕" panose="020B0503020000020004" pitchFamily="50" charset="-127"/>
+              </a:rPr>
+              <a:t>시스템 독립적으로 동일하게 전송과 저장이 보장된다</a:t>
+            </a:r>
+            <a:r>
+              <a:rPr lang="en-US" altLang="ko-KR" sz="1800" b="0" i="0">
+                <a:solidFill>
+                  <a:srgbClr val="24292F"/>
+                </a:solidFill>
+                <a:effectLst/>
+                <a:latin typeface="맑은 고딕" panose="020B0503020000020004" pitchFamily="50" charset="-127"/>
+                <a:ea typeface="맑은 고딕" panose="020B0503020000020004" pitchFamily="50" charset="-127"/>
+              </a:rPr>
+              <a:t>.</a:t>
+            </a:r>
+            <a:endParaRPr lang="ko-KR" altLang="en-US" sz="1800" b="0" i="0">
+              <a:solidFill>
+                <a:srgbClr val="24292F"/>
+              </a:solidFill>
+              <a:effectLst/>
+              <a:latin typeface="맑은 고딕" panose="020B0503020000020004" pitchFamily="50" charset="-127"/>
+              <a:ea typeface="맑은 고딕" panose="020B0503020000020004" pitchFamily="50" charset="-127"/>
+            </a:endParaRPr>
+          </a:p>
+          <a:p>
+            <a:pPr marL="180000" indent="-457200" eaLnBrk="1" hangingPunct="1">
+              <a:spcBef>
+                <a:spcPct val="0"/>
+              </a:spcBef>
+              <a:buFontTx/>
+              <a:buNone/>
+            </a:pPr>
+            <a:endParaRPr lang="en-US" altLang="ko-KR" sz="1800" b="1">
+              <a:solidFill>
+                <a:srgbClr val="000000"/>
+              </a:solidFill>
+              <a:latin typeface="맑은 고딕" panose="020B0503020000020004" pitchFamily="50" charset="-127"/>
+              <a:ea typeface="맑은 고딕" panose="020B0503020000020004" pitchFamily="50" charset="-127"/>
+            </a:endParaRPr>
+          </a:p>
+        </p:txBody>
+      </p:sp>
+      <p:pic>
+        <p:nvPicPr>
+          <p:cNvPr id="3" name="그림 2">
+            <a:extLst>
+              <a:ext uri="{FF2B5EF4-FFF2-40B4-BE49-F238E27FC236}">
+                <a16:creationId xmlns:a16="http://schemas.microsoft.com/office/drawing/2014/main" id="{9F1D1BB3-8E41-401C-894E-C5877128FBF1}"/>
+              </a:ext>
+            </a:extLst>
+          </p:cNvPr>
+          <p:cNvPicPr>
+            <a:picLocks noChangeAspect="1"/>
+          </p:cNvPicPr>
+          <p:nvPr/>
+        </p:nvPicPr>
+        <p:blipFill>
+          <a:blip r:embed="rId3"/>
+          <a:stretch>
+            <a:fillRect/>
+          </a:stretch>
+        </p:blipFill>
+        <p:spPr>
+          <a:xfrm>
+            <a:off x="647152" y="1693737"/>
+            <a:ext cx="7849695" cy="1181265"/>
+          </a:xfrm>
+          <a:prstGeom prst="rect">
+            <a:avLst/>
+          </a:prstGeom>
+        </p:spPr>
+      </p:pic>
+      <p:pic>
+        <p:nvPicPr>
+          <p:cNvPr id="7" name="그림 6">
+            <a:extLst>
+              <a:ext uri="{FF2B5EF4-FFF2-40B4-BE49-F238E27FC236}">
+                <a16:creationId xmlns:a16="http://schemas.microsoft.com/office/drawing/2014/main" id="{9C6EF099-DE2A-428A-89C2-C82924B508FF}"/>
+              </a:ext>
+            </a:extLst>
+          </p:cNvPr>
+          <p:cNvPicPr>
+            <a:picLocks noChangeAspect="1"/>
+          </p:cNvPicPr>
+          <p:nvPr/>
+        </p:nvPicPr>
+        <p:blipFill>
+          <a:blip r:embed="rId4"/>
+          <a:stretch>
+            <a:fillRect/>
+          </a:stretch>
+        </p:blipFill>
+        <p:spPr>
+          <a:xfrm>
+            <a:off x="575556" y="3364354"/>
+            <a:ext cx="989471" cy="631214"/>
+          </a:xfrm>
+          <a:prstGeom prst="rect">
+            <a:avLst/>
+          </a:prstGeom>
+        </p:spPr>
+      </p:pic>
+      <p:sp>
+        <p:nvSpPr>
+          <p:cNvPr id="15" name="TextBox 14">
+            <a:extLst>
+              <a:ext uri="{FF2B5EF4-FFF2-40B4-BE49-F238E27FC236}">
+                <a16:creationId xmlns:a16="http://schemas.microsoft.com/office/drawing/2014/main" id="{D1C92FA7-4135-4196-92CC-54E009752902}"/>
+              </a:ext>
+            </a:extLst>
+          </p:cNvPr>
+          <p:cNvSpPr txBox="1">
+            <a:spLocks noChangeArrowheads="1"/>
+          </p:cNvSpPr>
+          <p:nvPr/>
+        </p:nvSpPr>
+        <p:spPr bwMode="auto">
+          <a:xfrm>
+            <a:off x="4792100" y="3309774"/>
+            <a:ext cx="4351900" cy="646331"/>
+          </a:xfrm>
+          <a:prstGeom prst="rect">
+            <a:avLst/>
+          </a:prstGeom>
+          <a:noFill/>
+          <a:ln>
+            <a:noFill/>
+          </a:ln>
+          <a:extLst>
+            <a:ext uri="{909E8E84-426E-40DD-AFC4-6F175D3DCCD1}">
+              <a14:hiddenFill xmlns:a14="http://schemas.microsoft.com/office/drawing/2010/main">
+                <a:solidFill>
+                  <a:srgbClr val="FFFFFF"/>
+                </a:solidFill>
+              </a14:hiddenFill>
+            </a:ext>
+            <a:ext uri="{91240B29-F687-4F45-9708-019B960494DF}">
+              <a14:hiddenLine xmlns:a14="http://schemas.microsoft.com/office/drawing/2010/main" w="9525">
+                <a:solidFill>
+                  <a:srgbClr val="000000"/>
+                </a:solidFill>
+                <a:miter lim="800000"/>
+                <a:headEnd/>
+                <a:tailEnd/>
+              </a14:hiddenLine>
+            </a:ext>
+          </a:extLst>
+        </p:spPr>
+        <p:txBody>
+          <a:bodyPr wrap="square">
+            <a:spAutoFit/>
+          </a:bodyPr>
+          <a:lstStyle>
+            <a:lvl1pPr>
+              <a:spcBef>
+                <a:spcPct val="20000"/>
+              </a:spcBef>
+              <a:buChar char="•"/>
+              <a:defRPr sz="3200">
+                <a:solidFill>
+                  <a:schemeClr val="tx1"/>
+                </a:solidFill>
+                <a:latin typeface="Arial" panose="020B0604020202020204" pitchFamily="34" charset="0"/>
+                <a:ea typeface="Arial Unicode MS" panose="020B0604020202020204" pitchFamily="50" charset="-127"/>
+                <a:cs typeface="Arial" panose="020B0604020202020204" pitchFamily="34" charset="0"/>
+              </a:defRPr>
+            </a:lvl1pPr>
+            <a:lvl2pPr marL="742950" indent="-285750">
+              <a:spcBef>
+                <a:spcPct val="20000"/>
+              </a:spcBef>
+              <a:buChar char="–"/>
+              <a:defRPr sz="2800">
+                <a:solidFill>
+                  <a:schemeClr val="tx1"/>
+                </a:solidFill>
+                <a:latin typeface="Arial" panose="020B0604020202020204" pitchFamily="34" charset="0"/>
+                <a:ea typeface="Arial Unicode MS" panose="020B0604020202020204" pitchFamily="50" charset="-127"/>
+                <a:cs typeface="Arial" panose="020B0604020202020204" pitchFamily="34" charset="0"/>
+              </a:defRPr>
+            </a:lvl2pPr>
+            <a:lvl3pPr marL="1143000" indent="-228600">
+              <a:spcBef>
+                <a:spcPct val="20000"/>
+              </a:spcBef>
+              <a:buChar char="•"/>
+              <a:defRPr sz="2400">
+                <a:solidFill>
+                  <a:schemeClr val="tx1"/>
+                </a:solidFill>
+                <a:latin typeface="Arial" panose="020B0604020202020204" pitchFamily="34" charset="0"/>
+                <a:ea typeface="Arial Unicode MS" panose="020B0604020202020204" pitchFamily="50" charset="-127"/>
+                <a:cs typeface="Arial" panose="020B0604020202020204" pitchFamily="34" charset="0"/>
+              </a:defRPr>
+            </a:lvl3pPr>
+            <a:lvl4pPr marL="1600200" indent="-228600">
+              <a:spcBef>
+                <a:spcPct val="20000"/>
+              </a:spcBef>
+              <a:buChar char="–"/>
+              <a:defRPr sz="2000">
+                <a:solidFill>
+                  <a:schemeClr val="tx1"/>
+                </a:solidFill>
+                <a:latin typeface="Arial" panose="020B0604020202020204" pitchFamily="34" charset="0"/>
+                <a:ea typeface="Arial Unicode MS" panose="020B0604020202020204" pitchFamily="50" charset="-127"/>
+                <a:cs typeface="Arial" panose="020B0604020202020204" pitchFamily="34" charset="0"/>
+              </a:defRPr>
+            </a:lvl4pPr>
+            <a:lvl5pPr marL="2057400" indent="-228600">
+              <a:spcBef>
+                <a:spcPct val="20000"/>
+              </a:spcBef>
+              <a:buChar char="»"/>
+              <a:defRPr sz="2000">
+                <a:solidFill>
+                  <a:schemeClr val="tx1"/>
+                </a:solidFill>
+                <a:latin typeface="Arial" panose="020B0604020202020204" pitchFamily="34" charset="0"/>
+                <a:ea typeface="Arial Unicode MS" panose="020B0604020202020204" pitchFamily="50" charset="-127"/>
+                <a:cs typeface="Arial" panose="020B0604020202020204" pitchFamily="34" charset="0"/>
+              </a:defRPr>
+            </a:lvl5pPr>
+            <a:lvl6pPr marL="2514600" indent="-228600" eaLnBrk="0" fontAlgn="base" hangingPunct="0">
+              <a:spcBef>
+                <a:spcPct val="20000"/>
+              </a:spcBef>
+              <a:spcAft>
+                <a:spcPct val="0"/>
+              </a:spcAft>
+              <a:buChar char="»"/>
+              <a:defRPr sz="2000">
+                <a:solidFill>
+                  <a:schemeClr val="tx1"/>
+                </a:solidFill>
+                <a:latin typeface="Arial" panose="020B0604020202020204" pitchFamily="34" charset="0"/>
+                <a:ea typeface="Arial Unicode MS" panose="020B0604020202020204" pitchFamily="50" charset="-127"/>
+                <a:cs typeface="Arial" panose="020B0604020202020204" pitchFamily="34" charset="0"/>
+              </a:defRPr>
+            </a:lvl6pPr>
+            <a:lvl7pPr marL="2971800" indent="-228600" eaLnBrk="0" fontAlgn="base" hangingPunct="0">
+              <a:spcBef>
+                <a:spcPct val="20000"/>
+              </a:spcBef>
+              <a:spcAft>
+                <a:spcPct val="0"/>
+              </a:spcAft>
+              <a:buChar char="»"/>
+              <a:defRPr sz="2000">
+                <a:solidFill>
+                  <a:schemeClr val="tx1"/>
+                </a:solidFill>
+                <a:latin typeface="Arial" panose="020B0604020202020204" pitchFamily="34" charset="0"/>
+                <a:ea typeface="Arial Unicode MS" panose="020B0604020202020204" pitchFamily="50" charset="-127"/>
+                <a:cs typeface="Arial" panose="020B0604020202020204" pitchFamily="34" charset="0"/>
+              </a:defRPr>
+            </a:lvl7pPr>
+            <a:lvl8pPr marL="3429000" indent="-228600" eaLnBrk="0" fontAlgn="base" hangingPunct="0">
+              <a:spcBef>
+                <a:spcPct val="20000"/>
+              </a:spcBef>
+              <a:spcAft>
+                <a:spcPct val="0"/>
+              </a:spcAft>
+              <a:buChar char="»"/>
+              <a:defRPr sz="2000">
+                <a:solidFill>
+                  <a:schemeClr val="tx1"/>
+                </a:solidFill>
+                <a:latin typeface="Arial" panose="020B0604020202020204" pitchFamily="34" charset="0"/>
+                <a:ea typeface="Arial Unicode MS" panose="020B0604020202020204" pitchFamily="50" charset="-127"/>
+                <a:cs typeface="Arial" panose="020B0604020202020204" pitchFamily="34" charset="0"/>
+              </a:defRPr>
+            </a:lvl8pPr>
+            <a:lvl9pPr marL="3886200" indent="-228600" eaLnBrk="0" fontAlgn="base" hangingPunct="0">
+              <a:spcBef>
+                <a:spcPct val="20000"/>
+              </a:spcBef>
+              <a:spcAft>
+                <a:spcPct val="0"/>
+              </a:spcAft>
+              <a:buChar char="»"/>
+              <a:defRPr sz="2000">
+                <a:solidFill>
+                  <a:schemeClr val="tx1"/>
+                </a:solidFill>
+                <a:latin typeface="Arial" panose="020B0604020202020204" pitchFamily="34" charset="0"/>
+                <a:ea typeface="Arial Unicode MS" panose="020B0604020202020204" pitchFamily="50" charset="-127"/>
+                <a:cs typeface="Arial" panose="020B0604020202020204" pitchFamily="34" charset="0"/>
+              </a:defRPr>
+            </a:lvl9pPr>
+          </a:lstStyle>
+          <a:p>
+            <a:pPr eaLnBrk="1" hangingPunct="1">
+              <a:spcBef>
+                <a:spcPct val="0"/>
+              </a:spcBef>
+              <a:buFontTx/>
+              <a:buNone/>
+            </a:pPr>
+            <a:r>
+              <a:rPr lang="ko-KR" altLang="en-US" sz="1800">
+                <a:solidFill>
+                  <a:srgbClr val="000000"/>
+                </a:solidFill>
+                <a:latin typeface="맑은 고딕" panose="020B0503020000020004" pitchFamily="50" charset="-127"/>
+                <a:ea typeface="맑은 고딕" panose="020B0503020000020004" pitchFamily="50" charset="-127"/>
+              </a:rPr>
+              <a:t>원본보다 </a:t>
+            </a:r>
+            <a:r>
+              <a:rPr lang="en-US" altLang="ko-KR" sz="1800">
+                <a:solidFill>
+                  <a:srgbClr val="000000"/>
+                </a:solidFill>
+                <a:latin typeface="맑은 고딕" panose="020B0503020000020004" pitchFamily="50" charset="-127"/>
+                <a:ea typeface="맑은 고딕" panose="020B0503020000020004" pitchFamily="50" charset="-127"/>
+              </a:rPr>
+              <a:t>2</a:t>
+            </a:r>
+            <a:r>
+              <a:rPr lang="ko-KR" altLang="en-US" sz="1800">
+                <a:solidFill>
+                  <a:srgbClr val="000000"/>
+                </a:solidFill>
+                <a:latin typeface="맑은 고딕" panose="020B0503020000020004" pitchFamily="50" charset="-127"/>
+                <a:ea typeface="맑은 고딕" panose="020B0503020000020004" pitchFamily="50" charset="-127"/>
+              </a:rPr>
+              <a:t>비트의 비용 추가</a:t>
+            </a:r>
+            <a:endParaRPr lang="en-US" altLang="ko-KR" sz="1800">
+              <a:solidFill>
+                <a:srgbClr val="000000"/>
+              </a:solidFill>
+              <a:latin typeface="맑은 고딕" panose="020B0503020000020004" pitchFamily="50" charset="-127"/>
+              <a:ea typeface="맑은 고딕" panose="020B0503020000020004" pitchFamily="50" charset="-127"/>
+            </a:endParaRPr>
+          </a:p>
+          <a:p>
+            <a:pPr eaLnBrk="1" hangingPunct="1">
+              <a:spcBef>
+                <a:spcPct val="0"/>
+              </a:spcBef>
+              <a:buFontTx/>
+              <a:buNone/>
+            </a:pPr>
+            <a:r>
+              <a:rPr lang="ko-KR" altLang="en-US" sz="1800">
+                <a:solidFill>
+                  <a:srgbClr val="000000"/>
+                </a:solidFill>
+                <a:latin typeface="맑은 고딕" panose="020B0503020000020004" pitchFamily="50" charset="-127"/>
+                <a:ea typeface="맑은 고딕" panose="020B0503020000020004" pitchFamily="50" charset="-127"/>
+              </a:rPr>
+              <a:t>인코딩 </a:t>
+            </a:r>
+            <a:r>
+              <a:rPr lang="en-US" altLang="ko-KR" sz="1800">
+                <a:solidFill>
+                  <a:srgbClr val="000000"/>
+                </a:solidFill>
+                <a:latin typeface="맑은 고딕" panose="020B0503020000020004" pitchFamily="50" charset="-127"/>
+                <a:ea typeface="맑은 고딕" panose="020B0503020000020004" pitchFamily="50" charset="-127"/>
+              </a:rPr>
+              <a:t>/ </a:t>
+            </a:r>
+            <a:r>
+              <a:rPr lang="ko-KR" altLang="en-US" sz="1800">
+                <a:solidFill>
+                  <a:srgbClr val="000000"/>
+                </a:solidFill>
+                <a:latin typeface="맑은 고딕" panose="020B0503020000020004" pitchFamily="50" charset="-127"/>
+                <a:ea typeface="맑은 고딕" panose="020B0503020000020004" pitchFamily="50" charset="-127"/>
+              </a:rPr>
+              <a:t>디코딩 </a:t>
+            </a:r>
+            <a:r>
+              <a:rPr lang="en-US" altLang="ko-KR" sz="1800">
+                <a:solidFill>
+                  <a:srgbClr val="000000"/>
+                </a:solidFill>
+                <a:latin typeface="맑은 고딕" panose="020B0503020000020004" pitchFamily="50" charset="-127"/>
+                <a:ea typeface="맑은 고딕" panose="020B0503020000020004" pitchFamily="50" charset="-127"/>
+              </a:rPr>
+              <a:t>CPU </a:t>
+            </a:r>
+            <a:r>
+              <a:rPr lang="ko-KR" altLang="en-US" sz="1800">
+                <a:solidFill>
+                  <a:srgbClr val="000000"/>
+                </a:solidFill>
+                <a:latin typeface="맑은 고딕" panose="020B0503020000020004" pitchFamily="50" charset="-127"/>
+                <a:ea typeface="맑은 고딕" panose="020B0503020000020004" pitchFamily="50" charset="-127"/>
+              </a:rPr>
+              <a:t>연산 비용 추가</a:t>
+            </a:r>
+            <a:endParaRPr lang="en-US" altLang="ko-KR" sz="1800">
+              <a:solidFill>
+                <a:srgbClr val="000000"/>
+              </a:solidFill>
+              <a:latin typeface="맑은 고딕" panose="020B0503020000020004" pitchFamily="50" charset="-127"/>
+              <a:ea typeface="맑은 고딕" panose="020B0503020000020004" pitchFamily="50" charset="-127"/>
+            </a:endParaRPr>
+          </a:p>
+        </p:txBody>
+      </p:sp>
+      <p:pic>
+        <p:nvPicPr>
+          <p:cNvPr id="6" name="그래픽 5" descr="혼란스런 얼굴(윤곽선) 단색으로 채워진">
+            <a:extLst>
+              <a:ext uri="{FF2B5EF4-FFF2-40B4-BE49-F238E27FC236}">
+                <a16:creationId xmlns:a16="http://schemas.microsoft.com/office/drawing/2014/main" id="{9AC9B57E-9596-4D08-B968-C8F89DC295EA}"/>
+              </a:ext>
+            </a:extLst>
+          </p:cNvPr>
+          <p:cNvPicPr>
+            <a:picLocks noChangeAspect="1"/>
+          </p:cNvPicPr>
+          <p:nvPr/>
+        </p:nvPicPr>
+        <p:blipFill>
+          <a:blip r:embed="rId5">
+            <a:extLst>
+              <a:ext uri="{28A0092B-C50C-407E-A947-70E740481C1C}">
+                <a14:useLocalDpi xmlns:a14="http://schemas.microsoft.com/office/drawing/2010/main" val="0"/>
+              </a:ext>
+              <a:ext uri="{96DAC541-7B7A-43D3-8B79-37D633B846F1}">
+                <asvg:svgBlip xmlns:asvg="http://schemas.microsoft.com/office/drawing/2016/SVG/main" r:embed="rId6"/>
+              </a:ext>
+            </a:extLst>
+          </a:blip>
+          <a:stretch>
+            <a:fillRect/>
+          </a:stretch>
+        </p:blipFill>
+        <p:spPr>
+          <a:xfrm>
+            <a:off x="4089636" y="3288353"/>
+            <a:ext cx="662192" cy="662192"/>
+          </a:xfrm>
+          <a:prstGeom prst="rect">
+            <a:avLst/>
+          </a:prstGeom>
+        </p:spPr>
+      </p:pic>
+    </p:spTree>
+    <p:extLst>
+      <p:ext uri="{BB962C8B-B14F-4D97-AF65-F5344CB8AC3E}">
+        <p14:creationId xmlns:p14="http://schemas.microsoft.com/office/powerpoint/2010/main" val="1037835677"/>
+      </p:ext>
+    </p:extLst>
+  </p:cSld>
+  <p:clrMapOvr>
+    <a:masterClrMapping/>
+  </p:clrMapOvr>
+  <p:timing>
+    <p:tnLst>
+      <p:par>
+        <p:cTn id="1" dur="indefinite" restart="never" nodeType="tmRoot">
+          <p:childTnLst>
+            <p:seq concurrent="1" nextAc="seek">
+              <p:cTn id="2" dur="indefinite" nodeType="mainSeq">
+                <p:childTnLst>
+                  <p:par>
+                    <p:cTn id="3" fill="hold">
+                      <p:stCondLst>
+                        <p:cond delay="indefinite"/>
+                      </p:stCondLst>
+                      <p:childTnLst>
+                        <p:par>
+                          <p:cTn id="4" fill="hold">
+                            <p:stCondLst>
+                              <p:cond delay="0"/>
+                            </p:stCondLst>
+                            <p:childTnLst>
+                              <p:par>
+                                <p:cTn id="5" presetID="1" presetClass="entr" presetSubtype="0" fill="hold" grpId="0" nodeType="clickEffect">
+                                  <p:stCondLst>
+                                    <p:cond delay="0"/>
+                                  </p:stCondLst>
+                                  <p:childTnLst>
+                                    <p:set>
+                                      <p:cBhvr>
+                                        <p:cTn id="6" dur="1" fill="hold">
+                                          <p:stCondLst>
+                                            <p:cond delay="0"/>
+                                          </p:stCondLst>
+                                        </p:cTn>
+                                        <p:tgtEl>
+                                          <p:spTgt spid="16"/>
+                                        </p:tgtEl>
+                                        <p:attrNameLst>
+                                          <p:attrName>style.visibility</p:attrName>
+                                        </p:attrNameLst>
+                                      </p:cBhvr>
+                                      <p:to>
+                                        <p:strVal val="visible"/>
+                                      </p:to>
+                                    </p:set>
+                                  </p:childTnLst>
+                                </p:cTn>
+                              </p:par>
+                              <p:par>
+                                <p:cTn id="7" presetID="1" presetClass="entr" presetSubtype="0" fill="hold" nodeType="withEffect">
+                                  <p:stCondLst>
+                                    <p:cond delay="0"/>
+                                  </p:stCondLst>
+                                  <p:childTnLst>
+                                    <p:set>
+                                      <p:cBhvr>
+                                        <p:cTn id="8" dur="1" fill="hold">
+                                          <p:stCondLst>
+                                            <p:cond delay="0"/>
+                                          </p:stCondLst>
+                                        </p:cTn>
+                                        <p:tgtEl>
+                                          <p:spTgt spid="7"/>
+                                        </p:tgtEl>
+                                        <p:attrNameLst>
+                                          <p:attrName>style.visibility</p:attrName>
+                                        </p:attrNameLst>
+                                      </p:cBhvr>
+                                      <p:to>
+                                        <p:strVal val="visible"/>
+                                      </p:to>
+                                    </p:set>
+                                  </p:childTnLst>
+                                </p:cTn>
+                              </p:par>
+                              <p:par>
+                                <p:cTn id="9" presetID="1" presetClass="entr" presetSubtype="0" fill="hold" grpId="0" nodeType="withEffect">
+                                  <p:stCondLst>
+                                    <p:cond delay="0"/>
+                                  </p:stCondLst>
+                                  <p:childTnLst>
+                                    <p:set>
+                                      <p:cBhvr>
+                                        <p:cTn id="10" dur="1" fill="hold">
+                                          <p:stCondLst>
+                                            <p:cond delay="0"/>
+                                          </p:stCondLst>
+                                        </p:cTn>
+                                        <p:tgtEl>
+                                          <p:spTgt spid="15"/>
+                                        </p:tgtEl>
+                                        <p:attrNameLst>
+                                          <p:attrName>style.visibility</p:attrName>
+                                        </p:attrNameLst>
+                                      </p:cBhvr>
+                                      <p:to>
+                                        <p:strVal val="visible"/>
+                                      </p:to>
+                                    </p:set>
+                                  </p:childTnLst>
+                                </p:cTn>
+                              </p:par>
+                              <p:par>
+                                <p:cTn id="11" presetID="1" presetClass="entr" presetSubtype="0" fill="hold" nodeType="withEffect">
+                                  <p:stCondLst>
+                                    <p:cond delay="0"/>
+                                  </p:stCondLst>
+                                  <p:childTnLst>
+                                    <p:set>
+                                      <p:cBhvr>
+                                        <p:cTn id="12" dur="1" fill="hold">
+                                          <p:stCondLst>
+                                            <p:cond delay="0"/>
+                                          </p:stCondLst>
+                                        </p:cTn>
+                                        <p:tgtEl>
+                                          <p:spTgt spid="6"/>
+                                        </p:tgtEl>
+                                        <p:attrNameLst>
+                                          <p:attrName>style.visibility</p:attrName>
+                                        </p:attrNameLst>
+                                      </p:cBhvr>
+                                      <p:to>
+                                        <p:strVal val="visible"/>
+                                      </p:to>
+                                    </p:set>
+                                  </p:childTnLst>
+                                </p:cTn>
+                              </p:par>
+                            </p:childTnLst>
+                          </p:cTn>
+                        </p:par>
+                      </p:childTnLst>
+                    </p:cTn>
+                  </p:par>
+                  <p:par>
+                    <p:cTn id="13" fill="hold">
+                      <p:stCondLst>
+                        <p:cond delay="indefinite"/>
+                      </p:stCondLst>
+                      <p:childTnLst>
+                        <p:par>
+                          <p:cTn id="14" fill="hold">
+                            <p:stCondLst>
+                              <p:cond delay="0"/>
+                            </p:stCondLst>
+                            <p:childTnLst>
+                              <p:par>
+                                <p:cTn id="15" presetID="1" presetClass="entr" presetSubtype="0" fill="hold" grpId="0" nodeType="clickEffect">
+                                  <p:stCondLst>
+                                    <p:cond delay="0"/>
+                                  </p:stCondLst>
+                                  <p:childTnLst>
+                                    <p:set>
+                                      <p:cBhvr>
+                                        <p:cTn id="16" dur="1" fill="hold">
+                                          <p:stCondLst>
+                                            <p:cond delay="0"/>
+                                          </p:stCondLst>
+                                        </p:cTn>
+                                        <p:tgtEl>
+                                          <p:spTgt spid="17"/>
+                                        </p:tgtEl>
+                                        <p:attrNameLst>
+                                          <p:attrName>style.visibility</p:attrName>
+                                        </p:attrNameLst>
+                                      </p:cBhvr>
+                                      <p:to>
+                                        <p:strVal val="visible"/>
+                                      </p:to>
+                                    </p:set>
+                                  </p:childTnLst>
+                                </p:cTn>
+                              </p:par>
+                            </p:childTnLst>
+                          </p:cTn>
+                        </p:par>
+                      </p:childTnLst>
+                    </p:cTn>
+                  </p:par>
+                </p:childTnLst>
+              </p:cTn>
+              <p:prevCondLst>
+                <p:cond evt="onPrev" delay="0">
+                  <p:tgtEl>
+                    <p:sldTgt/>
+                  </p:tgtEl>
+                </p:cond>
+              </p:prevCondLst>
+              <p:nextCondLst>
+                <p:cond evt="onNext" delay="0">
+                  <p:tgtEl>
+                    <p:sldTgt/>
+                  </p:tgtEl>
+                </p:cond>
+              </p:nextCondLst>
+            </p:seq>
+          </p:childTnLst>
+        </p:cTn>
+      </p:par>
+    </p:tnLst>
+    <p:bldLst>
+      <p:bldP spid="16" grpId="0"/>
+      <p:bldP spid="17" grpId="0"/>
+      <p:bldP spid="15" grpId="0"/>
+    </p:bldLst>
+  </p:timing>
+</p:sld>
+</file>
+
+<file path=ppt/slides/slide12.xml><?xml version="1.0" encoding="utf-8"?>
+<p:sld xmlns:a="http://schemas.openxmlformats.org/drawingml/2006/main" xmlns:r="http://schemas.openxmlformats.org/officeDocument/2006/relationships" xmlns:p="http://schemas.openxmlformats.org/presentationml/2006/main">
+  <p:cSld>
+    <p:spTree>
+      <p:nvGrpSpPr>
+        <p:cNvPr id="1" name=""/>
+        <p:cNvGrpSpPr/>
+        <p:nvPr/>
+      </p:nvGrpSpPr>
+      <p:grpSpPr>
+        <a:xfrm>
+          <a:off x="0" y="0"/>
+          <a:ext cx="0" cy="0"/>
+          <a:chOff x="0" y="0"/>
+          <a:chExt cx="0" cy="0"/>
+        </a:xfrm>
+      </p:grpSpPr>
+      <p:sp>
+        <p:nvSpPr>
           <p:cNvPr id="22530" name="Rectangle 150">
             <a:extLst>
               <a:ext uri="{FF2B5EF4-FFF2-40B4-BE49-F238E27FC236}">
@@ -9413,6 +12261,30 @@
               <a:pPr eaLnBrk="1" hangingPunct="1">
                 <a:defRPr/>
               </a:pPr>
+              <a:r>
+                <a:rPr lang="en-US" altLang="ko-KR" sz="1400">
+                  <a:latin typeface="맑은 고딕" panose="020B0503020000020004" pitchFamily="50" charset="-127"/>
+                  <a:ea typeface="맑은 고딕" panose="020B0503020000020004" pitchFamily="50" charset="-127"/>
+                  <a:cs typeface="Arial" panose="020B0604020202020204" pitchFamily="34" charset="0"/>
+                </a:rPr>
+                <a:t>UTF-8 </a:t>
+              </a:r>
+              <a:r>
+                <a:rPr lang="ko-KR" altLang="en-US" sz="1400">
+                  <a:latin typeface="맑은 고딕" panose="020B0503020000020004" pitchFamily="50" charset="-127"/>
+                  <a:ea typeface="맑은 고딕" panose="020B0503020000020004" pitchFamily="50" charset="-127"/>
+                  <a:cs typeface="Arial" panose="020B0604020202020204" pitchFamily="34" charset="0"/>
+                </a:rPr>
+                <a:t>인코딩 </a:t>
+              </a:r>
+              <a:r>
+                <a:rPr lang="en-US" altLang="ko-KR" sz="1400">
+                  <a:latin typeface="맑은 고딕" panose="020B0503020000020004" pitchFamily="50" charset="-127"/>
+                  <a:ea typeface="맑은 고딕" panose="020B0503020000020004" pitchFamily="50" charset="-127"/>
+                  <a:cs typeface="Arial" panose="020B0604020202020204" pitchFamily="34" charset="0"/>
+                </a:rPr>
+                <a:t>/ </a:t>
+              </a:r>
               <a:r>
                 <a:rPr lang="ko-KR" altLang="en-US" sz="1400">
                   <a:latin typeface="맑은 고딕" panose="020B0503020000020004" pitchFamily="50" charset="-127"/>
@@ -11399,6 +14271,111 @@
   <p:clrMapOvr>
     <a:masterClrMapping/>
   </p:clrMapOvr>
+  <p:timing>
+    <p:tnLst>
+      <p:par>
+        <p:cTn id="1" dur="indefinite" restart="never" nodeType="tmRoot">
+          <p:childTnLst>
+            <p:seq concurrent="1" nextAc="seek">
+              <p:cTn id="2" dur="indefinite" nodeType="mainSeq">
+                <p:childTnLst>
+                  <p:par>
+                    <p:cTn id="3" fill="hold">
+                      <p:stCondLst>
+                        <p:cond delay="indefinite"/>
+                      </p:stCondLst>
+                      <p:childTnLst>
+                        <p:par>
+                          <p:cTn id="4" fill="hold">
+                            <p:stCondLst>
+                              <p:cond delay="0"/>
+                            </p:stCondLst>
+                            <p:childTnLst>
+                              <p:par>
+                                <p:cTn id="5" presetID="1" presetClass="entr" presetSubtype="0" fill="hold" grpId="0" nodeType="clickEffect">
+                                  <p:stCondLst>
+                                    <p:cond delay="0"/>
+                                  </p:stCondLst>
+                                  <p:childTnLst>
+                                    <p:set>
+                                      <p:cBhvr>
+                                        <p:cTn id="6" dur="1" fill="hold">
+                                          <p:stCondLst>
+                                            <p:cond delay="0"/>
+                                          </p:stCondLst>
+                                        </p:cTn>
+                                        <p:tgtEl>
+                                          <p:spTgt spid="9"/>
+                                        </p:tgtEl>
+                                        <p:attrNameLst>
+                                          <p:attrName>style.visibility</p:attrName>
+                                        </p:attrNameLst>
+                                      </p:cBhvr>
+                                      <p:to>
+                                        <p:strVal val="visible"/>
+                                      </p:to>
+                                    </p:set>
+                                  </p:childTnLst>
+                                </p:cTn>
+                              </p:par>
+                              <p:par>
+                                <p:cTn id="7" presetID="1" presetClass="entr" presetSubtype="0" fill="hold" nodeType="withEffect">
+                                  <p:stCondLst>
+                                    <p:cond delay="0"/>
+                                  </p:stCondLst>
+                                  <p:childTnLst>
+                                    <p:set>
+                                      <p:cBhvr>
+                                        <p:cTn id="8" dur="1" fill="hold">
+                                          <p:stCondLst>
+                                            <p:cond delay="0"/>
+                                          </p:stCondLst>
+                                        </p:cTn>
+                                        <p:tgtEl>
+                                          <p:spTgt spid="2"/>
+                                        </p:tgtEl>
+                                        <p:attrNameLst>
+                                          <p:attrName>style.visibility</p:attrName>
+                                        </p:attrNameLst>
+                                      </p:cBhvr>
+                                      <p:to>
+                                        <p:strVal val="visible"/>
+                                      </p:to>
+                                    </p:set>
+                                  </p:childTnLst>
+                                </p:cTn>
+                              </p:par>
+                            </p:childTnLst>
+                          </p:cTn>
+                        </p:par>
+                      </p:childTnLst>
+                    </p:cTn>
+                  </p:par>
+                </p:childTnLst>
+              </p:cTn>
+              <p:prevCondLst>
+                <p:cond evt="onPrev" delay="0">
+                  <p:tgtEl>
+                    <p:sldTgt/>
+                  </p:tgtEl>
+                </p:cond>
+              </p:prevCondLst>
+              <p:nextCondLst>
+                <p:cond evt="onNext" delay="0">
+                  <p:tgtEl>
+                    <p:sldTgt/>
+                  </p:tgtEl>
+                </p:cond>
+              </p:nextCondLst>
+            </p:seq>
+          </p:childTnLst>
+        </p:cTn>
+      </p:par>
+    </p:tnLst>
+    <p:bldLst>
+      <p:bldP spid="9" grpId="0"/>
+    </p:bldLst>
+  </p:timing>
 </p:sld>
 </file>
 
@@ -12522,6 +15499,84 @@
   <p:clrMapOvr>
     <a:masterClrMapping/>
   </p:clrMapOvr>
+  <p:timing>
+    <p:tnLst>
+      <p:par>
+        <p:cTn id="1" dur="indefinite" restart="never" nodeType="tmRoot">
+          <p:childTnLst>
+            <p:seq concurrent="1" nextAc="seek">
+              <p:cTn id="2" dur="indefinite" nodeType="mainSeq">
+                <p:childTnLst>
+                  <p:par>
+                    <p:cTn id="3" fill="hold">
+                      <p:stCondLst>
+                        <p:cond delay="indefinite"/>
+                      </p:stCondLst>
+                      <p:childTnLst>
+                        <p:par>
+                          <p:cTn id="4" fill="hold">
+                            <p:stCondLst>
+                              <p:cond delay="0"/>
+                            </p:stCondLst>
+                            <p:childTnLst>
+                              <p:par>
+                                <p:cTn id="5" presetID="1" presetClass="entr" presetSubtype="0" fill="hold" grpId="0" nodeType="clickEffect">
+                                  <p:stCondLst>
+                                    <p:cond delay="0"/>
+                                  </p:stCondLst>
+                                  <p:childTnLst>
+                                    <p:set>
+                                      <p:cBhvr>
+                                        <p:cTn id="6" dur="1" fill="hold">
+                                          <p:stCondLst>
+                                            <p:cond delay="0"/>
+                                          </p:stCondLst>
+                                        </p:cTn>
+                                        <p:tgtEl>
+                                          <p:spTgt spid="16"/>
+                                        </p:tgtEl>
+                                        <p:attrNameLst>
+                                          <p:attrName>style.visibility</p:attrName>
+                                        </p:attrNameLst>
+                                      </p:cBhvr>
+                                      <p:to>
+                                        <p:strVal val="visible"/>
+                                      </p:to>
+                                    </p:set>
+                                  </p:childTnLst>
+                                </p:cTn>
+                              </p:par>
+                            </p:childTnLst>
+                          </p:cTn>
+                        </p:par>
+                      </p:childTnLst>
+                    </p:cTn>
+                  </p:par>
+                </p:childTnLst>
+              </p:cTn>
+              <p:prevCondLst>
+                <p:cond evt="onPrev" delay="0">
+                  <p:tgtEl>
+                    <p:sldTgt/>
+                  </p:tgtEl>
+                </p:cond>
+              </p:prevCondLst>
+              <p:nextCondLst>
+                <p:cond evt="onNext" delay="0">
+                  <p:tgtEl>
+                    <p:sldTgt/>
+                  </p:tgtEl>
+                </p:cond>
+              </p:nextCondLst>
+            </p:seq>
+          </p:childTnLst>
+        </p:cTn>
+      </p:par>
+    </p:tnLst>
+    <p:bldLst>
+      <p:bldP spid="16" grpId="0"/>
+    </p:bldLst>
+  </p:timing>
 </p:sld>
 </file>
 
@@ -13719,6 +16774,84 @@
   <p:clrMapOvr>
     <a:masterClrMapping/>
   </p:clrMapOvr>
+  <p:timing>
+    <p:tnLst>
+      <p:par>
+        <p:cTn id="1" dur="indefinite" restart="never" nodeType="tmRoot">
+          <p:childTnLst>
+            <p:seq concurrent="1" nextAc="seek">
+              <p:cTn id="2" dur="indefinite" nodeType="mainSeq">
+                <p:childTnLst>
+                  <p:par>
+                    <p:cTn id="3" fill="hold">
+                      <p:stCondLst>
+                        <p:cond delay="indefinite"/>
+                      </p:stCondLst>
+                      <p:childTnLst>
+                        <p:par>
+                          <p:cTn id="4" fill="hold">
+                            <p:stCondLst>
+                              <p:cond delay="0"/>
+                            </p:stCondLst>
+                            <p:childTnLst>
+                              <p:par>
+                                <p:cTn id="5" presetID="1" presetClass="entr" presetSubtype="0" fill="hold" grpId="0" nodeType="clickEffect">
+                                  <p:stCondLst>
+                                    <p:cond delay="0"/>
+                                  </p:stCondLst>
+                                  <p:childTnLst>
+                                    <p:set>
+                                      <p:cBhvr>
+                                        <p:cTn id="6" dur="1" fill="hold">
+                                          <p:stCondLst>
+                                            <p:cond delay="0"/>
+                                          </p:stCondLst>
+                                        </p:cTn>
+                                        <p:tgtEl>
+                                          <p:spTgt spid="10"/>
+                                        </p:tgtEl>
+                                        <p:attrNameLst>
+                                          <p:attrName>style.visibility</p:attrName>
+                                        </p:attrNameLst>
+                                      </p:cBhvr>
+                                      <p:to>
+                                        <p:strVal val="visible"/>
+                                      </p:to>
+                                    </p:set>
+                                  </p:childTnLst>
+                                </p:cTn>
+                              </p:par>
+                            </p:childTnLst>
+                          </p:cTn>
+                        </p:par>
+                      </p:childTnLst>
+                    </p:cTn>
+                  </p:par>
+                </p:childTnLst>
+              </p:cTn>
+              <p:prevCondLst>
+                <p:cond evt="onPrev" delay="0">
+                  <p:tgtEl>
+                    <p:sldTgt/>
+                  </p:tgtEl>
+                </p:cond>
+              </p:prevCondLst>
+              <p:nextCondLst>
+                <p:cond evt="onNext" delay="0">
+                  <p:tgtEl>
+                    <p:sldTgt/>
+                  </p:tgtEl>
+                </p:cond>
+              </p:nextCondLst>
+            </p:seq>
+          </p:childTnLst>
+        </p:cTn>
+      </p:par>
+    </p:tnLst>
+    <p:bldLst>
+      <p:bldP spid="10" grpId="0"/>
+    </p:bldLst>
+  </p:timing>
 </p:sld>
 </file>
 
@@ -15547,6 +18680,1249 @@
 </file>
 
 <file path=ppt/slides/slide8.xml><?xml version="1.0" encoding="utf-8"?>
+<p:sld xmlns:a="http://schemas.openxmlformats.org/drawingml/2006/main" xmlns:r="http://schemas.openxmlformats.org/officeDocument/2006/relationships" xmlns:p="http://schemas.openxmlformats.org/presentationml/2006/main">
+  <p:cSld>
+    <p:spTree>
+      <p:nvGrpSpPr>
+        <p:cNvPr id="1" name=""/>
+        <p:cNvGrpSpPr/>
+        <p:nvPr/>
+      </p:nvGrpSpPr>
+      <p:grpSpPr>
+        <a:xfrm>
+          <a:off x="0" y="0"/>
+          <a:ext cx="0" cy="0"/>
+          <a:chOff x="0" y="0"/>
+          <a:chExt cx="0" cy="0"/>
+        </a:xfrm>
+      </p:grpSpPr>
+      <p:sp>
+        <p:nvSpPr>
+          <p:cNvPr id="4" name="Rectangle 2">
+            <a:extLst>
+              <a:ext uri="{FF2B5EF4-FFF2-40B4-BE49-F238E27FC236}">
+                <a16:creationId xmlns:a16="http://schemas.microsoft.com/office/drawing/2014/main" id="{5A36AE50-05D9-4A3F-A6FC-8BA5F8476B15}"/>
+              </a:ext>
+            </a:extLst>
+          </p:cNvPr>
+          <p:cNvSpPr txBox="1">
+            <a:spLocks noChangeArrowheads="1"/>
+          </p:cNvSpPr>
+          <p:nvPr/>
+        </p:nvSpPr>
+        <p:spPr>
+          <a:xfrm>
+            <a:off x="457200" y="476672"/>
+            <a:ext cx="8229600" cy="1295400"/>
+          </a:xfrm>
+          <a:prstGeom prst="rect">
+            <a:avLst/>
+          </a:prstGeom>
+        </p:spPr>
+        <p:txBody>
+          <a:bodyPr/>
+          <a:lstStyle>
+            <a:lvl1pPr algn="ctr" rtl="0" eaLnBrk="0" fontAlgn="base" hangingPunct="0">
+              <a:spcBef>
+                <a:spcPct val="0"/>
+              </a:spcBef>
+              <a:spcAft>
+                <a:spcPct val="0"/>
+              </a:spcAft>
+              <a:defRPr sz="4400" kern="1200">
+                <a:solidFill>
+                  <a:schemeClr val="tx2"/>
+                </a:solidFill>
+                <a:latin typeface="맑은 고딕" panose="020B0503020000020004" pitchFamily="50" charset="-127"/>
+                <a:ea typeface="맑은 고딕" panose="020B0503020000020004" pitchFamily="50" charset="-127"/>
+                <a:cs typeface="+mj-cs"/>
+              </a:defRPr>
+            </a:lvl1pPr>
+            <a:lvl2pPr algn="ctr" rtl="0" eaLnBrk="0" fontAlgn="base" hangingPunct="0">
+              <a:spcBef>
+                <a:spcPct val="0"/>
+              </a:spcBef>
+              <a:spcAft>
+                <a:spcPct val="0"/>
+              </a:spcAft>
+              <a:defRPr sz="4400">
+                <a:solidFill>
+                  <a:schemeClr val="tx2"/>
+                </a:solidFill>
+                <a:latin typeface="Arial" panose="020B0604020202020204" pitchFamily="34" charset="0"/>
+                <a:ea typeface="Arial Unicode MS" panose="020B0604020202020204" pitchFamily="50" charset="-127"/>
+                <a:cs typeface="Arial" panose="020B0604020202020204" pitchFamily="34" charset="0"/>
+              </a:defRPr>
+            </a:lvl2pPr>
+            <a:lvl3pPr algn="ctr" rtl="0" eaLnBrk="0" fontAlgn="base" hangingPunct="0">
+              <a:spcBef>
+                <a:spcPct val="0"/>
+              </a:spcBef>
+              <a:spcAft>
+                <a:spcPct val="0"/>
+              </a:spcAft>
+              <a:defRPr sz="4400">
+                <a:solidFill>
+                  <a:schemeClr val="tx2"/>
+                </a:solidFill>
+                <a:latin typeface="Arial" panose="020B0604020202020204" pitchFamily="34" charset="0"/>
+                <a:ea typeface="Arial Unicode MS" panose="020B0604020202020204" pitchFamily="50" charset="-127"/>
+                <a:cs typeface="Arial" panose="020B0604020202020204" pitchFamily="34" charset="0"/>
+              </a:defRPr>
+            </a:lvl3pPr>
+            <a:lvl4pPr algn="ctr" rtl="0" eaLnBrk="0" fontAlgn="base" hangingPunct="0">
+              <a:spcBef>
+                <a:spcPct val="0"/>
+              </a:spcBef>
+              <a:spcAft>
+                <a:spcPct val="0"/>
+              </a:spcAft>
+              <a:defRPr sz="4400">
+                <a:solidFill>
+                  <a:schemeClr val="tx2"/>
+                </a:solidFill>
+                <a:latin typeface="Arial" panose="020B0604020202020204" pitchFamily="34" charset="0"/>
+                <a:ea typeface="Arial Unicode MS" panose="020B0604020202020204" pitchFamily="50" charset="-127"/>
+                <a:cs typeface="Arial" panose="020B0604020202020204" pitchFamily="34" charset="0"/>
+              </a:defRPr>
+            </a:lvl4pPr>
+            <a:lvl5pPr algn="ctr" rtl="0" eaLnBrk="0" fontAlgn="base" hangingPunct="0">
+              <a:spcBef>
+                <a:spcPct val="0"/>
+              </a:spcBef>
+              <a:spcAft>
+                <a:spcPct val="0"/>
+              </a:spcAft>
+              <a:defRPr sz="4400">
+                <a:solidFill>
+                  <a:schemeClr val="tx2"/>
+                </a:solidFill>
+                <a:latin typeface="Arial" panose="020B0604020202020204" pitchFamily="34" charset="0"/>
+                <a:ea typeface="Arial Unicode MS" panose="020B0604020202020204" pitchFamily="50" charset="-127"/>
+                <a:cs typeface="Arial" panose="020B0604020202020204" pitchFamily="34" charset="0"/>
+              </a:defRPr>
+            </a:lvl5pPr>
+            <a:lvl6pPr marL="457200" algn="ctr" rtl="0" fontAlgn="base">
+              <a:spcBef>
+                <a:spcPct val="0"/>
+              </a:spcBef>
+              <a:spcAft>
+                <a:spcPct val="0"/>
+              </a:spcAft>
+              <a:defRPr sz="4400">
+                <a:solidFill>
+                  <a:schemeClr val="tx2"/>
+                </a:solidFill>
+                <a:latin typeface="Arial" panose="020B0604020202020204" pitchFamily="34" charset="0"/>
+                <a:cs typeface="Arial" panose="020B0604020202020204" pitchFamily="34" charset="0"/>
+              </a:defRPr>
+            </a:lvl6pPr>
+            <a:lvl7pPr marL="914400" algn="ctr" rtl="0" fontAlgn="base">
+              <a:spcBef>
+                <a:spcPct val="0"/>
+              </a:spcBef>
+              <a:spcAft>
+                <a:spcPct val="0"/>
+              </a:spcAft>
+              <a:defRPr sz="4400">
+                <a:solidFill>
+                  <a:schemeClr val="tx2"/>
+                </a:solidFill>
+                <a:latin typeface="Arial" panose="020B0604020202020204" pitchFamily="34" charset="0"/>
+                <a:cs typeface="Arial" panose="020B0604020202020204" pitchFamily="34" charset="0"/>
+              </a:defRPr>
+            </a:lvl7pPr>
+            <a:lvl8pPr marL="1371600" algn="ctr" rtl="0" fontAlgn="base">
+              <a:spcBef>
+                <a:spcPct val="0"/>
+              </a:spcBef>
+              <a:spcAft>
+                <a:spcPct val="0"/>
+              </a:spcAft>
+              <a:defRPr sz="4400">
+                <a:solidFill>
+                  <a:schemeClr val="tx2"/>
+                </a:solidFill>
+                <a:latin typeface="Arial" panose="020B0604020202020204" pitchFamily="34" charset="0"/>
+                <a:cs typeface="Arial" panose="020B0604020202020204" pitchFamily="34" charset="0"/>
+              </a:defRPr>
+            </a:lvl8pPr>
+            <a:lvl9pPr marL="1828800" algn="ctr" rtl="0" fontAlgn="base">
+              <a:spcBef>
+                <a:spcPct val="0"/>
+              </a:spcBef>
+              <a:spcAft>
+                <a:spcPct val="0"/>
+              </a:spcAft>
+              <a:defRPr sz="4400">
+                <a:solidFill>
+                  <a:schemeClr val="tx2"/>
+                </a:solidFill>
+                <a:latin typeface="Arial" panose="020B0604020202020204" pitchFamily="34" charset="0"/>
+                <a:cs typeface="Arial" panose="020B0604020202020204" pitchFamily="34" charset="0"/>
+              </a:defRPr>
+            </a:lvl9pPr>
+          </a:lstStyle>
+          <a:p>
+            <a:pPr algn="l"/>
+            <a:r>
+              <a:rPr lang="en-US" altLang="ko-KR" sz="3200">
+                <a:solidFill>
+                  <a:schemeClr val="tx1"/>
+                </a:solidFill>
+              </a:rPr>
+              <a:t>2</a:t>
+            </a:r>
+            <a:r>
+              <a:rPr lang="ko-KR" altLang="en-US" sz="3200">
+                <a:solidFill>
+                  <a:schemeClr val="tx1"/>
+                </a:solidFill>
+              </a:rPr>
+              <a:t>진수 텍스트</a:t>
+            </a:r>
+            <a:r>
+              <a:rPr lang="en-US" altLang="ko-KR" sz="3200">
+                <a:solidFill>
+                  <a:schemeClr val="tx1"/>
+                </a:solidFill>
+              </a:rPr>
+              <a:t> </a:t>
+            </a:r>
+            <a:r>
+              <a:rPr lang="en-US" altLang="ko-KR" sz="2000">
+                <a:solidFill>
+                  <a:srgbClr val="333333"/>
+                </a:solidFill>
+                <a:latin typeface="-apple-system"/>
+              </a:rPr>
+              <a:t>UTF-8 </a:t>
+            </a:r>
+            <a:r>
+              <a:rPr lang="ko-KR" altLang="en-US" sz="2000">
+                <a:solidFill>
+                  <a:srgbClr val="333333"/>
+                </a:solidFill>
+                <a:latin typeface="-apple-system"/>
+              </a:rPr>
+              <a:t>인코딩</a:t>
+            </a:r>
+            <a:endParaRPr lang="ko-KR" altLang="en-US" sz="1800" b="0" i="0">
+              <a:solidFill>
+                <a:srgbClr val="333333"/>
+              </a:solidFill>
+              <a:effectLst/>
+              <a:latin typeface="-apple-system"/>
+            </a:endParaRPr>
+          </a:p>
+        </p:txBody>
+      </p:sp>
+      <p:cxnSp>
+        <p:nvCxnSpPr>
+          <p:cNvPr id="5" name="직선 연결선 4">
+            <a:extLst>
+              <a:ext uri="{FF2B5EF4-FFF2-40B4-BE49-F238E27FC236}">
+                <a16:creationId xmlns:a16="http://schemas.microsoft.com/office/drawing/2014/main" id="{25EBF773-EAAC-4D7B-92F5-7072048F85E3}"/>
+              </a:ext>
+            </a:extLst>
+          </p:cNvPr>
+          <p:cNvCxnSpPr/>
+          <p:nvPr/>
+        </p:nvCxnSpPr>
+        <p:spPr bwMode="auto">
+          <a:xfrm>
+            <a:off x="575556" y="1268760"/>
+            <a:ext cx="7992888" cy="0"/>
+          </a:xfrm>
+          <a:prstGeom prst="line">
+            <a:avLst/>
+          </a:prstGeom>
+          <a:solidFill>
+            <a:schemeClr val="accent1"/>
+          </a:solidFill>
+          <a:ln w="25400" cap="flat" cmpd="sng" algn="ctr">
+            <a:solidFill>
+              <a:schemeClr val="tx1"/>
+            </a:solidFill>
+            <a:prstDash val="solid"/>
+            <a:round/>
+            <a:headEnd type="none" w="med" len="med"/>
+            <a:tailEnd type="none" w="med" len="med"/>
+          </a:ln>
+          <a:effectLst/>
+          <a:extLst>
+            <a:ext uri="{AF507438-7753-43E0-B8FC-AC1667EBCBE1}">
+              <a14:hiddenEffects xmlns:a14="http://schemas.microsoft.com/office/drawing/2010/main">
+                <a:effectLst>
+                  <a:outerShdw dist="35921" dir="2700000" algn="ctr" rotWithShape="0">
+                    <a:schemeClr val="bg2"/>
+                  </a:outerShdw>
+                </a:effectLst>
+              </a14:hiddenEffects>
+            </a:ext>
+          </a:extLst>
+        </p:spPr>
+      </p:cxnSp>
+      <p:sp>
+        <p:nvSpPr>
+          <p:cNvPr id="14" name="TextBox 13">
+            <a:extLst>
+              <a:ext uri="{FF2B5EF4-FFF2-40B4-BE49-F238E27FC236}">
+                <a16:creationId xmlns:a16="http://schemas.microsoft.com/office/drawing/2014/main" id="{F1FD3064-6394-4543-B644-5FFFEE94215F}"/>
+              </a:ext>
+            </a:extLst>
+          </p:cNvPr>
+          <p:cNvSpPr txBox="1">
+            <a:spLocks noChangeArrowheads="1"/>
+          </p:cNvSpPr>
+          <p:nvPr/>
+        </p:nvSpPr>
+        <p:spPr bwMode="auto">
+          <a:xfrm>
+            <a:off x="449721" y="1329491"/>
+            <a:ext cx="8028334" cy="923330"/>
+          </a:xfrm>
+          <a:prstGeom prst="rect">
+            <a:avLst/>
+          </a:prstGeom>
+          <a:noFill/>
+          <a:ln>
+            <a:noFill/>
+          </a:ln>
+          <a:extLst>
+            <a:ext uri="{909E8E84-426E-40DD-AFC4-6F175D3DCCD1}">
+              <a14:hiddenFill xmlns:a14="http://schemas.microsoft.com/office/drawing/2010/main">
+                <a:solidFill>
+                  <a:srgbClr val="FFFFFF"/>
+                </a:solidFill>
+              </a14:hiddenFill>
+            </a:ext>
+            <a:ext uri="{91240B29-F687-4F45-9708-019B960494DF}">
+              <a14:hiddenLine xmlns:a14="http://schemas.microsoft.com/office/drawing/2010/main" w="9525">
+                <a:solidFill>
+                  <a:srgbClr val="000000"/>
+                </a:solidFill>
+                <a:miter lim="800000"/>
+                <a:headEnd/>
+                <a:tailEnd/>
+              </a14:hiddenLine>
+            </a:ext>
+          </a:extLst>
+        </p:spPr>
+        <p:txBody>
+          <a:bodyPr wrap="square">
+            <a:spAutoFit/>
+          </a:bodyPr>
+          <a:lstStyle>
+            <a:lvl1pPr>
+              <a:spcBef>
+                <a:spcPct val="20000"/>
+              </a:spcBef>
+              <a:buChar char="•"/>
+              <a:defRPr sz="3200">
+                <a:solidFill>
+                  <a:schemeClr val="tx1"/>
+                </a:solidFill>
+                <a:latin typeface="Arial" panose="020B0604020202020204" pitchFamily="34" charset="0"/>
+                <a:ea typeface="Arial Unicode MS" panose="020B0604020202020204" pitchFamily="50" charset="-127"/>
+                <a:cs typeface="Arial" panose="020B0604020202020204" pitchFamily="34" charset="0"/>
+              </a:defRPr>
+            </a:lvl1pPr>
+            <a:lvl2pPr marL="742950" indent="-285750">
+              <a:spcBef>
+                <a:spcPct val="20000"/>
+              </a:spcBef>
+              <a:buChar char="–"/>
+              <a:defRPr sz="2800">
+                <a:solidFill>
+                  <a:schemeClr val="tx1"/>
+                </a:solidFill>
+                <a:latin typeface="Arial" panose="020B0604020202020204" pitchFamily="34" charset="0"/>
+                <a:ea typeface="Arial Unicode MS" panose="020B0604020202020204" pitchFamily="50" charset="-127"/>
+                <a:cs typeface="Arial" panose="020B0604020202020204" pitchFamily="34" charset="0"/>
+              </a:defRPr>
+            </a:lvl2pPr>
+            <a:lvl3pPr marL="1143000" indent="-228600">
+              <a:spcBef>
+                <a:spcPct val="20000"/>
+              </a:spcBef>
+              <a:buChar char="•"/>
+              <a:defRPr sz="2400">
+                <a:solidFill>
+                  <a:schemeClr val="tx1"/>
+                </a:solidFill>
+                <a:latin typeface="Arial" panose="020B0604020202020204" pitchFamily="34" charset="0"/>
+                <a:ea typeface="Arial Unicode MS" panose="020B0604020202020204" pitchFamily="50" charset="-127"/>
+                <a:cs typeface="Arial" panose="020B0604020202020204" pitchFamily="34" charset="0"/>
+              </a:defRPr>
+            </a:lvl3pPr>
+            <a:lvl4pPr marL="1600200" indent="-228600">
+              <a:spcBef>
+                <a:spcPct val="20000"/>
+              </a:spcBef>
+              <a:buChar char="–"/>
+              <a:defRPr sz="2000">
+                <a:solidFill>
+                  <a:schemeClr val="tx1"/>
+                </a:solidFill>
+                <a:latin typeface="Arial" panose="020B0604020202020204" pitchFamily="34" charset="0"/>
+                <a:ea typeface="Arial Unicode MS" panose="020B0604020202020204" pitchFamily="50" charset="-127"/>
+                <a:cs typeface="Arial" panose="020B0604020202020204" pitchFamily="34" charset="0"/>
+              </a:defRPr>
+            </a:lvl4pPr>
+            <a:lvl5pPr marL="2057400" indent="-228600">
+              <a:spcBef>
+                <a:spcPct val="20000"/>
+              </a:spcBef>
+              <a:buChar char="»"/>
+              <a:defRPr sz="2000">
+                <a:solidFill>
+                  <a:schemeClr val="tx1"/>
+                </a:solidFill>
+                <a:latin typeface="Arial" panose="020B0604020202020204" pitchFamily="34" charset="0"/>
+                <a:ea typeface="Arial Unicode MS" panose="020B0604020202020204" pitchFamily="50" charset="-127"/>
+                <a:cs typeface="Arial" panose="020B0604020202020204" pitchFamily="34" charset="0"/>
+              </a:defRPr>
+            </a:lvl5pPr>
+            <a:lvl6pPr marL="2514600" indent="-228600" eaLnBrk="0" fontAlgn="base" hangingPunct="0">
+              <a:spcBef>
+                <a:spcPct val="20000"/>
+              </a:spcBef>
+              <a:spcAft>
+                <a:spcPct val="0"/>
+              </a:spcAft>
+              <a:buChar char="»"/>
+              <a:defRPr sz="2000">
+                <a:solidFill>
+                  <a:schemeClr val="tx1"/>
+                </a:solidFill>
+                <a:latin typeface="Arial" panose="020B0604020202020204" pitchFamily="34" charset="0"/>
+                <a:ea typeface="Arial Unicode MS" panose="020B0604020202020204" pitchFamily="50" charset="-127"/>
+                <a:cs typeface="Arial" panose="020B0604020202020204" pitchFamily="34" charset="0"/>
+              </a:defRPr>
+            </a:lvl6pPr>
+            <a:lvl7pPr marL="2971800" indent="-228600" eaLnBrk="0" fontAlgn="base" hangingPunct="0">
+              <a:spcBef>
+                <a:spcPct val="20000"/>
+              </a:spcBef>
+              <a:spcAft>
+                <a:spcPct val="0"/>
+              </a:spcAft>
+              <a:buChar char="»"/>
+              <a:defRPr sz="2000">
+                <a:solidFill>
+                  <a:schemeClr val="tx1"/>
+                </a:solidFill>
+                <a:latin typeface="Arial" panose="020B0604020202020204" pitchFamily="34" charset="0"/>
+                <a:ea typeface="Arial Unicode MS" panose="020B0604020202020204" pitchFamily="50" charset="-127"/>
+                <a:cs typeface="Arial" panose="020B0604020202020204" pitchFamily="34" charset="0"/>
+              </a:defRPr>
+            </a:lvl7pPr>
+            <a:lvl8pPr marL="3429000" indent="-228600" eaLnBrk="0" fontAlgn="base" hangingPunct="0">
+              <a:spcBef>
+                <a:spcPct val="20000"/>
+              </a:spcBef>
+              <a:spcAft>
+                <a:spcPct val="0"/>
+              </a:spcAft>
+              <a:buChar char="»"/>
+              <a:defRPr sz="2000">
+                <a:solidFill>
+                  <a:schemeClr val="tx1"/>
+                </a:solidFill>
+                <a:latin typeface="Arial" panose="020B0604020202020204" pitchFamily="34" charset="0"/>
+                <a:ea typeface="Arial Unicode MS" panose="020B0604020202020204" pitchFamily="50" charset="-127"/>
+                <a:cs typeface="Arial" panose="020B0604020202020204" pitchFamily="34" charset="0"/>
+              </a:defRPr>
+            </a:lvl8pPr>
+            <a:lvl9pPr marL="3886200" indent="-228600" eaLnBrk="0" fontAlgn="base" hangingPunct="0">
+              <a:spcBef>
+                <a:spcPct val="20000"/>
+              </a:spcBef>
+              <a:spcAft>
+                <a:spcPct val="0"/>
+              </a:spcAft>
+              <a:buChar char="»"/>
+              <a:defRPr sz="2000">
+                <a:solidFill>
+                  <a:schemeClr val="tx1"/>
+                </a:solidFill>
+                <a:latin typeface="Arial" panose="020B0604020202020204" pitchFamily="34" charset="0"/>
+                <a:ea typeface="Arial Unicode MS" panose="020B0604020202020204" pitchFamily="50" charset="-127"/>
+                <a:cs typeface="Arial" panose="020B0604020202020204" pitchFamily="34" charset="0"/>
+              </a:defRPr>
+            </a:lvl9pPr>
+          </a:lstStyle>
+          <a:p>
+            <a:pPr eaLnBrk="1" hangingPunct="1">
+              <a:spcBef>
+                <a:spcPct val="0"/>
+              </a:spcBef>
+              <a:buFontTx/>
+              <a:buNone/>
+            </a:pPr>
+            <a:r>
+              <a:rPr lang="ko-KR" altLang="en-US" sz="1800" b="1">
+                <a:solidFill>
+                  <a:srgbClr val="000000"/>
+                </a:solidFill>
+                <a:latin typeface="맑은 고딕" panose="020B0503020000020004" pitchFamily="50" charset="-127"/>
+                <a:ea typeface="맑은 고딕" panose="020B0503020000020004" pitchFamily="50" charset="-127"/>
+              </a:rPr>
+              <a:t>확장의 한계</a:t>
+            </a:r>
+            <a:br>
+              <a:rPr lang="en-US" altLang="ko-KR" sz="1800" b="1">
+                <a:solidFill>
+                  <a:srgbClr val="000000"/>
+                </a:solidFill>
+                <a:latin typeface="맑은 고딕" panose="020B0503020000020004" pitchFamily="50" charset="-127"/>
+                <a:ea typeface="맑은 고딕" panose="020B0503020000020004" pitchFamily="50" charset="-127"/>
+              </a:rPr>
+            </a:br>
+            <a:endParaRPr lang="en-US" altLang="ko-KR" sz="1800" b="1">
+              <a:solidFill>
+                <a:srgbClr val="000000"/>
+              </a:solidFill>
+              <a:latin typeface="맑은 고딕" panose="020B0503020000020004" pitchFamily="50" charset="-127"/>
+              <a:ea typeface="맑은 고딕" panose="020B0503020000020004" pitchFamily="50" charset="-127"/>
+            </a:endParaRPr>
+          </a:p>
+          <a:p>
+            <a:pPr eaLnBrk="1" hangingPunct="1">
+              <a:spcBef>
+                <a:spcPct val="0"/>
+              </a:spcBef>
+              <a:buFontTx/>
+              <a:buNone/>
+            </a:pPr>
+            <a:r>
+              <a:rPr lang="ko-KR" altLang="en-US" sz="1800">
+                <a:solidFill>
+                  <a:srgbClr val="000000"/>
+                </a:solidFill>
+                <a:latin typeface="맑은 고딕" panose="020B0503020000020004" pitchFamily="50" charset="-127"/>
+                <a:ea typeface="맑은 고딕" panose="020B0503020000020004" pitchFamily="50" charset="-127"/>
+              </a:rPr>
+              <a:t>아스키 코드</a:t>
+            </a:r>
+            <a:r>
+              <a:rPr lang="en-US" altLang="ko-KR" sz="1800">
+                <a:solidFill>
+                  <a:srgbClr val="000000"/>
+                </a:solidFill>
+                <a:latin typeface="맑은 고딕" panose="020B0503020000020004" pitchFamily="50" charset="-127"/>
+                <a:ea typeface="맑은 고딕" panose="020B0503020000020004" pitchFamily="50" charset="-127"/>
+              </a:rPr>
+              <a:t>(7-8</a:t>
+            </a:r>
+            <a:r>
+              <a:rPr lang="ko-KR" altLang="en-US" sz="1800">
+                <a:solidFill>
+                  <a:srgbClr val="000000"/>
+                </a:solidFill>
+                <a:latin typeface="맑은 고딕" panose="020B0503020000020004" pitchFamily="50" charset="-127"/>
+                <a:ea typeface="맑은 고딕" panose="020B0503020000020004" pitchFamily="50" charset="-127"/>
+              </a:rPr>
+              <a:t>비트</a:t>
+            </a:r>
+            <a:r>
+              <a:rPr lang="en-US" altLang="ko-KR" sz="1800">
+                <a:solidFill>
+                  <a:srgbClr val="000000"/>
+                </a:solidFill>
+                <a:latin typeface="맑은 고딕" panose="020B0503020000020004" pitchFamily="50" charset="-127"/>
+                <a:ea typeface="맑은 고딕" panose="020B0503020000020004" pitchFamily="50" charset="-127"/>
+              </a:rPr>
+              <a:t>)</a:t>
+            </a:r>
+            <a:r>
+              <a:rPr lang="ko-KR" altLang="en-US" sz="1800">
+                <a:solidFill>
+                  <a:srgbClr val="000000"/>
+                </a:solidFill>
+                <a:latin typeface="맑은 고딕" panose="020B0503020000020004" pitchFamily="50" charset="-127"/>
+                <a:ea typeface="맑은 고딕" panose="020B0503020000020004" pitchFamily="50" charset="-127"/>
+              </a:rPr>
+              <a:t> → 아스키 코드 확장</a:t>
+            </a:r>
+            <a:r>
+              <a:rPr lang="en-US" altLang="ko-KR" sz="1800">
+                <a:solidFill>
+                  <a:srgbClr val="000000"/>
+                </a:solidFill>
+                <a:latin typeface="맑은 고딕" panose="020B0503020000020004" pitchFamily="50" charset="-127"/>
+                <a:ea typeface="맑은 고딕" panose="020B0503020000020004" pitchFamily="50" charset="-127"/>
+              </a:rPr>
+              <a:t>(7-8</a:t>
+            </a:r>
+            <a:r>
+              <a:rPr lang="ko-KR" altLang="en-US" sz="1800">
+                <a:solidFill>
+                  <a:srgbClr val="000000"/>
+                </a:solidFill>
+                <a:latin typeface="맑은 고딕" panose="020B0503020000020004" pitchFamily="50" charset="-127"/>
+                <a:ea typeface="맑은 고딕" panose="020B0503020000020004" pitchFamily="50" charset="-127"/>
+              </a:rPr>
+              <a:t>비트</a:t>
+            </a:r>
+            <a:r>
+              <a:rPr lang="en-US" altLang="ko-KR" sz="1800">
+                <a:solidFill>
+                  <a:srgbClr val="000000"/>
+                </a:solidFill>
+                <a:latin typeface="맑은 고딕" panose="020B0503020000020004" pitchFamily="50" charset="-127"/>
+                <a:ea typeface="맑은 고딕" panose="020B0503020000020004" pitchFamily="50" charset="-127"/>
+              </a:rPr>
+              <a:t>)</a:t>
+            </a:r>
+            <a:r>
+              <a:rPr lang="ko-KR" altLang="en-US" sz="1800">
+                <a:solidFill>
+                  <a:srgbClr val="000000"/>
+                </a:solidFill>
+                <a:latin typeface="맑은 고딕" panose="020B0503020000020004" pitchFamily="50" charset="-127"/>
+                <a:ea typeface="맑은 고딕" panose="020B0503020000020004" pitchFamily="50" charset="-127"/>
+              </a:rPr>
+              <a:t> → 유니코드</a:t>
+            </a:r>
+            <a:r>
+              <a:rPr lang="en-US" altLang="ko-KR" sz="1800">
+                <a:solidFill>
+                  <a:srgbClr val="000000"/>
+                </a:solidFill>
+                <a:latin typeface="맑은 고딕" panose="020B0503020000020004" pitchFamily="50" charset="-127"/>
+                <a:ea typeface="맑은 고딕" panose="020B0503020000020004" pitchFamily="50" charset="-127"/>
+              </a:rPr>
+              <a:t>(16</a:t>
+            </a:r>
+            <a:r>
+              <a:rPr lang="ko-KR" altLang="en-US" sz="1800">
+                <a:solidFill>
+                  <a:srgbClr val="000000"/>
+                </a:solidFill>
+                <a:latin typeface="맑은 고딕" panose="020B0503020000020004" pitchFamily="50" charset="-127"/>
+                <a:ea typeface="맑은 고딕" panose="020B0503020000020004" pitchFamily="50" charset="-127"/>
+              </a:rPr>
+              <a:t>비트</a:t>
+            </a:r>
+            <a:r>
+              <a:rPr lang="en-US" altLang="ko-KR" sz="1800">
+                <a:solidFill>
+                  <a:srgbClr val="000000"/>
+                </a:solidFill>
+                <a:latin typeface="맑은 고딕" panose="020B0503020000020004" pitchFamily="50" charset="-127"/>
+                <a:ea typeface="맑은 고딕" panose="020B0503020000020004" pitchFamily="50" charset="-127"/>
+              </a:rPr>
+              <a:t>)</a:t>
+            </a:r>
+          </a:p>
+        </p:txBody>
+      </p:sp>
+      <p:sp>
+        <p:nvSpPr>
+          <p:cNvPr id="16" name="TextBox 15">
+            <a:extLst>
+              <a:ext uri="{FF2B5EF4-FFF2-40B4-BE49-F238E27FC236}">
+                <a16:creationId xmlns:a16="http://schemas.microsoft.com/office/drawing/2014/main" id="{EC0E25C4-3528-4638-8C05-724D5DF9A9BC}"/>
+              </a:ext>
+            </a:extLst>
+          </p:cNvPr>
+          <p:cNvSpPr txBox="1">
+            <a:spLocks noChangeArrowheads="1"/>
+          </p:cNvSpPr>
+          <p:nvPr/>
+        </p:nvSpPr>
+        <p:spPr bwMode="auto">
+          <a:xfrm>
+            <a:off x="449721" y="2967335"/>
+            <a:ext cx="8028334" cy="923330"/>
+          </a:xfrm>
+          <a:prstGeom prst="rect">
+            <a:avLst/>
+          </a:prstGeom>
+          <a:noFill/>
+          <a:ln>
+            <a:noFill/>
+          </a:ln>
+          <a:extLst>
+            <a:ext uri="{909E8E84-426E-40DD-AFC4-6F175D3DCCD1}">
+              <a14:hiddenFill xmlns:a14="http://schemas.microsoft.com/office/drawing/2010/main">
+                <a:solidFill>
+                  <a:srgbClr val="FFFFFF"/>
+                </a:solidFill>
+              </a14:hiddenFill>
+            </a:ext>
+            <a:ext uri="{91240B29-F687-4F45-9708-019B960494DF}">
+              <a14:hiddenLine xmlns:a14="http://schemas.microsoft.com/office/drawing/2010/main" w="9525">
+                <a:solidFill>
+                  <a:srgbClr val="000000"/>
+                </a:solidFill>
+                <a:miter lim="800000"/>
+                <a:headEnd/>
+                <a:tailEnd/>
+              </a14:hiddenLine>
+            </a:ext>
+          </a:extLst>
+        </p:spPr>
+        <p:txBody>
+          <a:bodyPr wrap="square">
+            <a:spAutoFit/>
+          </a:bodyPr>
+          <a:lstStyle>
+            <a:lvl1pPr>
+              <a:spcBef>
+                <a:spcPct val="20000"/>
+              </a:spcBef>
+              <a:buChar char="•"/>
+              <a:defRPr sz="3200">
+                <a:solidFill>
+                  <a:schemeClr val="tx1"/>
+                </a:solidFill>
+                <a:latin typeface="Arial" panose="020B0604020202020204" pitchFamily="34" charset="0"/>
+                <a:ea typeface="Arial Unicode MS" panose="020B0604020202020204" pitchFamily="50" charset="-127"/>
+                <a:cs typeface="Arial" panose="020B0604020202020204" pitchFamily="34" charset="0"/>
+              </a:defRPr>
+            </a:lvl1pPr>
+            <a:lvl2pPr marL="742950" indent="-285750">
+              <a:spcBef>
+                <a:spcPct val="20000"/>
+              </a:spcBef>
+              <a:buChar char="–"/>
+              <a:defRPr sz="2800">
+                <a:solidFill>
+                  <a:schemeClr val="tx1"/>
+                </a:solidFill>
+                <a:latin typeface="Arial" panose="020B0604020202020204" pitchFamily="34" charset="0"/>
+                <a:ea typeface="Arial Unicode MS" panose="020B0604020202020204" pitchFamily="50" charset="-127"/>
+                <a:cs typeface="Arial" panose="020B0604020202020204" pitchFamily="34" charset="0"/>
+              </a:defRPr>
+            </a:lvl2pPr>
+            <a:lvl3pPr marL="1143000" indent="-228600">
+              <a:spcBef>
+                <a:spcPct val="20000"/>
+              </a:spcBef>
+              <a:buChar char="•"/>
+              <a:defRPr sz="2400">
+                <a:solidFill>
+                  <a:schemeClr val="tx1"/>
+                </a:solidFill>
+                <a:latin typeface="Arial" panose="020B0604020202020204" pitchFamily="34" charset="0"/>
+                <a:ea typeface="Arial Unicode MS" panose="020B0604020202020204" pitchFamily="50" charset="-127"/>
+                <a:cs typeface="Arial" panose="020B0604020202020204" pitchFamily="34" charset="0"/>
+              </a:defRPr>
+            </a:lvl3pPr>
+            <a:lvl4pPr marL="1600200" indent="-228600">
+              <a:spcBef>
+                <a:spcPct val="20000"/>
+              </a:spcBef>
+              <a:buChar char="–"/>
+              <a:defRPr sz="2000">
+                <a:solidFill>
+                  <a:schemeClr val="tx1"/>
+                </a:solidFill>
+                <a:latin typeface="Arial" panose="020B0604020202020204" pitchFamily="34" charset="0"/>
+                <a:ea typeface="Arial Unicode MS" panose="020B0604020202020204" pitchFamily="50" charset="-127"/>
+                <a:cs typeface="Arial" panose="020B0604020202020204" pitchFamily="34" charset="0"/>
+              </a:defRPr>
+            </a:lvl4pPr>
+            <a:lvl5pPr marL="2057400" indent="-228600">
+              <a:spcBef>
+                <a:spcPct val="20000"/>
+              </a:spcBef>
+              <a:buChar char="»"/>
+              <a:defRPr sz="2000">
+                <a:solidFill>
+                  <a:schemeClr val="tx1"/>
+                </a:solidFill>
+                <a:latin typeface="Arial" panose="020B0604020202020204" pitchFamily="34" charset="0"/>
+                <a:ea typeface="Arial Unicode MS" panose="020B0604020202020204" pitchFamily="50" charset="-127"/>
+                <a:cs typeface="Arial" panose="020B0604020202020204" pitchFamily="34" charset="0"/>
+              </a:defRPr>
+            </a:lvl5pPr>
+            <a:lvl6pPr marL="2514600" indent="-228600" eaLnBrk="0" fontAlgn="base" hangingPunct="0">
+              <a:spcBef>
+                <a:spcPct val="20000"/>
+              </a:spcBef>
+              <a:spcAft>
+                <a:spcPct val="0"/>
+              </a:spcAft>
+              <a:buChar char="»"/>
+              <a:defRPr sz="2000">
+                <a:solidFill>
+                  <a:schemeClr val="tx1"/>
+                </a:solidFill>
+                <a:latin typeface="Arial" panose="020B0604020202020204" pitchFamily="34" charset="0"/>
+                <a:ea typeface="Arial Unicode MS" panose="020B0604020202020204" pitchFamily="50" charset="-127"/>
+                <a:cs typeface="Arial" panose="020B0604020202020204" pitchFamily="34" charset="0"/>
+              </a:defRPr>
+            </a:lvl6pPr>
+            <a:lvl7pPr marL="2971800" indent="-228600" eaLnBrk="0" fontAlgn="base" hangingPunct="0">
+              <a:spcBef>
+                <a:spcPct val="20000"/>
+              </a:spcBef>
+              <a:spcAft>
+                <a:spcPct val="0"/>
+              </a:spcAft>
+              <a:buChar char="»"/>
+              <a:defRPr sz="2000">
+                <a:solidFill>
+                  <a:schemeClr val="tx1"/>
+                </a:solidFill>
+                <a:latin typeface="Arial" panose="020B0604020202020204" pitchFamily="34" charset="0"/>
+                <a:ea typeface="Arial Unicode MS" panose="020B0604020202020204" pitchFamily="50" charset="-127"/>
+                <a:cs typeface="Arial" panose="020B0604020202020204" pitchFamily="34" charset="0"/>
+              </a:defRPr>
+            </a:lvl7pPr>
+            <a:lvl8pPr marL="3429000" indent="-228600" eaLnBrk="0" fontAlgn="base" hangingPunct="0">
+              <a:spcBef>
+                <a:spcPct val="20000"/>
+              </a:spcBef>
+              <a:spcAft>
+                <a:spcPct val="0"/>
+              </a:spcAft>
+              <a:buChar char="»"/>
+              <a:defRPr sz="2000">
+                <a:solidFill>
+                  <a:schemeClr val="tx1"/>
+                </a:solidFill>
+                <a:latin typeface="Arial" panose="020B0604020202020204" pitchFamily="34" charset="0"/>
+                <a:ea typeface="Arial Unicode MS" panose="020B0604020202020204" pitchFamily="50" charset="-127"/>
+                <a:cs typeface="Arial" panose="020B0604020202020204" pitchFamily="34" charset="0"/>
+              </a:defRPr>
+            </a:lvl8pPr>
+            <a:lvl9pPr marL="3886200" indent="-228600" eaLnBrk="0" fontAlgn="base" hangingPunct="0">
+              <a:spcBef>
+                <a:spcPct val="20000"/>
+              </a:spcBef>
+              <a:spcAft>
+                <a:spcPct val="0"/>
+              </a:spcAft>
+              <a:buChar char="»"/>
+              <a:defRPr sz="2000">
+                <a:solidFill>
+                  <a:schemeClr val="tx1"/>
+                </a:solidFill>
+                <a:latin typeface="Arial" panose="020B0604020202020204" pitchFamily="34" charset="0"/>
+                <a:ea typeface="Arial Unicode MS" panose="020B0604020202020204" pitchFamily="50" charset="-127"/>
+                <a:cs typeface="Arial" panose="020B0604020202020204" pitchFamily="34" charset="0"/>
+              </a:defRPr>
+            </a:lvl9pPr>
+          </a:lstStyle>
+          <a:p>
+            <a:pPr eaLnBrk="1" hangingPunct="1">
+              <a:spcBef>
+                <a:spcPct val="0"/>
+              </a:spcBef>
+              <a:buFontTx/>
+              <a:buNone/>
+            </a:pPr>
+            <a:r>
+              <a:rPr lang="ko-KR" altLang="en-US" sz="1800" b="1">
+                <a:solidFill>
+                  <a:srgbClr val="000000"/>
+                </a:solidFill>
+                <a:latin typeface="맑은 고딕" panose="020B0503020000020004" pitchFamily="50" charset="-127"/>
+                <a:ea typeface="맑은 고딕" panose="020B0503020000020004" pitchFamily="50" charset="-127"/>
+              </a:rPr>
+              <a:t>인코딩으로 해결</a:t>
+            </a:r>
+            <a:endParaRPr lang="en-US" altLang="ko-KR" sz="1800" b="1">
+              <a:solidFill>
+                <a:srgbClr val="000000"/>
+              </a:solidFill>
+              <a:latin typeface="맑은 고딕" panose="020B0503020000020004" pitchFamily="50" charset="-127"/>
+              <a:ea typeface="맑은 고딕" panose="020B0503020000020004" pitchFamily="50" charset="-127"/>
+            </a:endParaRPr>
+          </a:p>
+          <a:p>
+            <a:pPr eaLnBrk="1" hangingPunct="1">
+              <a:spcBef>
+                <a:spcPct val="0"/>
+              </a:spcBef>
+              <a:buFontTx/>
+              <a:buNone/>
+            </a:pPr>
+            <a:endParaRPr lang="en-US" altLang="ko-KR" sz="1800" b="1">
+              <a:solidFill>
+                <a:srgbClr val="000000"/>
+              </a:solidFill>
+              <a:latin typeface="맑은 고딕" panose="020B0503020000020004" pitchFamily="50" charset="-127"/>
+              <a:ea typeface="맑은 고딕" panose="020B0503020000020004" pitchFamily="50" charset="-127"/>
+            </a:endParaRPr>
+          </a:p>
+          <a:p>
+            <a:pPr eaLnBrk="1" hangingPunct="1">
+              <a:spcBef>
+                <a:spcPct val="0"/>
+              </a:spcBef>
+              <a:buFontTx/>
+              <a:buNone/>
+            </a:pPr>
+            <a:r>
+              <a:rPr lang="en-US" altLang="ko-KR" sz="1800">
+                <a:solidFill>
+                  <a:srgbClr val="000000"/>
+                </a:solidFill>
+                <a:latin typeface="맑은 고딕" panose="020B0503020000020004" pitchFamily="50" charset="-127"/>
+                <a:ea typeface="맑은 고딕" panose="020B0503020000020004" pitchFamily="50" charset="-127"/>
+              </a:rPr>
+              <a:t>: </a:t>
+            </a:r>
+            <a:r>
+              <a:rPr lang="ko-KR" altLang="en-US" sz="1800">
+                <a:solidFill>
+                  <a:srgbClr val="000000"/>
+                </a:solidFill>
+                <a:latin typeface="맑은 고딕" panose="020B0503020000020004" pitchFamily="50" charset="-127"/>
+                <a:ea typeface="맑은 고딕" panose="020B0503020000020004" pitchFamily="50" charset="-127"/>
+              </a:rPr>
+              <a:t>다른 비트 패턴을 표현하기 위해 사용하는 비트패턴</a:t>
+            </a:r>
+            <a:endParaRPr lang="en-US" altLang="ko-KR" sz="1800">
+              <a:solidFill>
+                <a:srgbClr val="000000"/>
+              </a:solidFill>
+              <a:latin typeface="맑은 고딕" panose="020B0503020000020004" pitchFamily="50" charset="-127"/>
+              <a:ea typeface="맑은 고딕" panose="020B0503020000020004" pitchFamily="50" charset="-127"/>
+            </a:endParaRPr>
+          </a:p>
+        </p:txBody>
+      </p:sp>
+      <p:sp>
+        <p:nvSpPr>
+          <p:cNvPr id="10" name="TextBox 9">
+            <a:extLst>
+              <a:ext uri="{FF2B5EF4-FFF2-40B4-BE49-F238E27FC236}">
+                <a16:creationId xmlns:a16="http://schemas.microsoft.com/office/drawing/2014/main" id="{0828A1C3-E983-4C06-8C8B-B67E065F2FDB}"/>
+              </a:ext>
+            </a:extLst>
+          </p:cNvPr>
+          <p:cNvSpPr txBox="1">
+            <a:spLocks noChangeArrowheads="1"/>
+          </p:cNvSpPr>
+          <p:nvPr/>
+        </p:nvSpPr>
+        <p:spPr bwMode="auto">
+          <a:xfrm>
+            <a:off x="520096" y="4716596"/>
+            <a:ext cx="8028334" cy="923330"/>
+          </a:xfrm>
+          <a:prstGeom prst="rect">
+            <a:avLst/>
+          </a:prstGeom>
+          <a:noFill/>
+          <a:ln>
+            <a:noFill/>
+          </a:ln>
+          <a:extLst>
+            <a:ext uri="{909E8E84-426E-40DD-AFC4-6F175D3DCCD1}">
+              <a14:hiddenFill xmlns:a14="http://schemas.microsoft.com/office/drawing/2010/main">
+                <a:solidFill>
+                  <a:srgbClr val="FFFFFF"/>
+                </a:solidFill>
+              </a14:hiddenFill>
+            </a:ext>
+            <a:ext uri="{91240B29-F687-4F45-9708-019B960494DF}">
+              <a14:hiddenLine xmlns:a14="http://schemas.microsoft.com/office/drawing/2010/main" w="9525">
+                <a:solidFill>
+                  <a:srgbClr val="000000"/>
+                </a:solidFill>
+                <a:miter lim="800000"/>
+                <a:headEnd/>
+                <a:tailEnd/>
+              </a14:hiddenLine>
+            </a:ext>
+          </a:extLst>
+        </p:spPr>
+        <p:txBody>
+          <a:bodyPr wrap="square">
+            <a:spAutoFit/>
+          </a:bodyPr>
+          <a:lstStyle>
+            <a:lvl1pPr>
+              <a:spcBef>
+                <a:spcPct val="20000"/>
+              </a:spcBef>
+              <a:buChar char="•"/>
+              <a:defRPr sz="3200">
+                <a:solidFill>
+                  <a:schemeClr val="tx1"/>
+                </a:solidFill>
+                <a:latin typeface="Arial" panose="020B0604020202020204" pitchFamily="34" charset="0"/>
+                <a:ea typeface="Arial Unicode MS" panose="020B0604020202020204" pitchFamily="50" charset="-127"/>
+                <a:cs typeface="Arial" panose="020B0604020202020204" pitchFamily="34" charset="0"/>
+              </a:defRPr>
+            </a:lvl1pPr>
+            <a:lvl2pPr marL="742950" indent="-285750">
+              <a:spcBef>
+                <a:spcPct val="20000"/>
+              </a:spcBef>
+              <a:buChar char="–"/>
+              <a:defRPr sz="2800">
+                <a:solidFill>
+                  <a:schemeClr val="tx1"/>
+                </a:solidFill>
+                <a:latin typeface="Arial" panose="020B0604020202020204" pitchFamily="34" charset="0"/>
+                <a:ea typeface="Arial Unicode MS" panose="020B0604020202020204" pitchFamily="50" charset="-127"/>
+                <a:cs typeface="Arial" panose="020B0604020202020204" pitchFamily="34" charset="0"/>
+              </a:defRPr>
+            </a:lvl2pPr>
+            <a:lvl3pPr marL="1143000" indent="-228600">
+              <a:spcBef>
+                <a:spcPct val="20000"/>
+              </a:spcBef>
+              <a:buChar char="•"/>
+              <a:defRPr sz="2400">
+                <a:solidFill>
+                  <a:schemeClr val="tx1"/>
+                </a:solidFill>
+                <a:latin typeface="Arial" panose="020B0604020202020204" pitchFamily="34" charset="0"/>
+                <a:ea typeface="Arial Unicode MS" panose="020B0604020202020204" pitchFamily="50" charset="-127"/>
+                <a:cs typeface="Arial" panose="020B0604020202020204" pitchFamily="34" charset="0"/>
+              </a:defRPr>
+            </a:lvl3pPr>
+            <a:lvl4pPr marL="1600200" indent="-228600">
+              <a:spcBef>
+                <a:spcPct val="20000"/>
+              </a:spcBef>
+              <a:buChar char="–"/>
+              <a:defRPr sz="2000">
+                <a:solidFill>
+                  <a:schemeClr val="tx1"/>
+                </a:solidFill>
+                <a:latin typeface="Arial" panose="020B0604020202020204" pitchFamily="34" charset="0"/>
+                <a:ea typeface="Arial Unicode MS" panose="020B0604020202020204" pitchFamily="50" charset="-127"/>
+                <a:cs typeface="Arial" panose="020B0604020202020204" pitchFamily="34" charset="0"/>
+              </a:defRPr>
+            </a:lvl4pPr>
+            <a:lvl5pPr marL="2057400" indent="-228600">
+              <a:spcBef>
+                <a:spcPct val="20000"/>
+              </a:spcBef>
+              <a:buChar char="»"/>
+              <a:defRPr sz="2000">
+                <a:solidFill>
+                  <a:schemeClr val="tx1"/>
+                </a:solidFill>
+                <a:latin typeface="Arial" panose="020B0604020202020204" pitchFamily="34" charset="0"/>
+                <a:ea typeface="Arial Unicode MS" panose="020B0604020202020204" pitchFamily="50" charset="-127"/>
+                <a:cs typeface="Arial" panose="020B0604020202020204" pitchFamily="34" charset="0"/>
+              </a:defRPr>
+            </a:lvl5pPr>
+            <a:lvl6pPr marL="2514600" indent="-228600" eaLnBrk="0" fontAlgn="base" hangingPunct="0">
+              <a:spcBef>
+                <a:spcPct val="20000"/>
+              </a:spcBef>
+              <a:spcAft>
+                <a:spcPct val="0"/>
+              </a:spcAft>
+              <a:buChar char="»"/>
+              <a:defRPr sz="2000">
+                <a:solidFill>
+                  <a:schemeClr val="tx1"/>
+                </a:solidFill>
+                <a:latin typeface="Arial" panose="020B0604020202020204" pitchFamily="34" charset="0"/>
+                <a:ea typeface="Arial Unicode MS" panose="020B0604020202020204" pitchFamily="50" charset="-127"/>
+                <a:cs typeface="Arial" panose="020B0604020202020204" pitchFamily="34" charset="0"/>
+              </a:defRPr>
+            </a:lvl6pPr>
+            <a:lvl7pPr marL="2971800" indent="-228600" eaLnBrk="0" fontAlgn="base" hangingPunct="0">
+              <a:spcBef>
+                <a:spcPct val="20000"/>
+              </a:spcBef>
+              <a:spcAft>
+                <a:spcPct val="0"/>
+              </a:spcAft>
+              <a:buChar char="»"/>
+              <a:defRPr sz="2000">
+                <a:solidFill>
+                  <a:schemeClr val="tx1"/>
+                </a:solidFill>
+                <a:latin typeface="Arial" panose="020B0604020202020204" pitchFamily="34" charset="0"/>
+                <a:ea typeface="Arial Unicode MS" panose="020B0604020202020204" pitchFamily="50" charset="-127"/>
+                <a:cs typeface="Arial" panose="020B0604020202020204" pitchFamily="34" charset="0"/>
+              </a:defRPr>
+            </a:lvl7pPr>
+            <a:lvl8pPr marL="3429000" indent="-228600" eaLnBrk="0" fontAlgn="base" hangingPunct="0">
+              <a:spcBef>
+                <a:spcPct val="20000"/>
+              </a:spcBef>
+              <a:spcAft>
+                <a:spcPct val="0"/>
+              </a:spcAft>
+              <a:buChar char="»"/>
+              <a:defRPr sz="2000">
+                <a:solidFill>
+                  <a:schemeClr val="tx1"/>
+                </a:solidFill>
+                <a:latin typeface="Arial" panose="020B0604020202020204" pitchFamily="34" charset="0"/>
+                <a:ea typeface="Arial Unicode MS" panose="020B0604020202020204" pitchFamily="50" charset="-127"/>
+                <a:cs typeface="Arial" panose="020B0604020202020204" pitchFamily="34" charset="0"/>
+              </a:defRPr>
+            </a:lvl8pPr>
+            <a:lvl9pPr marL="3886200" indent="-228600" eaLnBrk="0" fontAlgn="base" hangingPunct="0">
+              <a:spcBef>
+                <a:spcPct val="20000"/>
+              </a:spcBef>
+              <a:spcAft>
+                <a:spcPct val="0"/>
+              </a:spcAft>
+              <a:buChar char="»"/>
+              <a:defRPr sz="2000">
+                <a:solidFill>
+                  <a:schemeClr val="tx1"/>
+                </a:solidFill>
+                <a:latin typeface="Arial" panose="020B0604020202020204" pitchFamily="34" charset="0"/>
+                <a:ea typeface="Arial Unicode MS" panose="020B0604020202020204" pitchFamily="50" charset="-127"/>
+                <a:cs typeface="Arial" panose="020B0604020202020204" pitchFamily="34" charset="0"/>
+              </a:defRPr>
+            </a:lvl9pPr>
+          </a:lstStyle>
+          <a:p>
+            <a:pPr eaLnBrk="1" hangingPunct="1">
+              <a:spcBef>
+                <a:spcPct val="0"/>
+              </a:spcBef>
+              <a:buFontTx/>
+              <a:buNone/>
+            </a:pPr>
+            <a:r>
+              <a:rPr lang="en-US" altLang="ko-KR" sz="1800" b="1">
+                <a:solidFill>
+                  <a:srgbClr val="000000"/>
+                </a:solidFill>
+                <a:latin typeface="맑은 고딕" panose="020B0503020000020004" pitchFamily="50" charset="-127"/>
+                <a:ea typeface="맑은 고딕" panose="020B0503020000020004" pitchFamily="50" charset="-127"/>
+              </a:rPr>
+              <a:t>UTF-8(</a:t>
+            </a:r>
+            <a:r>
+              <a:rPr lang="ko-KR" altLang="en-US" sz="1800" b="1">
+                <a:solidFill>
+                  <a:srgbClr val="000000"/>
+                </a:solidFill>
+                <a:latin typeface="맑은 고딕" panose="020B0503020000020004" pitchFamily="50" charset="-127"/>
+                <a:ea typeface="맑은 고딕" panose="020B0503020000020004" pitchFamily="50" charset="-127"/>
+              </a:rPr>
+              <a:t>유니코드 변환 형식 </a:t>
+            </a:r>
+            <a:r>
+              <a:rPr lang="en-US" altLang="ko-KR" sz="1800" b="1">
+                <a:solidFill>
+                  <a:srgbClr val="000000"/>
+                </a:solidFill>
+                <a:latin typeface="맑은 고딕" panose="020B0503020000020004" pitchFamily="50" charset="-127"/>
+                <a:ea typeface="맑은 고딕" panose="020B0503020000020004" pitchFamily="50" charset="-127"/>
+              </a:rPr>
+              <a:t>8</a:t>
+            </a:r>
+            <a:r>
+              <a:rPr lang="ko-KR" altLang="en-US" sz="1800" b="1">
+                <a:solidFill>
+                  <a:srgbClr val="000000"/>
+                </a:solidFill>
+                <a:latin typeface="맑은 고딕" panose="020B0503020000020004" pitchFamily="50" charset="-127"/>
+                <a:ea typeface="맑은 고딕" panose="020B0503020000020004" pitchFamily="50" charset="-127"/>
+              </a:rPr>
+              <a:t>비트</a:t>
+            </a:r>
+            <a:r>
+              <a:rPr lang="en-US" altLang="ko-KR" sz="1800" b="1">
+                <a:solidFill>
+                  <a:srgbClr val="000000"/>
+                </a:solidFill>
+                <a:latin typeface="맑은 고딕" panose="020B0503020000020004" pitchFamily="50" charset="-127"/>
+                <a:ea typeface="맑은 고딕" panose="020B0503020000020004" pitchFamily="50" charset="-127"/>
+              </a:rPr>
+              <a:t>) </a:t>
+            </a:r>
+            <a:r>
+              <a:rPr lang="ko-KR" altLang="en-US" sz="1800" b="1">
+                <a:solidFill>
+                  <a:srgbClr val="000000"/>
+                </a:solidFill>
+                <a:latin typeface="맑은 고딕" panose="020B0503020000020004" pitchFamily="50" charset="-127"/>
+                <a:ea typeface="맑은 고딕" panose="020B0503020000020004" pitchFamily="50" charset="-127"/>
+              </a:rPr>
+              <a:t>인코딩</a:t>
+            </a:r>
+            <a:endParaRPr lang="en-US" altLang="ko-KR" sz="1800" b="1">
+              <a:solidFill>
+                <a:srgbClr val="000000"/>
+              </a:solidFill>
+              <a:latin typeface="맑은 고딕" panose="020B0503020000020004" pitchFamily="50" charset="-127"/>
+              <a:ea typeface="맑은 고딕" panose="020B0503020000020004" pitchFamily="50" charset="-127"/>
+            </a:endParaRPr>
+          </a:p>
+          <a:p>
+            <a:pPr eaLnBrk="1" hangingPunct="1">
+              <a:spcBef>
+                <a:spcPct val="0"/>
+              </a:spcBef>
+              <a:buFontTx/>
+              <a:buNone/>
+            </a:pPr>
+            <a:endParaRPr lang="en-US" altLang="ko-KR" sz="1800" b="1">
+              <a:solidFill>
+                <a:srgbClr val="000000"/>
+              </a:solidFill>
+              <a:latin typeface="맑은 고딕" panose="020B0503020000020004" pitchFamily="50" charset="-127"/>
+              <a:ea typeface="맑은 고딕" panose="020B0503020000020004" pitchFamily="50" charset="-127"/>
+            </a:endParaRPr>
+          </a:p>
+          <a:p>
+            <a:pPr eaLnBrk="1" hangingPunct="1">
+              <a:spcBef>
+                <a:spcPct val="0"/>
+              </a:spcBef>
+              <a:buFontTx/>
+              <a:buNone/>
+            </a:pPr>
+            <a:r>
+              <a:rPr lang="en-US" altLang="ko-KR" sz="1800">
+                <a:solidFill>
+                  <a:srgbClr val="000000"/>
+                </a:solidFill>
+                <a:latin typeface="맑은 고딕" panose="020B0503020000020004" pitchFamily="50" charset="-127"/>
+                <a:ea typeface="맑은 고딕" panose="020B0503020000020004" pitchFamily="50" charset="-127"/>
+              </a:rPr>
+              <a:t>: </a:t>
+            </a:r>
+            <a:r>
+              <a:rPr lang="ko-KR" altLang="en-US" sz="1800">
+                <a:solidFill>
+                  <a:srgbClr val="000000"/>
+                </a:solidFill>
+                <a:latin typeface="맑은 고딕" panose="020B0503020000020004" pitchFamily="50" charset="-127"/>
+                <a:ea typeface="맑은 고딕" panose="020B0503020000020004" pitchFamily="50" charset="-127"/>
+              </a:rPr>
+              <a:t>하위 호환성과 효율성으로 대표적</a:t>
+            </a:r>
+            <a:endParaRPr lang="en-US" altLang="ko-KR" sz="1800">
+              <a:solidFill>
+                <a:srgbClr val="000000"/>
+              </a:solidFill>
+              <a:latin typeface="맑은 고딕" panose="020B0503020000020004" pitchFamily="50" charset="-127"/>
+              <a:ea typeface="맑은 고딕" panose="020B0503020000020004" pitchFamily="50" charset="-127"/>
+            </a:endParaRPr>
+          </a:p>
+        </p:txBody>
+      </p:sp>
+    </p:spTree>
+    <p:extLst>
+      <p:ext uri="{BB962C8B-B14F-4D97-AF65-F5344CB8AC3E}">
+        <p14:creationId xmlns:p14="http://schemas.microsoft.com/office/powerpoint/2010/main" val="1410655581"/>
+      </p:ext>
+    </p:extLst>
+  </p:cSld>
+  <p:clrMapOvr>
+    <a:masterClrMapping/>
+  </p:clrMapOvr>
+</p:sld>
+</file>
+
+<file path=ppt/slides/slide9.xml><?xml version="1.0" encoding="utf-8"?>
 <p:sld xmlns:a="http://schemas.openxmlformats.org/drawingml/2006/main" xmlns:r="http://schemas.openxmlformats.org/officeDocument/2006/relationships" xmlns:p="http://schemas.openxmlformats.org/presentationml/2006/main">
   <p:cSld>
     <p:spTree>
@@ -16694,1580 +21070,7 @@
     </p:spTree>
     <p:extLst>
       <p:ext uri="{BB962C8B-B14F-4D97-AF65-F5344CB8AC3E}">
-        <p14:creationId xmlns:p14="http://schemas.microsoft.com/office/powerpoint/2010/main" val="1410655581"/>
-      </p:ext>
-    </p:extLst>
-  </p:cSld>
-  <p:clrMapOvr>
-    <a:masterClrMapping/>
-  </p:clrMapOvr>
-</p:sld>
-</file>
-
-<file path=ppt/slides/slide9.xml><?xml version="1.0" encoding="utf-8"?>
-<p:sld xmlns:a="http://schemas.openxmlformats.org/drawingml/2006/main" xmlns:r="http://schemas.openxmlformats.org/officeDocument/2006/relationships" xmlns:p="http://schemas.openxmlformats.org/presentationml/2006/main">
-  <p:cSld>
-    <p:spTree>
-      <p:nvGrpSpPr>
-        <p:cNvPr id="1" name=""/>
-        <p:cNvGrpSpPr/>
-        <p:nvPr/>
-      </p:nvGrpSpPr>
-      <p:grpSpPr>
-        <a:xfrm>
-          <a:off x="0" y="0"/>
-          <a:ext cx="0" cy="0"/>
-          <a:chOff x="0" y="0"/>
-          <a:chExt cx="0" cy="0"/>
-        </a:xfrm>
-      </p:grpSpPr>
-      <p:sp>
-        <p:nvSpPr>
-          <p:cNvPr id="4" name="Rectangle 2">
-            <a:extLst>
-              <a:ext uri="{FF2B5EF4-FFF2-40B4-BE49-F238E27FC236}">
-                <a16:creationId xmlns:a16="http://schemas.microsoft.com/office/drawing/2014/main" id="{5A36AE50-05D9-4A3F-A6FC-8BA5F8476B15}"/>
-              </a:ext>
-            </a:extLst>
-          </p:cNvPr>
-          <p:cNvSpPr txBox="1">
-            <a:spLocks noChangeArrowheads="1"/>
-          </p:cNvSpPr>
-          <p:nvPr/>
-        </p:nvSpPr>
-        <p:spPr>
-          <a:xfrm>
-            <a:off x="457200" y="476672"/>
-            <a:ext cx="8229600" cy="1295400"/>
-          </a:xfrm>
-          <a:prstGeom prst="rect">
-            <a:avLst/>
-          </a:prstGeom>
-        </p:spPr>
-        <p:txBody>
-          <a:bodyPr/>
-          <a:lstStyle>
-            <a:lvl1pPr algn="ctr" rtl="0" eaLnBrk="0" fontAlgn="base" hangingPunct="0">
-              <a:spcBef>
-                <a:spcPct val="0"/>
-              </a:spcBef>
-              <a:spcAft>
-                <a:spcPct val="0"/>
-              </a:spcAft>
-              <a:defRPr sz="4400" kern="1200">
-                <a:solidFill>
-                  <a:schemeClr val="tx2"/>
-                </a:solidFill>
-                <a:latin typeface="맑은 고딕" panose="020B0503020000020004" pitchFamily="50" charset="-127"/>
-                <a:ea typeface="맑은 고딕" panose="020B0503020000020004" pitchFamily="50" charset="-127"/>
-                <a:cs typeface="+mj-cs"/>
-              </a:defRPr>
-            </a:lvl1pPr>
-            <a:lvl2pPr algn="ctr" rtl="0" eaLnBrk="0" fontAlgn="base" hangingPunct="0">
-              <a:spcBef>
-                <a:spcPct val="0"/>
-              </a:spcBef>
-              <a:spcAft>
-                <a:spcPct val="0"/>
-              </a:spcAft>
-              <a:defRPr sz="4400">
-                <a:solidFill>
-                  <a:schemeClr val="tx2"/>
-                </a:solidFill>
-                <a:latin typeface="Arial" panose="020B0604020202020204" pitchFamily="34" charset="0"/>
-                <a:ea typeface="Arial Unicode MS" panose="020B0604020202020204" pitchFamily="50" charset="-127"/>
-                <a:cs typeface="Arial" panose="020B0604020202020204" pitchFamily="34" charset="0"/>
-              </a:defRPr>
-            </a:lvl2pPr>
-            <a:lvl3pPr algn="ctr" rtl="0" eaLnBrk="0" fontAlgn="base" hangingPunct="0">
-              <a:spcBef>
-                <a:spcPct val="0"/>
-              </a:spcBef>
-              <a:spcAft>
-                <a:spcPct val="0"/>
-              </a:spcAft>
-              <a:defRPr sz="4400">
-                <a:solidFill>
-                  <a:schemeClr val="tx2"/>
-                </a:solidFill>
-                <a:latin typeface="Arial" panose="020B0604020202020204" pitchFamily="34" charset="0"/>
-                <a:ea typeface="Arial Unicode MS" panose="020B0604020202020204" pitchFamily="50" charset="-127"/>
-                <a:cs typeface="Arial" panose="020B0604020202020204" pitchFamily="34" charset="0"/>
-              </a:defRPr>
-            </a:lvl3pPr>
-            <a:lvl4pPr algn="ctr" rtl="0" eaLnBrk="0" fontAlgn="base" hangingPunct="0">
-              <a:spcBef>
-                <a:spcPct val="0"/>
-              </a:spcBef>
-              <a:spcAft>
-                <a:spcPct val="0"/>
-              </a:spcAft>
-              <a:defRPr sz="4400">
-                <a:solidFill>
-                  <a:schemeClr val="tx2"/>
-                </a:solidFill>
-                <a:latin typeface="Arial" panose="020B0604020202020204" pitchFamily="34" charset="0"/>
-                <a:ea typeface="Arial Unicode MS" panose="020B0604020202020204" pitchFamily="50" charset="-127"/>
-                <a:cs typeface="Arial" panose="020B0604020202020204" pitchFamily="34" charset="0"/>
-              </a:defRPr>
-            </a:lvl4pPr>
-            <a:lvl5pPr algn="ctr" rtl="0" eaLnBrk="0" fontAlgn="base" hangingPunct="0">
-              <a:spcBef>
-                <a:spcPct val="0"/>
-              </a:spcBef>
-              <a:spcAft>
-                <a:spcPct val="0"/>
-              </a:spcAft>
-              <a:defRPr sz="4400">
-                <a:solidFill>
-                  <a:schemeClr val="tx2"/>
-                </a:solidFill>
-                <a:latin typeface="Arial" panose="020B0604020202020204" pitchFamily="34" charset="0"/>
-                <a:ea typeface="Arial Unicode MS" panose="020B0604020202020204" pitchFamily="50" charset="-127"/>
-                <a:cs typeface="Arial" panose="020B0604020202020204" pitchFamily="34" charset="0"/>
-              </a:defRPr>
-            </a:lvl5pPr>
-            <a:lvl6pPr marL="457200" algn="ctr" rtl="0" fontAlgn="base">
-              <a:spcBef>
-                <a:spcPct val="0"/>
-              </a:spcBef>
-              <a:spcAft>
-                <a:spcPct val="0"/>
-              </a:spcAft>
-              <a:defRPr sz="4400">
-                <a:solidFill>
-                  <a:schemeClr val="tx2"/>
-                </a:solidFill>
-                <a:latin typeface="Arial" panose="020B0604020202020204" pitchFamily="34" charset="0"/>
-                <a:cs typeface="Arial" panose="020B0604020202020204" pitchFamily="34" charset="0"/>
-              </a:defRPr>
-            </a:lvl6pPr>
-            <a:lvl7pPr marL="914400" algn="ctr" rtl="0" fontAlgn="base">
-              <a:spcBef>
-                <a:spcPct val="0"/>
-              </a:spcBef>
-              <a:spcAft>
-                <a:spcPct val="0"/>
-              </a:spcAft>
-              <a:defRPr sz="4400">
-                <a:solidFill>
-                  <a:schemeClr val="tx2"/>
-                </a:solidFill>
-                <a:latin typeface="Arial" panose="020B0604020202020204" pitchFamily="34" charset="0"/>
-                <a:cs typeface="Arial" panose="020B0604020202020204" pitchFamily="34" charset="0"/>
-              </a:defRPr>
-            </a:lvl7pPr>
-            <a:lvl8pPr marL="1371600" algn="ctr" rtl="0" fontAlgn="base">
-              <a:spcBef>
-                <a:spcPct val="0"/>
-              </a:spcBef>
-              <a:spcAft>
-                <a:spcPct val="0"/>
-              </a:spcAft>
-              <a:defRPr sz="4400">
-                <a:solidFill>
-                  <a:schemeClr val="tx2"/>
-                </a:solidFill>
-                <a:latin typeface="Arial" panose="020B0604020202020204" pitchFamily="34" charset="0"/>
-                <a:cs typeface="Arial" panose="020B0604020202020204" pitchFamily="34" charset="0"/>
-              </a:defRPr>
-            </a:lvl8pPr>
-            <a:lvl9pPr marL="1828800" algn="ctr" rtl="0" fontAlgn="base">
-              <a:spcBef>
-                <a:spcPct val="0"/>
-              </a:spcBef>
-              <a:spcAft>
-                <a:spcPct val="0"/>
-              </a:spcAft>
-              <a:defRPr sz="4400">
-                <a:solidFill>
-                  <a:schemeClr val="tx2"/>
-                </a:solidFill>
-                <a:latin typeface="Arial" panose="020B0604020202020204" pitchFamily="34" charset="0"/>
-                <a:cs typeface="Arial" panose="020B0604020202020204" pitchFamily="34" charset="0"/>
-              </a:defRPr>
-            </a:lvl9pPr>
-          </a:lstStyle>
-          <a:p>
-            <a:pPr algn="l"/>
-            <a:r>
-              <a:rPr lang="en-US" altLang="ko-KR" sz="3200">
-                <a:solidFill>
-                  <a:schemeClr val="tx1"/>
-                </a:solidFill>
-              </a:rPr>
-              <a:t>2</a:t>
-            </a:r>
-            <a:r>
-              <a:rPr lang="ko-KR" altLang="en-US" sz="3200">
-                <a:solidFill>
-                  <a:schemeClr val="tx1"/>
-                </a:solidFill>
-              </a:rPr>
-              <a:t>진수 텍스트</a:t>
-            </a:r>
-            <a:r>
-              <a:rPr lang="en-US" altLang="ko-KR" sz="3200">
-                <a:solidFill>
-                  <a:schemeClr val="tx1"/>
-                </a:solidFill>
-              </a:rPr>
-              <a:t> </a:t>
-            </a:r>
-            <a:r>
-              <a:rPr lang="en-US" altLang="ko-KR" sz="2000" b="0" i="0">
-                <a:solidFill>
-                  <a:srgbClr val="333333"/>
-                </a:solidFill>
-                <a:effectLst/>
-                <a:latin typeface="-apple-system"/>
-              </a:rPr>
-              <a:t>Base64 </a:t>
-            </a:r>
-            <a:r>
-              <a:rPr lang="ko-KR" altLang="en-US" sz="2000" b="0" i="0">
-                <a:solidFill>
-                  <a:srgbClr val="333333"/>
-                </a:solidFill>
-                <a:effectLst/>
-                <a:latin typeface="-apple-system"/>
-              </a:rPr>
-              <a:t>인코딩</a:t>
-            </a:r>
-            <a:endParaRPr lang="ko-KR" altLang="en-US" sz="1800" b="0" i="0">
-              <a:solidFill>
-                <a:srgbClr val="333333"/>
-              </a:solidFill>
-              <a:effectLst/>
-              <a:latin typeface="-apple-system"/>
-            </a:endParaRPr>
-          </a:p>
-        </p:txBody>
-      </p:sp>
-      <p:cxnSp>
-        <p:nvCxnSpPr>
-          <p:cNvPr id="5" name="직선 연결선 4">
-            <a:extLst>
-              <a:ext uri="{FF2B5EF4-FFF2-40B4-BE49-F238E27FC236}">
-                <a16:creationId xmlns:a16="http://schemas.microsoft.com/office/drawing/2014/main" id="{25EBF773-EAAC-4D7B-92F5-7072048F85E3}"/>
-              </a:ext>
-            </a:extLst>
-          </p:cNvPr>
-          <p:cNvCxnSpPr/>
-          <p:nvPr/>
-        </p:nvCxnSpPr>
-        <p:spPr bwMode="auto">
-          <a:xfrm>
-            <a:off x="575556" y="1268760"/>
-            <a:ext cx="7992888" cy="0"/>
-          </a:xfrm>
-          <a:prstGeom prst="line">
-            <a:avLst/>
-          </a:prstGeom>
-          <a:solidFill>
-            <a:schemeClr val="accent1"/>
-          </a:solidFill>
-          <a:ln w="25400" cap="flat" cmpd="sng" algn="ctr">
-            <a:solidFill>
-              <a:schemeClr val="tx1"/>
-            </a:solidFill>
-            <a:prstDash val="solid"/>
-            <a:round/>
-            <a:headEnd type="none" w="med" len="med"/>
-            <a:tailEnd type="none" w="med" len="med"/>
-          </a:ln>
-          <a:effectLst/>
-          <a:extLst>
-            <a:ext uri="{AF507438-7753-43E0-B8FC-AC1667EBCBE1}">
-              <a14:hiddenEffects xmlns:a14="http://schemas.microsoft.com/office/drawing/2010/main">
-                <a:effectLst>
-                  <a:outerShdw dist="35921" dir="2700000" algn="ctr" rotWithShape="0">
-                    <a:schemeClr val="bg2"/>
-                  </a:outerShdw>
-                </a:effectLst>
-              </a14:hiddenEffects>
-            </a:ext>
-          </a:extLst>
-        </p:spPr>
-      </p:cxnSp>
-      <p:sp>
-        <p:nvSpPr>
-          <p:cNvPr id="14" name="TextBox 13">
-            <a:extLst>
-              <a:ext uri="{FF2B5EF4-FFF2-40B4-BE49-F238E27FC236}">
-                <a16:creationId xmlns:a16="http://schemas.microsoft.com/office/drawing/2014/main" id="{F1FD3064-6394-4543-B644-5FFFEE94215F}"/>
-              </a:ext>
-            </a:extLst>
-          </p:cNvPr>
-          <p:cNvSpPr txBox="1">
-            <a:spLocks noChangeArrowheads="1"/>
-          </p:cNvSpPr>
-          <p:nvPr/>
-        </p:nvSpPr>
-        <p:spPr bwMode="auto">
-          <a:xfrm>
-            <a:off x="449721" y="1329491"/>
-            <a:ext cx="8028334" cy="369332"/>
-          </a:xfrm>
-          <a:prstGeom prst="rect">
-            <a:avLst/>
-          </a:prstGeom>
-          <a:noFill/>
-          <a:ln>
-            <a:noFill/>
-          </a:ln>
-          <a:extLst>
-            <a:ext uri="{909E8E84-426E-40DD-AFC4-6F175D3DCCD1}">
-              <a14:hiddenFill xmlns:a14="http://schemas.microsoft.com/office/drawing/2010/main">
-                <a:solidFill>
-                  <a:srgbClr val="FFFFFF"/>
-                </a:solidFill>
-              </a14:hiddenFill>
-            </a:ext>
-            <a:ext uri="{91240B29-F687-4F45-9708-019B960494DF}">
-              <a14:hiddenLine xmlns:a14="http://schemas.microsoft.com/office/drawing/2010/main" w="9525">
-                <a:solidFill>
-                  <a:srgbClr val="000000"/>
-                </a:solidFill>
-                <a:miter lim="800000"/>
-                <a:headEnd/>
-                <a:tailEnd/>
-              </a14:hiddenLine>
-            </a:ext>
-          </a:extLst>
-        </p:spPr>
-        <p:txBody>
-          <a:bodyPr wrap="square">
-            <a:spAutoFit/>
-          </a:bodyPr>
-          <a:lstStyle>
-            <a:lvl1pPr>
-              <a:spcBef>
-                <a:spcPct val="20000"/>
-              </a:spcBef>
-              <a:buChar char="•"/>
-              <a:defRPr sz="3200">
-                <a:solidFill>
-                  <a:schemeClr val="tx1"/>
-                </a:solidFill>
-                <a:latin typeface="Arial" panose="020B0604020202020204" pitchFamily="34" charset="0"/>
-                <a:ea typeface="Arial Unicode MS" panose="020B0604020202020204" pitchFamily="50" charset="-127"/>
-                <a:cs typeface="Arial" panose="020B0604020202020204" pitchFamily="34" charset="0"/>
-              </a:defRPr>
-            </a:lvl1pPr>
-            <a:lvl2pPr marL="742950" indent="-285750">
-              <a:spcBef>
-                <a:spcPct val="20000"/>
-              </a:spcBef>
-              <a:buChar char="–"/>
-              <a:defRPr sz="2800">
-                <a:solidFill>
-                  <a:schemeClr val="tx1"/>
-                </a:solidFill>
-                <a:latin typeface="Arial" panose="020B0604020202020204" pitchFamily="34" charset="0"/>
-                <a:ea typeface="Arial Unicode MS" panose="020B0604020202020204" pitchFamily="50" charset="-127"/>
-                <a:cs typeface="Arial" panose="020B0604020202020204" pitchFamily="34" charset="0"/>
-              </a:defRPr>
-            </a:lvl2pPr>
-            <a:lvl3pPr marL="1143000" indent="-228600">
-              <a:spcBef>
-                <a:spcPct val="20000"/>
-              </a:spcBef>
-              <a:buChar char="•"/>
-              <a:defRPr sz="2400">
-                <a:solidFill>
-                  <a:schemeClr val="tx1"/>
-                </a:solidFill>
-                <a:latin typeface="Arial" panose="020B0604020202020204" pitchFamily="34" charset="0"/>
-                <a:ea typeface="Arial Unicode MS" panose="020B0604020202020204" pitchFamily="50" charset="-127"/>
-                <a:cs typeface="Arial" panose="020B0604020202020204" pitchFamily="34" charset="0"/>
-              </a:defRPr>
-            </a:lvl3pPr>
-            <a:lvl4pPr marL="1600200" indent="-228600">
-              <a:spcBef>
-                <a:spcPct val="20000"/>
-              </a:spcBef>
-              <a:buChar char="–"/>
-              <a:defRPr sz="2000">
-                <a:solidFill>
-                  <a:schemeClr val="tx1"/>
-                </a:solidFill>
-                <a:latin typeface="Arial" panose="020B0604020202020204" pitchFamily="34" charset="0"/>
-                <a:ea typeface="Arial Unicode MS" panose="020B0604020202020204" pitchFamily="50" charset="-127"/>
-                <a:cs typeface="Arial" panose="020B0604020202020204" pitchFamily="34" charset="0"/>
-              </a:defRPr>
-            </a:lvl4pPr>
-            <a:lvl5pPr marL="2057400" indent="-228600">
-              <a:spcBef>
-                <a:spcPct val="20000"/>
-              </a:spcBef>
-              <a:buChar char="»"/>
-              <a:defRPr sz="2000">
-                <a:solidFill>
-                  <a:schemeClr val="tx1"/>
-                </a:solidFill>
-                <a:latin typeface="Arial" panose="020B0604020202020204" pitchFamily="34" charset="0"/>
-                <a:ea typeface="Arial Unicode MS" panose="020B0604020202020204" pitchFamily="50" charset="-127"/>
-                <a:cs typeface="Arial" panose="020B0604020202020204" pitchFamily="34" charset="0"/>
-              </a:defRPr>
-            </a:lvl5pPr>
-            <a:lvl6pPr marL="2514600" indent="-228600" eaLnBrk="0" fontAlgn="base" hangingPunct="0">
-              <a:spcBef>
-                <a:spcPct val="20000"/>
-              </a:spcBef>
-              <a:spcAft>
-                <a:spcPct val="0"/>
-              </a:spcAft>
-              <a:buChar char="»"/>
-              <a:defRPr sz="2000">
-                <a:solidFill>
-                  <a:schemeClr val="tx1"/>
-                </a:solidFill>
-                <a:latin typeface="Arial" panose="020B0604020202020204" pitchFamily="34" charset="0"/>
-                <a:ea typeface="Arial Unicode MS" panose="020B0604020202020204" pitchFamily="50" charset="-127"/>
-                <a:cs typeface="Arial" panose="020B0604020202020204" pitchFamily="34" charset="0"/>
-              </a:defRPr>
-            </a:lvl6pPr>
-            <a:lvl7pPr marL="2971800" indent="-228600" eaLnBrk="0" fontAlgn="base" hangingPunct="0">
-              <a:spcBef>
-                <a:spcPct val="20000"/>
-              </a:spcBef>
-              <a:spcAft>
-                <a:spcPct val="0"/>
-              </a:spcAft>
-              <a:buChar char="»"/>
-              <a:defRPr sz="2000">
-                <a:solidFill>
-                  <a:schemeClr val="tx1"/>
-                </a:solidFill>
-                <a:latin typeface="Arial" panose="020B0604020202020204" pitchFamily="34" charset="0"/>
-                <a:ea typeface="Arial Unicode MS" panose="020B0604020202020204" pitchFamily="50" charset="-127"/>
-                <a:cs typeface="Arial" panose="020B0604020202020204" pitchFamily="34" charset="0"/>
-              </a:defRPr>
-            </a:lvl7pPr>
-            <a:lvl8pPr marL="3429000" indent="-228600" eaLnBrk="0" fontAlgn="base" hangingPunct="0">
-              <a:spcBef>
-                <a:spcPct val="20000"/>
-              </a:spcBef>
-              <a:spcAft>
-                <a:spcPct val="0"/>
-              </a:spcAft>
-              <a:buChar char="»"/>
-              <a:defRPr sz="2000">
-                <a:solidFill>
-                  <a:schemeClr val="tx1"/>
-                </a:solidFill>
-                <a:latin typeface="Arial" panose="020B0604020202020204" pitchFamily="34" charset="0"/>
-                <a:ea typeface="Arial Unicode MS" panose="020B0604020202020204" pitchFamily="50" charset="-127"/>
-                <a:cs typeface="Arial" panose="020B0604020202020204" pitchFamily="34" charset="0"/>
-              </a:defRPr>
-            </a:lvl8pPr>
-            <a:lvl9pPr marL="3886200" indent="-228600" eaLnBrk="0" fontAlgn="base" hangingPunct="0">
-              <a:spcBef>
-                <a:spcPct val="20000"/>
-              </a:spcBef>
-              <a:spcAft>
-                <a:spcPct val="0"/>
-              </a:spcAft>
-              <a:buChar char="»"/>
-              <a:defRPr sz="2000">
-                <a:solidFill>
-                  <a:schemeClr val="tx1"/>
-                </a:solidFill>
-                <a:latin typeface="Arial" panose="020B0604020202020204" pitchFamily="34" charset="0"/>
-                <a:ea typeface="Arial Unicode MS" panose="020B0604020202020204" pitchFamily="50" charset="-127"/>
-                <a:cs typeface="Arial" panose="020B0604020202020204" pitchFamily="34" charset="0"/>
-              </a:defRPr>
-            </a:lvl9pPr>
-          </a:lstStyle>
-          <a:p>
-            <a:pPr eaLnBrk="1" hangingPunct="1">
-              <a:spcBef>
-                <a:spcPct val="0"/>
-              </a:spcBef>
-              <a:buFontTx/>
-              <a:buNone/>
-            </a:pPr>
-            <a:r>
-              <a:rPr lang="en-US" altLang="ko-KR" sz="1800" b="1" i="0">
-                <a:solidFill>
-                  <a:srgbClr val="333333"/>
-                </a:solidFill>
-                <a:effectLst/>
-                <a:latin typeface="맑은 고딕" panose="020B0503020000020004" pitchFamily="50" charset="-127"/>
-                <a:ea typeface="맑은 고딕" panose="020B0503020000020004" pitchFamily="50" charset="-127"/>
-              </a:rPr>
-              <a:t>UTF-8</a:t>
-            </a:r>
-            <a:r>
-              <a:rPr lang="ko-KR" altLang="en-US" sz="1800" b="1" i="0">
-                <a:solidFill>
-                  <a:srgbClr val="333333"/>
-                </a:solidFill>
-                <a:effectLst/>
-                <a:latin typeface="맑은 고딕" panose="020B0503020000020004" pitchFamily="50" charset="-127"/>
-                <a:ea typeface="맑은 고딕" panose="020B0503020000020004" pitchFamily="50" charset="-127"/>
-              </a:rPr>
-              <a:t>로 인코딩 된 </a:t>
-            </a:r>
-            <a:r>
-              <a:rPr lang="en-US" altLang="ko-KR" sz="1800" b="1" i="0">
-                <a:solidFill>
-                  <a:srgbClr val="333333"/>
-                </a:solidFill>
-                <a:effectLst/>
-                <a:latin typeface="맑은 고딕" panose="020B0503020000020004" pitchFamily="50" charset="-127"/>
-                <a:ea typeface="맑은 고딕" panose="020B0503020000020004" pitchFamily="50" charset="-127"/>
-              </a:rPr>
-              <a:t>(π)</a:t>
-            </a:r>
-            <a:r>
-              <a:rPr lang="ko-KR" altLang="en-US" sz="1800" b="1" i="0">
-                <a:solidFill>
-                  <a:srgbClr val="333333"/>
-                </a:solidFill>
-                <a:effectLst/>
-                <a:latin typeface="맑은 고딕" panose="020B0503020000020004" pitchFamily="50" charset="-127"/>
-                <a:ea typeface="맑은 고딕" panose="020B0503020000020004" pitchFamily="50" charset="-127"/>
-              </a:rPr>
-              <a:t>를 </a:t>
-            </a:r>
-            <a:r>
-              <a:rPr lang="en-US" altLang="ko-KR" sz="1800" b="1">
-                <a:solidFill>
-                  <a:srgbClr val="333333"/>
-                </a:solidFill>
-                <a:latin typeface="맑은 고딕" panose="020B0503020000020004" pitchFamily="50" charset="-127"/>
-                <a:ea typeface="맑은 고딕" panose="020B0503020000020004" pitchFamily="50" charset="-127"/>
-              </a:rPr>
-              <a:t>Base64 </a:t>
-            </a:r>
-            <a:r>
-              <a:rPr lang="ko-KR" altLang="en-US" sz="1800" b="1">
-                <a:solidFill>
-                  <a:srgbClr val="333333"/>
-                </a:solidFill>
-                <a:latin typeface="맑은 고딕" panose="020B0503020000020004" pitchFamily="50" charset="-127"/>
-                <a:ea typeface="맑은 고딕" panose="020B0503020000020004" pitchFamily="50" charset="-127"/>
-              </a:rPr>
-              <a:t>인코딩</a:t>
-            </a:r>
-            <a:endParaRPr lang="en-US" altLang="ko-KR" sz="1800" b="1">
-              <a:solidFill>
-                <a:srgbClr val="000000"/>
-              </a:solidFill>
-              <a:latin typeface="맑은 고딕" panose="020B0503020000020004" pitchFamily="50" charset="-127"/>
-              <a:ea typeface="맑은 고딕" panose="020B0503020000020004" pitchFamily="50" charset="-127"/>
-            </a:endParaRPr>
-          </a:p>
-        </p:txBody>
-      </p:sp>
-      <p:sp>
-        <p:nvSpPr>
-          <p:cNvPr id="16" name="TextBox 15">
-            <a:extLst>
-              <a:ext uri="{FF2B5EF4-FFF2-40B4-BE49-F238E27FC236}">
-                <a16:creationId xmlns:a16="http://schemas.microsoft.com/office/drawing/2014/main" id="{EC0E25C4-3528-4638-8C05-724D5DF9A9BC}"/>
-              </a:ext>
-            </a:extLst>
-          </p:cNvPr>
-          <p:cNvSpPr txBox="1">
-            <a:spLocks noChangeArrowheads="1"/>
-          </p:cNvSpPr>
-          <p:nvPr/>
-        </p:nvSpPr>
-        <p:spPr bwMode="auto">
-          <a:xfrm>
-            <a:off x="458564" y="2950757"/>
-            <a:ext cx="8028334" cy="369332"/>
-          </a:xfrm>
-          <a:prstGeom prst="rect">
-            <a:avLst/>
-          </a:prstGeom>
-          <a:noFill/>
-          <a:ln>
-            <a:noFill/>
-          </a:ln>
-          <a:extLst>
-            <a:ext uri="{909E8E84-426E-40DD-AFC4-6F175D3DCCD1}">
-              <a14:hiddenFill xmlns:a14="http://schemas.microsoft.com/office/drawing/2010/main">
-                <a:solidFill>
-                  <a:srgbClr val="FFFFFF"/>
-                </a:solidFill>
-              </a14:hiddenFill>
-            </a:ext>
-            <a:ext uri="{91240B29-F687-4F45-9708-019B960494DF}">
-              <a14:hiddenLine xmlns:a14="http://schemas.microsoft.com/office/drawing/2010/main" w="9525">
-                <a:solidFill>
-                  <a:srgbClr val="000000"/>
-                </a:solidFill>
-                <a:miter lim="800000"/>
-                <a:headEnd/>
-                <a:tailEnd/>
-              </a14:hiddenLine>
-            </a:ext>
-          </a:extLst>
-        </p:spPr>
-        <p:txBody>
-          <a:bodyPr wrap="square">
-            <a:spAutoFit/>
-          </a:bodyPr>
-          <a:lstStyle>
-            <a:lvl1pPr>
-              <a:spcBef>
-                <a:spcPct val="20000"/>
-              </a:spcBef>
-              <a:buChar char="•"/>
-              <a:defRPr sz="3200">
-                <a:solidFill>
-                  <a:schemeClr val="tx1"/>
-                </a:solidFill>
-                <a:latin typeface="Arial" panose="020B0604020202020204" pitchFamily="34" charset="0"/>
-                <a:ea typeface="Arial Unicode MS" panose="020B0604020202020204" pitchFamily="50" charset="-127"/>
-                <a:cs typeface="Arial" panose="020B0604020202020204" pitchFamily="34" charset="0"/>
-              </a:defRPr>
-            </a:lvl1pPr>
-            <a:lvl2pPr marL="742950" indent="-285750">
-              <a:spcBef>
-                <a:spcPct val="20000"/>
-              </a:spcBef>
-              <a:buChar char="–"/>
-              <a:defRPr sz="2800">
-                <a:solidFill>
-                  <a:schemeClr val="tx1"/>
-                </a:solidFill>
-                <a:latin typeface="Arial" panose="020B0604020202020204" pitchFamily="34" charset="0"/>
-                <a:ea typeface="Arial Unicode MS" panose="020B0604020202020204" pitchFamily="50" charset="-127"/>
-                <a:cs typeface="Arial" panose="020B0604020202020204" pitchFamily="34" charset="0"/>
-              </a:defRPr>
-            </a:lvl2pPr>
-            <a:lvl3pPr marL="1143000" indent="-228600">
-              <a:spcBef>
-                <a:spcPct val="20000"/>
-              </a:spcBef>
-              <a:buChar char="•"/>
-              <a:defRPr sz="2400">
-                <a:solidFill>
-                  <a:schemeClr val="tx1"/>
-                </a:solidFill>
-                <a:latin typeface="Arial" panose="020B0604020202020204" pitchFamily="34" charset="0"/>
-                <a:ea typeface="Arial Unicode MS" panose="020B0604020202020204" pitchFamily="50" charset="-127"/>
-                <a:cs typeface="Arial" panose="020B0604020202020204" pitchFamily="34" charset="0"/>
-              </a:defRPr>
-            </a:lvl3pPr>
-            <a:lvl4pPr marL="1600200" indent="-228600">
-              <a:spcBef>
-                <a:spcPct val="20000"/>
-              </a:spcBef>
-              <a:buChar char="–"/>
-              <a:defRPr sz="2000">
-                <a:solidFill>
-                  <a:schemeClr val="tx1"/>
-                </a:solidFill>
-                <a:latin typeface="Arial" panose="020B0604020202020204" pitchFamily="34" charset="0"/>
-                <a:ea typeface="Arial Unicode MS" panose="020B0604020202020204" pitchFamily="50" charset="-127"/>
-                <a:cs typeface="Arial" panose="020B0604020202020204" pitchFamily="34" charset="0"/>
-              </a:defRPr>
-            </a:lvl4pPr>
-            <a:lvl5pPr marL="2057400" indent="-228600">
-              <a:spcBef>
-                <a:spcPct val="20000"/>
-              </a:spcBef>
-              <a:buChar char="»"/>
-              <a:defRPr sz="2000">
-                <a:solidFill>
-                  <a:schemeClr val="tx1"/>
-                </a:solidFill>
-                <a:latin typeface="Arial" panose="020B0604020202020204" pitchFamily="34" charset="0"/>
-                <a:ea typeface="Arial Unicode MS" panose="020B0604020202020204" pitchFamily="50" charset="-127"/>
-                <a:cs typeface="Arial" panose="020B0604020202020204" pitchFamily="34" charset="0"/>
-              </a:defRPr>
-            </a:lvl5pPr>
-            <a:lvl6pPr marL="2514600" indent="-228600" eaLnBrk="0" fontAlgn="base" hangingPunct="0">
-              <a:spcBef>
-                <a:spcPct val="20000"/>
-              </a:spcBef>
-              <a:spcAft>
-                <a:spcPct val="0"/>
-              </a:spcAft>
-              <a:buChar char="»"/>
-              <a:defRPr sz="2000">
-                <a:solidFill>
-                  <a:schemeClr val="tx1"/>
-                </a:solidFill>
-                <a:latin typeface="Arial" panose="020B0604020202020204" pitchFamily="34" charset="0"/>
-                <a:ea typeface="Arial Unicode MS" panose="020B0604020202020204" pitchFamily="50" charset="-127"/>
-                <a:cs typeface="Arial" panose="020B0604020202020204" pitchFamily="34" charset="0"/>
-              </a:defRPr>
-            </a:lvl6pPr>
-            <a:lvl7pPr marL="2971800" indent="-228600" eaLnBrk="0" fontAlgn="base" hangingPunct="0">
-              <a:spcBef>
-                <a:spcPct val="20000"/>
-              </a:spcBef>
-              <a:spcAft>
-                <a:spcPct val="0"/>
-              </a:spcAft>
-              <a:buChar char="»"/>
-              <a:defRPr sz="2000">
-                <a:solidFill>
-                  <a:schemeClr val="tx1"/>
-                </a:solidFill>
-                <a:latin typeface="Arial" panose="020B0604020202020204" pitchFamily="34" charset="0"/>
-                <a:ea typeface="Arial Unicode MS" panose="020B0604020202020204" pitchFamily="50" charset="-127"/>
-                <a:cs typeface="Arial" panose="020B0604020202020204" pitchFamily="34" charset="0"/>
-              </a:defRPr>
-            </a:lvl7pPr>
-            <a:lvl8pPr marL="3429000" indent="-228600" eaLnBrk="0" fontAlgn="base" hangingPunct="0">
-              <a:spcBef>
-                <a:spcPct val="20000"/>
-              </a:spcBef>
-              <a:spcAft>
-                <a:spcPct val="0"/>
-              </a:spcAft>
-              <a:buChar char="»"/>
-              <a:defRPr sz="2000">
-                <a:solidFill>
-                  <a:schemeClr val="tx1"/>
-                </a:solidFill>
-                <a:latin typeface="Arial" panose="020B0604020202020204" pitchFamily="34" charset="0"/>
-                <a:ea typeface="Arial Unicode MS" panose="020B0604020202020204" pitchFamily="50" charset="-127"/>
-                <a:cs typeface="Arial" panose="020B0604020202020204" pitchFamily="34" charset="0"/>
-              </a:defRPr>
-            </a:lvl8pPr>
-            <a:lvl9pPr marL="3886200" indent="-228600" eaLnBrk="0" fontAlgn="base" hangingPunct="0">
-              <a:spcBef>
-                <a:spcPct val="20000"/>
-              </a:spcBef>
-              <a:spcAft>
-                <a:spcPct val="0"/>
-              </a:spcAft>
-              <a:buChar char="»"/>
-              <a:defRPr sz="2000">
-                <a:solidFill>
-                  <a:schemeClr val="tx1"/>
-                </a:solidFill>
-                <a:latin typeface="Arial" panose="020B0604020202020204" pitchFamily="34" charset="0"/>
-                <a:ea typeface="Arial Unicode MS" panose="020B0604020202020204" pitchFamily="50" charset="-127"/>
-                <a:cs typeface="Arial" panose="020B0604020202020204" pitchFamily="34" charset="0"/>
-              </a:defRPr>
-            </a:lvl9pPr>
-          </a:lstStyle>
-          <a:p>
-            <a:pPr eaLnBrk="1" hangingPunct="1">
-              <a:spcBef>
-                <a:spcPct val="0"/>
-              </a:spcBef>
-              <a:buFontTx/>
-              <a:buNone/>
-            </a:pPr>
-            <a:r>
-              <a:rPr lang="ko-KR" altLang="en-US" sz="1800" b="1">
-                <a:solidFill>
-                  <a:srgbClr val="000000"/>
-                </a:solidFill>
-                <a:latin typeface="맑은 고딕" panose="020B0503020000020004" pitchFamily="50" charset="-127"/>
-                <a:ea typeface="맑은 고딕" panose="020B0503020000020004" pitchFamily="50" charset="-127"/>
-              </a:rPr>
-              <a:t>인코딩 결과</a:t>
-            </a:r>
-            <a:endParaRPr lang="en-US" altLang="ko-KR" sz="1800" b="1">
-              <a:solidFill>
-                <a:srgbClr val="000000"/>
-              </a:solidFill>
-              <a:latin typeface="맑은 고딕" panose="020B0503020000020004" pitchFamily="50" charset="-127"/>
-              <a:ea typeface="맑은 고딕" panose="020B0503020000020004" pitchFamily="50" charset="-127"/>
-            </a:endParaRPr>
-          </a:p>
-        </p:txBody>
-      </p:sp>
-      <p:sp>
-        <p:nvSpPr>
-          <p:cNvPr id="17" name="TextBox 16">
-            <a:extLst>
-              <a:ext uri="{FF2B5EF4-FFF2-40B4-BE49-F238E27FC236}">
-                <a16:creationId xmlns:a16="http://schemas.microsoft.com/office/drawing/2014/main" id="{59483103-60A7-4374-A363-C3120E0C656A}"/>
-              </a:ext>
-            </a:extLst>
-          </p:cNvPr>
-          <p:cNvSpPr txBox="1">
-            <a:spLocks noChangeArrowheads="1"/>
-          </p:cNvSpPr>
-          <p:nvPr/>
-        </p:nvSpPr>
-        <p:spPr bwMode="auto">
-          <a:xfrm>
-            <a:off x="449721" y="4125048"/>
-            <a:ext cx="8028334" cy="2806922"/>
-          </a:xfrm>
-          <a:prstGeom prst="rect">
-            <a:avLst/>
-          </a:prstGeom>
-          <a:noFill/>
-          <a:ln>
-            <a:noFill/>
-          </a:ln>
-          <a:extLst>
-            <a:ext uri="{909E8E84-426E-40DD-AFC4-6F175D3DCCD1}">
-              <a14:hiddenFill xmlns:a14="http://schemas.microsoft.com/office/drawing/2010/main">
-                <a:solidFill>
-                  <a:srgbClr val="FFFFFF"/>
-                </a:solidFill>
-              </a14:hiddenFill>
-            </a:ext>
-            <a:ext uri="{91240B29-F687-4F45-9708-019B960494DF}">
-              <a14:hiddenLine xmlns:a14="http://schemas.microsoft.com/office/drawing/2010/main" w="9525">
-                <a:solidFill>
-                  <a:srgbClr val="000000"/>
-                </a:solidFill>
-                <a:miter lim="800000"/>
-                <a:headEnd/>
-                <a:tailEnd/>
-              </a14:hiddenLine>
-            </a:ext>
-          </a:extLst>
-        </p:spPr>
-        <p:txBody>
-          <a:bodyPr wrap="square">
-            <a:spAutoFit/>
-          </a:bodyPr>
-          <a:lstStyle>
-            <a:lvl1pPr>
-              <a:spcBef>
-                <a:spcPct val="20000"/>
-              </a:spcBef>
-              <a:buChar char="•"/>
-              <a:defRPr sz="3200">
-                <a:solidFill>
-                  <a:schemeClr val="tx1"/>
-                </a:solidFill>
-                <a:latin typeface="Arial" panose="020B0604020202020204" pitchFamily="34" charset="0"/>
-                <a:ea typeface="Arial Unicode MS" panose="020B0604020202020204" pitchFamily="50" charset="-127"/>
-                <a:cs typeface="Arial" panose="020B0604020202020204" pitchFamily="34" charset="0"/>
-              </a:defRPr>
-            </a:lvl1pPr>
-            <a:lvl2pPr marL="742950" indent="-285750">
-              <a:spcBef>
-                <a:spcPct val="20000"/>
-              </a:spcBef>
-              <a:buChar char="–"/>
-              <a:defRPr sz="2800">
-                <a:solidFill>
-                  <a:schemeClr val="tx1"/>
-                </a:solidFill>
-                <a:latin typeface="Arial" panose="020B0604020202020204" pitchFamily="34" charset="0"/>
-                <a:ea typeface="Arial Unicode MS" panose="020B0604020202020204" pitchFamily="50" charset="-127"/>
-                <a:cs typeface="Arial" panose="020B0604020202020204" pitchFamily="34" charset="0"/>
-              </a:defRPr>
-            </a:lvl2pPr>
-            <a:lvl3pPr marL="1143000" indent="-228600">
-              <a:spcBef>
-                <a:spcPct val="20000"/>
-              </a:spcBef>
-              <a:buChar char="•"/>
-              <a:defRPr sz="2400">
-                <a:solidFill>
-                  <a:schemeClr val="tx1"/>
-                </a:solidFill>
-                <a:latin typeface="Arial" panose="020B0604020202020204" pitchFamily="34" charset="0"/>
-                <a:ea typeface="Arial Unicode MS" panose="020B0604020202020204" pitchFamily="50" charset="-127"/>
-                <a:cs typeface="Arial" panose="020B0604020202020204" pitchFamily="34" charset="0"/>
-              </a:defRPr>
-            </a:lvl3pPr>
-            <a:lvl4pPr marL="1600200" indent="-228600">
-              <a:spcBef>
-                <a:spcPct val="20000"/>
-              </a:spcBef>
-              <a:buChar char="–"/>
-              <a:defRPr sz="2000">
-                <a:solidFill>
-                  <a:schemeClr val="tx1"/>
-                </a:solidFill>
-                <a:latin typeface="Arial" panose="020B0604020202020204" pitchFamily="34" charset="0"/>
-                <a:ea typeface="Arial Unicode MS" panose="020B0604020202020204" pitchFamily="50" charset="-127"/>
-                <a:cs typeface="Arial" panose="020B0604020202020204" pitchFamily="34" charset="0"/>
-              </a:defRPr>
-            </a:lvl4pPr>
-            <a:lvl5pPr marL="2057400" indent="-228600">
-              <a:spcBef>
-                <a:spcPct val="20000"/>
-              </a:spcBef>
-              <a:buChar char="»"/>
-              <a:defRPr sz="2000">
-                <a:solidFill>
-                  <a:schemeClr val="tx1"/>
-                </a:solidFill>
-                <a:latin typeface="Arial" panose="020B0604020202020204" pitchFamily="34" charset="0"/>
-                <a:ea typeface="Arial Unicode MS" panose="020B0604020202020204" pitchFamily="50" charset="-127"/>
-                <a:cs typeface="Arial" panose="020B0604020202020204" pitchFamily="34" charset="0"/>
-              </a:defRPr>
-            </a:lvl5pPr>
-            <a:lvl6pPr marL="2514600" indent="-228600" eaLnBrk="0" fontAlgn="base" hangingPunct="0">
-              <a:spcBef>
-                <a:spcPct val="20000"/>
-              </a:spcBef>
-              <a:spcAft>
-                <a:spcPct val="0"/>
-              </a:spcAft>
-              <a:buChar char="»"/>
-              <a:defRPr sz="2000">
-                <a:solidFill>
-                  <a:schemeClr val="tx1"/>
-                </a:solidFill>
-                <a:latin typeface="Arial" panose="020B0604020202020204" pitchFamily="34" charset="0"/>
-                <a:ea typeface="Arial Unicode MS" panose="020B0604020202020204" pitchFamily="50" charset="-127"/>
-                <a:cs typeface="Arial" panose="020B0604020202020204" pitchFamily="34" charset="0"/>
-              </a:defRPr>
-            </a:lvl6pPr>
-            <a:lvl7pPr marL="2971800" indent="-228600" eaLnBrk="0" fontAlgn="base" hangingPunct="0">
-              <a:spcBef>
-                <a:spcPct val="20000"/>
-              </a:spcBef>
-              <a:spcAft>
-                <a:spcPct val="0"/>
-              </a:spcAft>
-              <a:buChar char="»"/>
-              <a:defRPr sz="2000">
-                <a:solidFill>
-                  <a:schemeClr val="tx1"/>
-                </a:solidFill>
-                <a:latin typeface="Arial" panose="020B0604020202020204" pitchFamily="34" charset="0"/>
-                <a:ea typeface="Arial Unicode MS" panose="020B0604020202020204" pitchFamily="50" charset="-127"/>
-                <a:cs typeface="Arial" panose="020B0604020202020204" pitchFamily="34" charset="0"/>
-              </a:defRPr>
-            </a:lvl7pPr>
-            <a:lvl8pPr marL="3429000" indent="-228600" eaLnBrk="0" fontAlgn="base" hangingPunct="0">
-              <a:spcBef>
-                <a:spcPct val="20000"/>
-              </a:spcBef>
-              <a:spcAft>
-                <a:spcPct val="0"/>
-              </a:spcAft>
-              <a:buChar char="»"/>
-              <a:defRPr sz="2000">
-                <a:solidFill>
-                  <a:schemeClr val="tx1"/>
-                </a:solidFill>
-                <a:latin typeface="Arial" panose="020B0604020202020204" pitchFamily="34" charset="0"/>
-                <a:ea typeface="Arial Unicode MS" panose="020B0604020202020204" pitchFamily="50" charset="-127"/>
-                <a:cs typeface="Arial" panose="020B0604020202020204" pitchFamily="34" charset="0"/>
-              </a:defRPr>
-            </a:lvl8pPr>
-            <a:lvl9pPr marL="3886200" indent="-228600" eaLnBrk="0" fontAlgn="base" hangingPunct="0">
-              <a:spcBef>
-                <a:spcPct val="20000"/>
-              </a:spcBef>
-              <a:spcAft>
-                <a:spcPct val="0"/>
-              </a:spcAft>
-              <a:buChar char="»"/>
-              <a:defRPr sz="2000">
-                <a:solidFill>
-                  <a:schemeClr val="tx1"/>
-                </a:solidFill>
-                <a:latin typeface="Arial" panose="020B0604020202020204" pitchFamily="34" charset="0"/>
-                <a:ea typeface="Arial Unicode MS" panose="020B0604020202020204" pitchFamily="50" charset="-127"/>
-                <a:cs typeface="Arial" panose="020B0604020202020204" pitchFamily="34" charset="0"/>
-              </a:defRPr>
-            </a:lvl9pPr>
-          </a:lstStyle>
-          <a:p>
-            <a:pPr marL="180000" indent="-457200" eaLnBrk="1" hangingPunct="1">
-              <a:spcBef>
-                <a:spcPct val="0"/>
-              </a:spcBef>
-              <a:buFontTx/>
-              <a:buNone/>
-            </a:pPr>
-            <a:r>
-              <a:rPr lang="ko-KR" altLang="en-US" sz="1800" b="1">
-                <a:solidFill>
-                  <a:srgbClr val="000000"/>
-                </a:solidFill>
-                <a:latin typeface="맑은 고딕" panose="020B0503020000020004" pitchFamily="50" charset="-127"/>
-                <a:ea typeface="맑은 고딕" panose="020B0503020000020004" pitchFamily="50" charset="-127"/>
-              </a:rPr>
-              <a:t>왜 사용하는가</a:t>
-            </a:r>
-            <a:r>
-              <a:rPr lang="en-US" altLang="ko-KR" sz="1800" b="1">
-                <a:solidFill>
-                  <a:srgbClr val="000000"/>
-                </a:solidFill>
-                <a:latin typeface="맑은 고딕" panose="020B0503020000020004" pitchFamily="50" charset="-127"/>
-                <a:ea typeface="맑은 고딕" panose="020B0503020000020004" pitchFamily="50" charset="-127"/>
-              </a:rPr>
-              <a:t>?</a:t>
-            </a:r>
-          </a:p>
-          <a:p>
-            <a:pPr marL="180000" indent="-457200" eaLnBrk="1" hangingPunct="1">
-              <a:spcBef>
-                <a:spcPct val="0"/>
-              </a:spcBef>
-              <a:buFontTx/>
-              <a:buNone/>
-            </a:pPr>
-            <a:endParaRPr lang="en-US" altLang="ko-KR" sz="1800" b="1">
-              <a:solidFill>
-                <a:srgbClr val="000000"/>
-              </a:solidFill>
-              <a:latin typeface="맑은 고딕" panose="020B0503020000020004" pitchFamily="50" charset="-127"/>
-              <a:ea typeface="맑은 고딕" panose="020B0503020000020004" pitchFamily="50" charset="-127"/>
-            </a:endParaRPr>
-          </a:p>
-          <a:p>
-            <a:pPr marL="180000" indent="-457200" algn="l">
-              <a:buNone/>
-            </a:pPr>
-            <a:r>
-              <a:rPr lang="en-US" altLang="ko-KR" sz="1800">
-                <a:solidFill>
-                  <a:srgbClr val="24292F"/>
-                </a:solidFill>
-                <a:latin typeface="맑은 고딕" panose="020B0503020000020004" pitchFamily="50" charset="-127"/>
-                <a:ea typeface="맑은 고딕" panose="020B0503020000020004" pitchFamily="50" charset="-127"/>
-              </a:rPr>
-              <a:t>- </a:t>
-            </a:r>
-            <a:r>
-              <a:rPr lang="ko-KR" altLang="en-US" sz="1800" b="0" i="0">
-                <a:solidFill>
-                  <a:srgbClr val="24292F"/>
-                </a:solidFill>
-                <a:effectLst/>
-                <a:latin typeface="맑은 고딕" panose="020B0503020000020004" pitchFamily="50" charset="-127"/>
-                <a:ea typeface="맑은 고딕" panose="020B0503020000020004" pitchFamily="50" charset="-127"/>
-              </a:rPr>
-              <a:t>공통 아스키 코드를 사용한 이유이다</a:t>
-            </a:r>
-            <a:r>
-              <a:rPr lang="en-US" altLang="ko-KR" sz="1800" b="0" i="0">
-                <a:solidFill>
-                  <a:srgbClr val="24292F"/>
-                </a:solidFill>
-                <a:effectLst/>
-                <a:latin typeface="맑은 고딕" panose="020B0503020000020004" pitchFamily="50" charset="-127"/>
-                <a:ea typeface="맑은 고딕" panose="020B0503020000020004" pitchFamily="50" charset="-127"/>
-              </a:rPr>
-              <a:t>. </a:t>
-            </a:r>
-          </a:p>
-          <a:p>
-            <a:pPr marL="180000" indent="-457200" algn="l">
-              <a:buNone/>
-            </a:pPr>
-            <a:r>
-              <a:rPr lang="ko-KR" altLang="en-US" sz="1800" b="0" i="0">
-                <a:solidFill>
-                  <a:srgbClr val="24292F"/>
-                </a:solidFill>
-                <a:effectLst/>
-                <a:latin typeface="맑은 고딕" panose="020B0503020000020004" pitchFamily="50" charset="-127"/>
-                <a:ea typeface="맑은 고딕" panose="020B0503020000020004" pitchFamily="50" charset="-127"/>
-              </a:rPr>
-              <a:t>  시스템마다 제어코드가 상이해서 아스키 코드는 시스템 간 데이터 전달에 안전하지 않다</a:t>
-            </a:r>
-            <a:r>
-              <a:rPr lang="en-US" altLang="ko-KR" sz="1800" b="0" i="0">
-                <a:solidFill>
-                  <a:srgbClr val="24292F"/>
-                </a:solidFill>
-                <a:effectLst/>
-                <a:latin typeface="맑은 고딕" panose="020B0503020000020004" pitchFamily="50" charset="-127"/>
-                <a:ea typeface="맑은 고딕" panose="020B0503020000020004" pitchFamily="50" charset="-127"/>
-              </a:rPr>
-              <a:t>.</a:t>
-            </a:r>
-          </a:p>
-          <a:p>
-            <a:pPr marL="180000" indent="-457200" algn="l">
-              <a:buNone/>
-            </a:pPr>
-            <a:endParaRPr lang="en-US" altLang="ko-KR" sz="1800" b="0" i="0">
-              <a:solidFill>
-                <a:srgbClr val="24292F"/>
-              </a:solidFill>
-              <a:effectLst/>
-              <a:latin typeface="맑은 고딕" panose="020B0503020000020004" pitchFamily="50" charset="-127"/>
-              <a:ea typeface="맑은 고딕" panose="020B0503020000020004" pitchFamily="50" charset="-127"/>
-            </a:endParaRPr>
-          </a:p>
-          <a:p>
-            <a:pPr marL="180000" indent="-457200" algn="l">
-              <a:buNone/>
-            </a:pPr>
-            <a:r>
-              <a:rPr lang="en-US" altLang="ko-KR" sz="1800" b="0" i="0">
-                <a:solidFill>
-                  <a:srgbClr val="24292F"/>
-                </a:solidFill>
-                <a:effectLst/>
-                <a:latin typeface="맑은 고딕" panose="020B0503020000020004" pitchFamily="50" charset="-127"/>
-                <a:ea typeface="맑은 고딕" panose="020B0503020000020004" pitchFamily="50" charset="-127"/>
-              </a:rPr>
-              <a:t>- </a:t>
-            </a:r>
-            <a:r>
-              <a:rPr lang="ko-KR" altLang="en-US" sz="1800" b="0" i="0">
-                <a:solidFill>
-                  <a:srgbClr val="24292F"/>
-                </a:solidFill>
-                <a:effectLst/>
-                <a:latin typeface="맑은 고딕" panose="020B0503020000020004" pitchFamily="50" charset="-127"/>
-                <a:ea typeface="맑은 고딕" panose="020B0503020000020004" pitchFamily="50" charset="-127"/>
-              </a:rPr>
-              <a:t>우리가 많은 정보를 보낼 때를 생각해보자</a:t>
-            </a:r>
-            <a:r>
-              <a:rPr lang="en-US" altLang="ko-KR" sz="1800" b="0" i="0">
-                <a:solidFill>
-                  <a:srgbClr val="24292F"/>
-                </a:solidFill>
-                <a:effectLst/>
-                <a:latin typeface="맑은 고딕" panose="020B0503020000020004" pitchFamily="50" charset="-127"/>
-                <a:ea typeface="맑은 고딕" panose="020B0503020000020004" pitchFamily="50" charset="-127"/>
-              </a:rPr>
-              <a:t>. </a:t>
-            </a:r>
-            <a:r>
-              <a:rPr lang="ko-KR" altLang="en-US" sz="1800" b="0" i="0">
-                <a:solidFill>
-                  <a:srgbClr val="24292F"/>
-                </a:solidFill>
-                <a:effectLst/>
-                <a:latin typeface="맑은 고딕" panose="020B0503020000020004" pitchFamily="50" charset="-127"/>
-                <a:ea typeface="맑은 고딕" panose="020B0503020000020004" pitchFamily="50" charset="-127"/>
-              </a:rPr>
-              <a:t>가령 이미지나 오디오를 전송할 때</a:t>
-            </a:r>
-            <a:r>
-              <a:rPr lang="en-US" altLang="ko-KR" sz="1800" b="0" i="0">
-                <a:solidFill>
-                  <a:srgbClr val="24292F"/>
-                </a:solidFill>
-                <a:effectLst/>
-                <a:latin typeface="맑은 고딕" panose="020B0503020000020004" pitchFamily="50" charset="-127"/>
-                <a:ea typeface="맑은 고딕" panose="020B0503020000020004" pitchFamily="50" charset="-127"/>
-              </a:rPr>
-              <a:t>, </a:t>
-            </a:r>
-            <a:r>
-              <a:rPr lang="ko-KR" altLang="en-US" sz="1800" b="0" i="0">
-                <a:solidFill>
-                  <a:srgbClr val="24292F"/>
-                </a:solidFill>
-                <a:effectLst/>
-                <a:latin typeface="맑은 고딕" panose="020B0503020000020004" pitchFamily="50" charset="-127"/>
-                <a:ea typeface="맑은 고딕" panose="020B0503020000020004" pitchFamily="50" charset="-127"/>
-              </a:rPr>
-              <a:t>시스템 독립적으로 동일하게 전송과 저장이 보장된다</a:t>
-            </a:r>
-            <a:r>
-              <a:rPr lang="en-US" altLang="ko-KR" sz="1800" b="0" i="0">
-                <a:solidFill>
-                  <a:srgbClr val="24292F"/>
-                </a:solidFill>
-                <a:effectLst/>
-                <a:latin typeface="맑은 고딕" panose="020B0503020000020004" pitchFamily="50" charset="-127"/>
-                <a:ea typeface="맑은 고딕" panose="020B0503020000020004" pitchFamily="50" charset="-127"/>
-              </a:rPr>
-              <a:t>.</a:t>
-            </a:r>
-            <a:endParaRPr lang="ko-KR" altLang="en-US" sz="1800" b="0" i="0">
-              <a:solidFill>
-                <a:srgbClr val="24292F"/>
-              </a:solidFill>
-              <a:effectLst/>
-              <a:latin typeface="맑은 고딕" panose="020B0503020000020004" pitchFamily="50" charset="-127"/>
-              <a:ea typeface="맑은 고딕" panose="020B0503020000020004" pitchFamily="50" charset="-127"/>
-            </a:endParaRPr>
-          </a:p>
-          <a:p>
-            <a:pPr marL="180000" indent="-457200" eaLnBrk="1" hangingPunct="1">
-              <a:spcBef>
-                <a:spcPct val="0"/>
-              </a:spcBef>
-              <a:buFontTx/>
-              <a:buNone/>
-            </a:pPr>
-            <a:endParaRPr lang="en-US" altLang="ko-KR" sz="1800" b="1">
-              <a:solidFill>
-                <a:srgbClr val="000000"/>
-              </a:solidFill>
-              <a:latin typeface="맑은 고딕" panose="020B0503020000020004" pitchFamily="50" charset="-127"/>
-              <a:ea typeface="맑은 고딕" panose="020B0503020000020004" pitchFamily="50" charset="-127"/>
-            </a:endParaRPr>
-          </a:p>
-        </p:txBody>
-      </p:sp>
-      <p:pic>
-        <p:nvPicPr>
-          <p:cNvPr id="3" name="그림 2">
-            <a:extLst>
-              <a:ext uri="{FF2B5EF4-FFF2-40B4-BE49-F238E27FC236}">
-                <a16:creationId xmlns:a16="http://schemas.microsoft.com/office/drawing/2014/main" id="{9F1D1BB3-8E41-401C-894E-C5877128FBF1}"/>
-              </a:ext>
-            </a:extLst>
-          </p:cNvPr>
-          <p:cNvPicPr>
-            <a:picLocks noChangeAspect="1"/>
-          </p:cNvPicPr>
-          <p:nvPr/>
-        </p:nvPicPr>
-        <p:blipFill>
-          <a:blip r:embed="rId3"/>
-          <a:stretch>
-            <a:fillRect/>
-          </a:stretch>
-        </p:blipFill>
-        <p:spPr>
-          <a:xfrm>
-            <a:off x="647152" y="1693737"/>
-            <a:ext cx="7849695" cy="1181265"/>
-          </a:xfrm>
-          <a:prstGeom prst="rect">
-            <a:avLst/>
-          </a:prstGeom>
-        </p:spPr>
-      </p:pic>
-      <p:pic>
-        <p:nvPicPr>
-          <p:cNvPr id="7" name="그림 6">
-            <a:extLst>
-              <a:ext uri="{FF2B5EF4-FFF2-40B4-BE49-F238E27FC236}">
-                <a16:creationId xmlns:a16="http://schemas.microsoft.com/office/drawing/2014/main" id="{9C6EF099-DE2A-428A-89C2-C82924B508FF}"/>
-              </a:ext>
-            </a:extLst>
-          </p:cNvPr>
-          <p:cNvPicPr>
-            <a:picLocks noChangeAspect="1"/>
-          </p:cNvPicPr>
-          <p:nvPr/>
-        </p:nvPicPr>
-        <p:blipFill>
-          <a:blip r:embed="rId4"/>
-          <a:stretch>
-            <a:fillRect/>
-          </a:stretch>
-        </p:blipFill>
-        <p:spPr>
-          <a:xfrm>
-            <a:off x="1979712" y="3319330"/>
-            <a:ext cx="989471" cy="631214"/>
-          </a:xfrm>
-          <a:prstGeom prst="rect">
-            <a:avLst/>
-          </a:prstGeom>
-        </p:spPr>
-      </p:pic>
-      <p:sp>
-        <p:nvSpPr>
-          <p:cNvPr id="15" name="TextBox 14">
-            <a:extLst>
-              <a:ext uri="{FF2B5EF4-FFF2-40B4-BE49-F238E27FC236}">
-                <a16:creationId xmlns:a16="http://schemas.microsoft.com/office/drawing/2014/main" id="{D1C92FA7-4135-4196-92CC-54E009752902}"/>
-              </a:ext>
-            </a:extLst>
-          </p:cNvPr>
-          <p:cNvSpPr txBox="1">
-            <a:spLocks noChangeArrowheads="1"/>
-          </p:cNvSpPr>
-          <p:nvPr/>
-        </p:nvSpPr>
-        <p:spPr bwMode="auto">
-          <a:xfrm>
-            <a:off x="4571999" y="3336668"/>
-            <a:ext cx="4351900" cy="646331"/>
-          </a:xfrm>
-          <a:prstGeom prst="rect">
-            <a:avLst/>
-          </a:prstGeom>
-          <a:noFill/>
-          <a:ln>
-            <a:noFill/>
-          </a:ln>
-          <a:extLst>
-            <a:ext uri="{909E8E84-426E-40DD-AFC4-6F175D3DCCD1}">
-              <a14:hiddenFill xmlns:a14="http://schemas.microsoft.com/office/drawing/2010/main">
-                <a:solidFill>
-                  <a:srgbClr val="FFFFFF"/>
-                </a:solidFill>
-              </a14:hiddenFill>
-            </a:ext>
-            <a:ext uri="{91240B29-F687-4F45-9708-019B960494DF}">
-              <a14:hiddenLine xmlns:a14="http://schemas.microsoft.com/office/drawing/2010/main" w="9525">
-                <a:solidFill>
-                  <a:srgbClr val="000000"/>
-                </a:solidFill>
-                <a:miter lim="800000"/>
-                <a:headEnd/>
-                <a:tailEnd/>
-              </a14:hiddenLine>
-            </a:ext>
-          </a:extLst>
-        </p:spPr>
-        <p:txBody>
-          <a:bodyPr wrap="square">
-            <a:spAutoFit/>
-          </a:bodyPr>
-          <a:lstStyle>
-            <a:lvl1pPr>
-              <a:spcBef>
-                <a:spcPct val="20000"/>
-              </a:spcBef>
-              <a:buChar char="•"/>
-              <a:defRPr sz="3200">
-                <a:solidFill>
-                  <a:schemeClr val="tx1"/>
-                </a:solidFill>
-                <a:latin typeface="Arial" panose="020B0604020202020204" pitchFamily="34" charset="0"/>
-                <a:ea typeface="Arial Unicode MS" panose="020B0604020202020204" pitchFamily="50" charset="-127"/>
-                <a:cs typeface="Arial" panose="020B0604020202020204" pitchFamily="34" charset="0"/>
-              </a:defRPr>
-            </a:lvl1pPr>
-            <a:lvl2pPr marL="742950" indent="-285750">
-              <a:spcBef>
-                <a:spcPct val="20000"/>
-              </a:spcBef>
-              <a:buChar char="–"/>
-              <a:defRPr sz="2800">
-                <a:solidFill>
-                  <a:schemeClr val="tx1"/>
-                </a:solidFill>
-                <a:latin typeface="Arial" panose="020B0604020202020204" pitchFamily="34" charset="0"/>
-                <a:ea typeface="Arial Unicode MS" panose="020B0604020202020204" pitchFamily="50" charset="-127"/>
-                <a:cs typeface="Arial" panose="020B0604020202020204" pitchFamily="34" charset="0"/>
-              </a:defRPr>
-            </a:lvl2pPr>
-            <a:lvl3pPr marL="1143000" indent="-228600">
-              <a:spcBef>
-                <a:spcPct val="20000"/>
-              </a:spcBef>
-              <a:buChar char="•"/>
-              <a:defRPr sz="2400">
-                <a:solidFill>
-                  <a:schemeClr val="tx1"/>
-                </a:solidFill>
-                <a:latin typeface="Arial" panose="020B0604020202020204" pitchFamily="34" charset="0"/>
-                <a:ea typeface="Arial Unicode MS" panose="020B0604020202020204" pitchFamily="50" charset="-127"/>
-                <a:cs typeface="Arial" panose="020B0604020202020204" pitchFamily="34" charset="0"/>
-              </a:defRPr>
-            </a:lvl3pPr>
-            <a:lvl4pPr marL="1600200" indent="-228600">
-              <a:spcBef>
-                <a:spcPct val="20000"/>
-              </a:spcBef>
-              <a:buChar char="–"/>
-              <a:defRPr sz="2000">
-                <a:solidFill>
-                  <a:schemeClr val="tx1"/>
-                </a:solidFill>
-                <a:latin typeface="Arial" panose="020B0604020202020204" pitchFamily="34" charset="0"/>
-                <a:ea typeface="Arial Unicode MS" panose="020B0604020202020204" pitchFamily="50" charset="-127"/>
-                <a:cs typeface="Arial" panose="020B0604020202020204" pitchFamily="34" charset="0"/>
-              </a:defRPr>
-            </a:lvl4pPr>
-            <a:lvl5pPr marL="2057400" indent="-228600">
-              <a:spcBef>
-                <a:spcPct val="20000"/>
-              </a:spcBef>
-              <a:buChar char="»"/>
-              <a:defRPr sz="2000">
-                <a:solidFill>
-                  <a:schemeClr val="tx1"/>
-                </a:solidFill>
-                <a:latin typeface="Arial" panose="020B0604020202020204" pitchFamily="34" charset="0"/>
-                <a:ea typeface="Arial Unicode MS" panose="020B0604020202020204" pitchFamily="50" charset="-127"/>
-                <a:cs typeface="Arial" panose="020B0604020202020204" pitchFamily="34" charset="0"/>
-              </a:defRPr>
-            </a:lvl5pPr>
-            <a:lvl6pPr marL="2514600" indent="-228600" eaLnBrk="0" fontAlgn="base" hangingPunct="0">
-              <a:spcBef>
-                <a:spcPct val="20000"/>
-              </a:spcBef>
-              <a:spcAft>
-                <a:spcPct val="0"/>
-              </a:spcAft>
-              <a:buChar char="»"/>
-              <a:defRPr sz="2000">
-                <a:solidFill>
-                  <a:schemeClr val="tx1"/>
-                </a:solidFill>
-                <a:latin typeface="Arial" panose="020B0604020202020204" pitchFamily="34" charset="0"/>
-                <a:ea typeface="Arial Unicode MS" panose="020B0604020202020204" pitchFamily="50" charset="-127"/>
-                <a:cs typeface="Arial" panose="020B0604020202020204" pitchFamily="34" charset="0"/>
-              </a:defRPr>
-            </a:lvl6pPr>
-            <a:lvl7pPr marL="2971800" indent="-228600" eaLnBrk="0" fontAlgn="base" hangingPunct="0">
-              <a:spcBef>
-                <a:spcPct val="20000"/>
-              </a:spcBef>
-              <a:spcAft>
-                <a:spcPct val="0"/>
-              </a:spcAft>
-              <a:buChar char="»"/>
-              <a:defRPr sz="2000">
-                <a:solidFill>
-                  <a:schemeClr val="tx1"/>
-                </a:solidFill>
-                <a:latin typeface="Arial" panose="020B0604020202020204" pitchFamily="34" charset="0"/>
-                <a:ea typeface="Arial Unicode MS" panose="020B0604020202020204" pitchFamily="50" charset="-127"/>
-                <a:cs typeface="Arial" panose="020B0604020202020204" pitchFamily="34" charset="0"/>
-              </a:defRPr>
-            </a:lvl7pPr>
-            <a:lvl8pPr marL="3429000" indent="-228600" eaLnBrk="0" fontAlgn="base" hangingPunct="0">
-              <a:spcBef>
-                <a:spcPct val="20000"/>
-              </a:spcBef>
-              <a:spcAft>
-                <a:spcPct val="0"/>
-              </a:spcAft>
-              <a:buChar char="»"/>
-              <a:defRPr sz="2000">
-                <a:solidFill>
-                  <a:schemeClr val="tx1"/>
-                </a:solidFill>
-                <a:latin typeface="Arial" panose="020B0604020202020204" pitchFamily="34" charset="0"/>
-                <a:ea typeface="Arial Unicode MS" panose="020B0604020202020204" pitchFamily="50" charset="-127"/>
-                <a:cs typeface="Arial" panose="020B0604020202020204" pitchFamily="34" charset="0"/>
-              </a:defRPr>
-            </a:lvl8pPr>
-            <a:lvl9pPr marL="3886200" indent="-228600" eaLnBrk="0" fontAlgn="base" hangingPunct="0">
-              <a:spcBef>
-                <a:spcPct val="20000"/>
-              </a:spcBef>
-              <a:spcAft>
-                <a:spcPct val="0"/>
-              </a:spcAft>
-              <a:buChar char="»"/>
-              <a:defRPr sz="2000">
-                <a:solidFill>
-                  <a:schemeClr val="tx1"/>
-                </a:solidFill>
-                <a:latin typeface="Arial" panose="020B0604020202020204" pitchFamily="34" charset="0"/>
-                <a:ea typeface="Arial Unicode MS" panose="020B0604020202020204" pitchFamily="50" charset="-127"/>
-                <a:cs typeface="Arial" panose="020B0604020202020204" pitchFamily="34" charset="0"/>
-              </a:defRPr>
-            </a:lvl9pPr>
-          </a:lstStyle>
-          <a:p>
-            <a:pPr eaLnBrk="1" hangingPunct="1">
-              <a:spcBef>
-                <a:spcPct val="0"/>
-              </a:spcBef>
-              <a:buFontTx/>
-              <a:buNone/>
-            </a:pPr>
-            <a:r>
-              <a:rPr lang="ko-KR" altLang="en-US" sz="1800">
-                <a:solidFill>
-                  <a:srgbClr val="000000"/>
-                </a:solidFill>
-                <a:latin typeface="맑은 고딕" panose="020B0503020000020004" pitchFamily="50" charset="-127"/>
-                <a:ea typeface="맑은 고딕" panose="020B0503020000020004" pitchFamily="50" charset="-127"/>
-              </a:rPr>
-              <a:t>원본보다 </a:t>
-            </a:r>
-            <a:r>
-              <a:rPr lang="en-US" altLang="ko-KR" sz="1800">
-                <a:solidFill>
-                  <a:srgbClr val="000000"/>
-                </a:solidFill>
-                <a:latin typeface="맑은 고딕" panose="020B0503020000020004" pitchFamily="50" charset="-127"/>
-                <a:ea typeface="맑은 고딕" panose="020B0503020000020004" pitchFamily="50" charset="-127"/>
-              </a:rPr>
-              <a:t>2</a:t>
-            </a:r>
-            <a:r>
-              <a:rPr lang="ko-KR" altLang="en-US" sz="1800">
-                <a:solidFill>
-                  <a:srgbClr val="000000"/>
-                </a:solidFill>
-                <a:latin typeface="맑은 고딕" panose="020B0503020000020004" pitchFamily="50" charset="-127"/>
-                <a:ea typeface="맑은 고딕" panose="020B0503020000020004" pitchFamily="50" charset="-127"/>
-              </a:rPr>
-              <a:t>비트의 비용 추가</a:t>
-            </a:r>
-            <a:endParaRPr lang="en-US" altLang="ko-KR" sz="1800">
-              <a:solidFill>
-                <a:srgbClr val="000000"/>
-              </a:solidFill>
-              <a:latin typeface="맑은 고딕" panose="020B0503020000020004" pitchFamily="50" charset="-127"/>
-              <a:ea typeface="맑은 고딕" panose="020B0503020000020004" pitchFamily="50" charset="-127"/>
-            </a:endParaRPr>
-          </a:p>
-          <a:p>
-            <a:pPr eaLnBrk="1" hangingPunct="1">
-              <a:spcBef>
-                <a:spcPct val="0"/>
-              </a:spcBef>
-              <a:buFontTx/>
-              <a:buNone/>
-            </a:pPr>
-            <a:r>
-              <a:rPr lang="ko-KR" altLang="en-US" sz="1800">
-                <a:solidFill>
-                  <a:srgbClr val="000000"/>
-                </a:solidFill>
-                <a:latin typeface="맑은 고딕" panose="020B0503020000020004" pitchFamily="50" charset="-127"/>
-                <a:ea typeface="맑은 고딕" panose="020B0503020000020004" pitchFamily="50" charset="-127"/>
-              </a:rPr>
-              <a:t>인코딩 </a:t>
-            </a:r>
-            <a:r>
-              <a:rPr lang="en-US" altLang="ko-KR" sz="1800">
-                <a:solidFill>
-                  <a:srgbClr val="000000"/>
-                </a:solidFill>
-                <a:latin typeface="맑은 고딕" panose="020B0503020000020004" pitchFamily="50" charset="-127"/>
-                <a:ea typeface="맑은 고딕" panose="020B0503020000020004" pitchFamily="50" charset="-127"/>
-              </a:rPr>
-              <a:t>/ </a:t>
-            </a:r>
-            <a:r>
-              <a:rPr lang="ko-KR" altLang="en-US" sz="1800">
-                <a:solidFill>
-                  <a:srgbClr val="000000"/>
-                </a:solidFill>
-                <a:latin typeface="맑은 고딕" panose="020B0503020000020004" pitchFamily="50" charset="-127"/>
-                <a:ea typeface="맑은 고딕" panose="020B0503020000020004" pitchFamily="50" charset="-127"/>
-              </a:rPr>
-              <a:t>디코딩 </a:t>
-            </a:r>
-            <a:r>
-              <a:rPr lang="en-US" altLang="ko-KR" sz="1800">
-                <a:solidFill>
-                  <a:srgbClr val="000000"/>
-                </a:solidFill>
-                <a:latin typeface="맑은 고딕" panose="020B0503020000020004" pitchFamily="50" charset="-127"/>
-                <a:ea typeface="맑은 고딕" panose="020B0503020000020004" pitchFamily="50" charset="-127"/>
-              </a:rPr>
-              <a:t>CPU </a:t>
-            </a:r>
-            <a:r>
-              <a:rPr lang="ko-KR" altLang="en-US" sz="1800">
-                <a:solidFill>
-                  <a:srgbClr val="000000"/>
-                </a:solidFill>
-                <a:latin typeface="맑은 고딕" panose="020B0503020000020004" pitchFamily="50" charset="-127"/>
-                <a:ea typeface="맑은 고딕" panose="020B0503020000020004" pitchFamily="50" charset="-127"/>
-              </a:rPr>
-              <a:t>연산 비용 추가</a:t>
-            </a:r>
-            <a:endParaRPr lang="en-US" altLang="ko-KR" sz="1800">
-              <a:solidFill>
-                <a:srgbClr val="000000"/>
-              </a:solidFill>
-              <a:latin typeface="맑은 고딕" panose="020B0503020000020004" pitchFamily="50" charset="-127"/>
-              <a:ea typeface="맑은 고딕" panose="020B0503020000020004" pitchFamily="50" charset="-127"/>
-            </a:endParaRPr>
-          </a:p>
-        </p:txBody>
-      </p:sp>
-    </p:spTree>
-    <p:extLst>
-      <p:ext uri="{BB962C8B-B14F-4D97-AF65-F5344CB8AC3E}">
-        <p14:creationId xmlns:p14="http://schemas.microsoft.com/office/powerpoint/2010/main" val="1037835677"/>
+        <p14:creationId xmlns:p14="http://schemas.microsoft.com/office/powerpoint/2010/main" val="1148269087"/>
       </p:ext>
     </p:extLst>
   </p:cSld>
